--- a/day-18/Idaszak_OSS_OpenSource.pptx
+++ b/day-18/Idaszak_OSS_OpenSource.pptx
@@ -5,10 +5,10 @@
     <p:sldMasterId id="2147483648" r:id="rId4"/>
   </p:sldMasterIdLst>
   <p:notesMasterIdLst>
-    <p:notesMasterId r:id="rId23"/>
+    <p:notesMasterId r:id="rId25"/>
   </p:notesMasterIdLst>
   <p:handoutMasterIdLst>
-    <p:handoutMasterId r:id="rId24"/>
+    <p:handoutMasterId r:id="rId26"/>
   </p:handoutMasterIdLst>
   <p:sldIdLst>
     <p:sldId id="342" r:id="rId5"/>
@@ -24,11 +24,13 @@
     <p:sldId id="798" r:id="rId15"/>
     <p:sldId id="788" r:id="rId16"/>
     <p:sldId id="791" r:id="rId17"/>
-    <p:sldId id="796" r:id="rId18"/>
+    <p:sldId id="802" r:id="rId18"/>
     <p:sldId id="800" r:id="rId19"/>
-    <p:sldId id="801" r:id="rId20"/>
-    <p:sldId id="795" r:id="rId21"/>
-    <p:sldId id="785" r:id="rId22"/>
+    <p:sldId id="803" r:id="rId20"/>
+    <p:sldId id="804" r:id="rId21"/>
+    <p:sldId id="801" r:id="rId22"/>
+    <p:sldId id="795" r:id="rId23"/>
+    <p:sldId id="785" r:id="rId24"/>
   </p:sldIdLst>
   <p:sldSz cx="9144000" cy="6858000" type="screen4x3"/>
   <p:notesSz cx="7019925" cy="9305925"/>
@@ -228,7 +230,7 @@
           <a:p>
             <a:fld id="{9246E736-8DF2-4A67-8AD5-413DE77FF67A}" type="datetimeFigureOut">
               <a:rPr lang="en-US" smtClean="0"/>
-              <a:t>7/10/2014</a:t>
+              <a:t>8/4/2014</a:t>
             </a:fld>
             <a:endParaRPr lang="en-US" dirty="0"/>
           </a:p>
@@ -394,7 +396,7 @@
             <a:fld id="{6F706718-8F9B-4714-BDCA-44544253309B}" type="datetimeFigureOut">
               <a:rPr lang="en-US" smtClean="0"/>
               <a:pPr/>
-              <a:t>7/10/2014</a:t>
+              <a:t>8/4/2014</a:t>
             </a:fld>
             <a:endParaRPr lang="en-US" dirty="0"/>
           </a:p>
@@ -955,7 +957,7 @@
     </p:spTree>
     <p:extLst>
       <p:ext uri="{BB962C8B-B14F-4D97-AF65-F5344CB8AC3E}">
-        <p14:creationId xmlns:p14="http://schemas.microsoft.com/office/powerpoint/2010/main" val="3571203646"/>
+        <p14:creationId xmlns:p14="http://schemas.microsoft.com/office/powerpoint/2010/main" val="2169131031"/>
       </p:ext>
     </p:extLst>
   </p:cSld>
@@ -1009,17 +1011,10 @@
           <a:bodyPr/>
           <a:lstStyle/>
           <a:p>
-            <a:r>
-              <a:rPr lang="en-US" dirty="0" smtClean="0"/>
-              <a:t>Transparent</a:t>
-            </a:r>
-            <a:r>
-              <a:rPr lang="en-US" smtClean="0"/>
-              <a:t>, user-friendly way</a:t>
-            </a:r>
-          </a:p>
-          <a:p>
-            <a:endParaRPr lang="en-US"/>
+            <a:endParaRPr lang="en-US" baseline="0" dirty="0" smtClean="0"/>
+          </a:p>
+          <a:p>
+            <a:endParaRPr lang="en-US" dirty="0"/>
           </a:p>
         </p:txBody>
       </p:sp>
@@ -1042,6 +1037,189 @@
               <a:rPr lang="en-US" smtClean="0"/>
               <a:pPr/>
               <a:t>17</a:t>
+            </a:fld>
+            <a:endParaRPr lang="en-US" dirty="0"/>
+          </a:p>
+        </p:txBody>
+      </p:sp>
+    </p:spTree>
+    <p:extLst>
+      <p:ext uri="{BB962C8B-B14F-4D97-AF65-F5344CB8AC3E}">
+        <p14:creationId xmlns:p14="http://schemas.microsoft.com/office/powerpoint/2010/main" val="3081801580"/>
+      </p:ext>
+    </p:extLst>
+  </p:cSld>
+  <p:clrMapOvr>
+    <a:masterClrMapping/>
+  </p:clrMapOvr>
+</p:notes>
+</file>
+
+<file path=ppt/notesSlides/notesSlide13.xml><?xml version="1.0" encoding="utf-8"?>
+<p:notes xmlns:a="http://schemas.openxmlformats.org/drawingml/2006/main" xmlns:r="http://schemas.openxmlformats.org/officeDocument/2006/relationships" xmlns:p="http://schemas.openxmlformats.org/presentationml/2006/main">
+  <p:cSld>
+    <p:spTree>
+      <p:nvGrpSpPr>
+        <p:cNvPr id="1" name=""/>
+        <p:cNvGrpSpPr/>
+        <p:nvPr/>
+      </p:nvGrpSpPr>
+      <p:grpSpPr>
+        <a:xfrm>
+          <a:off x="0" y="0"/>
+          <a:ext cx="0" cy="0"/>
+          <a:chOff x="0" y="0"/>
+          <a:chExt cx="0" cy="0"/>
+        </a:xfrm>
+      </p:grpSpPr>
+      <p:sp>
+        <p:nvSpPr>
+          <p:cNvPr id="2" name="Slide Image Placeholder 1"/>
+          <p:cNvSpPr>
+            <a:spLocks noGrp="1" noRot="1" noChangeAspect="1"/>
+          </p:cNvSpPr>
+          <p:nvPr>
+            <p:ph type="sldImg"/>
+          </p:nvPr>
+        </p:nvSpPr>
+        <p:spPr/>
+      </p:sp>
+      <p:sp>
+        <p:nvSpPr>
+          <p:cNvPr id="3" name="Notes Placeholder 2"/>
+          <p:cNvSpPr>
+            <a:spLocks noGrp="1"/>
+          </p:cNvSpPr>
+          <p:nvPr>
+            <p:ph type="body" idx="1"/>
+          </p:nvPr>
+        </p:nvSpPr>
+        <p:spPr/>
+        <p:txBody>
+          <a:bodyPr/>
+          <a:lstStyle/>
+          <a:p>
+            <a:endParaRPr lang="en-US" baseline="0" dirty="0" smtClean="0"/>
+          </a:p>
+          <a:p>
+            <a:endParaRPr lang="en-US" dirty="0"/>
+          </a:p>
+        </p:txBody>
+      </p:sp>
+      <p:sp>
+        <p:nvSpPr>
+          <p:cNvPr id="4" name="Slide Number Placeholder 3"/>
+          <p:cNvSpPr>
+            <a:spLocks noGrp="1"/>
+          </p:cNvSpPr>
+          <p:nvPr>
+            <p:ph type="sldNum" sz="quarter" idx="10"/>
+          </p:nvPr>
+        </p:nvSpPr>
+        <p:spPr/>
+        <p:txBody>
+          <a:bodyPr/>
+          <a:lstStyle/>
+          <a:p>
+            <a:fld id="{0396E79A-87AA-4B9C-8CA3-60BB7F8FB89E}" type="slidenum">
+              <a:rPr lang="en-US" smtClean="0"/>
+              <a:pPr/>
+              <a:t>18</a:t>
+            </a:fld>
+            <a:endParaRPr lang="en-US" dirty="0"/>
+          </a:p>
+        </p:txBody>
+      </p:sp>
+    </p:spTree>
+    <p:extLst>
+      <p:ext uri="{BB962C8B-B14F-4D97-AF65-F5344CB8AC3E}">
+        <p14:creationId xmlns:p14="http://schemas.microsoft.com/office/powerpoint/2010/main" val="3571203646"/>
+      </p:ext>
+    </p:extLst>
+  </p:cSld>
+  <p:clrMapOvr>
+    <a:masterClrMapping/>
+  </p:clrMapOvr>
+</p:notes>
+</file>
+
+<file path=ppt/notesSlides/notesSlide14.xml><?xml version="1.0" encoding="utf-8"?>
+<p:notes xmlns:a="http://schemas.openxmlformats.org/drawingml/2006/main" xmlns:r="http://schemas.openxmlformats.org/officeDocument/2006/relationships" xmlns:p="http://schemas.openxmlformats.org/presentationml/2006/main">
+  <p:cSld>
+    <p:spTree>
+      <p:nvGrpSpPr>
+        <p:cNvPr id="1" name=""/>
+        <p:cNvGrpSpPr/>
+        <p:nvPr/>
+      </p:nvGrpSpPr>
+      <p:grpSpPr>
+        <a:xfrm>
+          <a:off x="0" y="0"/>
+          <a:ext cx="0" cy="0"/>
+          <a:chOff x="0" y="0"/>
+          <a:chExt cx="0" cy="0"/>
+        </a:xfrm>
+      </p:grpSpPr>
+      <p:sp>
+        <p:nvSpPr>
+          <p:cNvPr id="2" name="Slide Image Placeholder 1"/>
+          <p:cNvSpPr>
+            <a:spLocks noGrp="1" noRot="1" noChangeAspect="1"/>
+          </p:cNvSpPr>
+          <p:nvPr>
+            <p:ph type="sldImg"/>
+          </p:nvPr>
+        </p:nvSpPr>
+        <p:spPr/>
+      </p:sp>
+      <p:sp>
+        <p:nvSpPr>
+          <p:cNvPr id="3" name="Notes Placeholder 2"/>
+          <p:cNvSpPr>
+            <a:spLocks noGrp="1"/>
+          </p:cNvSpPr>
+          <p:nvPr>
+            <p:ph type="body" idx="1"/>
+          </p:nvPr>
+        </p:nvSpPr>
+        <p:spPr/>
+        <p:txBody>
+          <a:bodyPr/>
+          <a:lstStyle/>
+          <a:p>
+            <a:r>
+              <a:rPr lang="en-US" dirty="0" smtClean="0"/>
+              <a:t>Transparent</a:t>
+            </a:r>
+            <a:r>
+              <a:rPr lang="en-US" smtClean="0"/>
+              <a:t>, user-friendly way</a:t>
+            </a:r>
+          </a:p>
+          <a:p>
+            <a:endParaRPr lang="en-US"/>
+          </a:p>
+        </p:txBody>
+      </p:sp>
+      <p:sp>
+        <p:nvSpPr>
+          <p:cNvPr id="4" name="Slide Number Placeholder 3"/>
+          <p:cNvSpPr>
+            <a:spLocks noGrp="1"/>
+          </p:cNvSpPr>
+          <p:nvPr>
+            <p:ph type="sldNum" sz="quarter" idx="10"/>
+          </p:nvPr>
+        </p:nvSpPr>
+        <p:spPr/>
+        <p:txBody>
+          <a:bodyPr/>
+          <a:lstStyle/>
+          <a:p>
+            <a:fld id="{0396E79A-87AA-4B9C-8CA3-60BB7F8FB89E}" type="slidenum">
+              <a:rPr lang="en-US" smtClean="0"/>
+              <a:pPr/>
+              <a:t>19</a:t>
             </a:fld>
             <a:endParaRPr lang="en-US" dirty="0"/>
           </a:p>
@@ -2375,7 +2553,7 @@
     </p:spTree>
     <p:extLst>
       <p:ext uri="{BB962C8B-B14F-4D97-AF65-F5344CB8AC3E}">
-        <p14:creationId xmlns:p14="http://schemas.microsoft.com/office/powerpoint/2010/main" val="2892527487"/>
+        <p14:creationId xmlns:p14="http://schemas.microsoft.com/office/powerpoint/2010/main" val="3820775282"/>
       </p:ext>
     </p:extLst>
   </p:cSld>
@@ -2575,7 +2753,7 @@
             <a:fld id="{971973F9-422E-457B-9F92-077D34CBCE65}" type="datetimeFigureOut">
               <a:rPr lang="en-US" smtClean="0"/>
               <a:pPr/>
-              <a:t>7/10/2014</a:t>
+              <a:t>8/4/2014</a:t>
             </a:fld>
             <a:endParaRPr lang="en-US" dirty="0"/>
           </a:p>
@@ -2773,7 +2951,7 @@
             <a:fld id="{971973F9-422E-457B-9F92-077D34CBCE65}" type="datetimeFigureOut">
               <a:rPr lang="en-US" smtClean="0"/>
               <a:pPr/>
-              <a:t>7/10/2014</a:t>
+              <a:t>8/4/2014</a:t>
             </a:fld>
             <a:endParaRPr lang="en-US" dirty="0"/>
           </a:p>
@@ -2974,7 +3152,7 @@
             <a:fld id="{971973F9-422E-457B-9F92-077D34CBCE65}" type="datetimeFigureOut">
               <a:rPr lang="en-US" smtClean="0"/>
               <a:pPr/>
-              <a:t>7/10/2014</a:t>
+              <a:t>8/4/2014</a:t>
             </a:fld>
             <a:endParaRPr lang="en-US" dirty="0"/>
           </a:p>
@@ -3165,7 +3343,7 @@
             <a:fld id="{971973F9-422E-457B-9F92-077D34CBCE65}" type="datetimeFigureOut">
               <a:rPr lang="en-US" smtClean="0"/>
               <a:pPr/>
-              <a:t>7/10/2014</a:t>
+              <a:t>8/4/2014</a:t>
             </a:fld>
             <a:endParaRPr lang="en-US" dirty="0"/>
           </a:p>
@@ -3439,7 +3617,7 @@
             <a:fld id="{971973F9-422E-457B-9F92-077D34CBCE65}" type="datetimeFigureOut">
               <a:rPr lang="en-US" smtClean="0"/>
               <a:pPr/>
-              <a:t>7/10/2014</a:t>
+              <a:t>8/4/2014</a:t>
             </a:fld>
             <a:endParaRPr lang="en-US" dirty="0"/>
           </a:p>
@@ -3748,7 +3926,7 @@
             <a:fld id="{971973F9-422E-457B-9F92-077D34CBCE65}" type="datetimeFigureOut">
               <a:rPr lang="en-US" smtClean="0"/>
               <a:pPr/>
-              <a:t>7/10/2014</a:t>
+              <a:t>8/4/2014</a:t>
             </a:fld>
             <a:endParaRPr lang="en-US" dirty="0"/>
           </a:p>
@@ -4191,7 +4369,7 @@
             <a:fld id="{971973F9-422E-457B-9F92-077D34CBCE65}" type="datetimeFigureOut">
               <a:rPr lang="en-US" smtClean="0"/>
               <a:pPr/>
-              <a:t>7/10/2014</a:t>
+              <a:t>8/4/2014</a:t>
             </a:fld>
             <a:endParaRPr lang="en-US" dirty="0"/>
           </a:p>
@@ -4330,7 +4508,7 @@
             <a:fld id="{971973F9-422E-457B-9F92-077D34CBCE65}" type="datetimeFigureOut">
               <a:rPr lang="en-US" smtClean="0"/>
               <a:pPr/>
-              <a:t>7/10/2014</a:t>
+              <a:t>8/4/2014</a:t>
             </a:fld>
             <a:endParaRPr lang="en-US" dirty="0"/>
           </a:p>
@@ -4446,7 +4624,7 @@
             <a:fld id="{971973F9-422E-457B-9F92-077D34CBCE65}" type="datetimeFigureOut">
               <a:rPr lang="en-US" smtClean="0"/>
               <a:pPr/>
-              <a:t>7/10/2014</a:t>
+              <a:t>8/4/2014</a:t>
             </a:fld>
             <a:endParaRPr lang="en-US" dirty="0"/>
           </a:p>
@@ -4744,7 +4922,7 @@
             <a:fld id="{971973F9-422E-457B-9F92-077D34CBCE65}" type="datetimeFigureOut">
               <a:rPr lang="en-US" smtClean="0"/>
               <a:pPr/>
-              <a:t>7/10/2014</a:t>
+              <a:t>8/4/2014</a:t>
             </a:fld>
             <a:endParaRPr lang="en-US" dirty="0"/>
           </a:p>
@@ -5018,7 +5196,7 @@
             <a:fld id="{971973F9-422E-457B-9F92-077D34CBCE65}" type="datetimeFigureOut">
               <a:rPr lang="en-US" smtClean="0"/>
               <a:pPr/>
-              <a:t>7/10/2014</a:t>
+              <a:t>8/4/2014</a:t>
             </a:fld>
             <a:endParaRPr lang="en-US" dirty="0"/>
           </a:p>
@@ -5707,11 +5885,6 @@
               </a:rPr>
               <a:t>Open Source for Synthesis Workshop</a:t>
             </a:r>
-            <a:endParaRPr lang="en-US" sz="2400" dirty="0" smtClean="0">
-              <a:solidFill>
-                <a:srgbClr val="0070C0"/>
-              </a:solidFill>
-            </a:endParaRPr>
           </a:p>
           <a:p>
             <a:pPr algn="ctr"/>
@@ -5721,15 +5894,7 @@
                   <a:srgbClr val="0070C0"/>
                 </a:solidFill>
               </a:rPr>
-              <a:t>August 07, </a:t>
-            </a:r>
-            <a:r>
-              <a:rPr lang="en-US" sz="2400" dirty="0" smtClean="0">
-                <a:solidFill>
-                  <a:srgbClr val="0070C0"/>
-                </a:solidFill>
-              </a:rPr>
-              <a:t>2014</a:t>
+              <a:t>August 07, 2014</a:t>
             </a:r>
           </a:p>
           <a:p>
@@ -6606,92 +6771,27 @@
           </a:p>
         </p:txBody>
       </p:sp>
-      <p:pic>
-        <p:nvPicPr>
-          <p:cNvPr id="24" name="Picture 16" descr="PlainBlueInfinity2.png"/>
-          <p:cNvPicPr>
-            <a:picLocks noChangeAspect="1"/>
-          </p:cNvPicPr>
+      <p:sp>
+        <p:nvSpPr>
+          <p:cNvPr id="4" name="Rectangle 3"/>
+          <p:cNvSpPr/>
           <p:nvPr/>
-        </p:nvPicPr>
-        <p:blipFill>
-          <a:blip r:embed="rId3">
-            <a:extLst>
-              <a:ext uri="{28A0092B-C50C-407E-A947-70E740481C1C}">
-                <a14:useLocalDpi xmlns:a14="http://schemas.microsoft.com/office/drawing/2010/main" val="0"/>
-              </a:ext>
-            </a:extLst>
-          </a:blip>
-          <a:srcRect/>
-          <a:stretch>
-            <a:fillRect/>
-          </a:stretch>
-        </p:blipFill>
-        <p:spPr bwMode="auto">
-          <a:xfrm>
-            <a:off x="625471" y="648344"/>
-            <a:ext cx="7286625" cy="3046287"/>
+        </p:nvSpPr>
+        <p:spPr>
+          <a:xfrm>
+            <a:off x="-6349" y="5088470"/>
+            <a:ext cx="9154764" cy="1493200"/>
           </a:xfrm>
           <a:prstGeom prst="rect">
             <a:avLst/>
           </a:prstGeom>
-          <a:noFill/>
+          <a:solidFill>
+            <a:srgbClr val="2A81C4"/>
+          </a:solidFill>
           <a:ln>
             <a:noFill/>
           </a:ln>
-          <a:extLst>
-            <a:ext uri="{909E8E84-426E-40DD-AFC4-6F175D3DCCD1}">
-              <a14:hiddenFill xmlns:a14="http://schemas.microsoft.com/office/drawing/2010/main">
-                <a:solidFill>
-                  <a:srgbClr val="FFFFFF"/>
-                </a:solidFill>
-              </a14:hiddenFill>
-            </a:ext>
-            <a:ext uri="{91240B29-F687-4F45-9708-019B960494DF}">
-              <a14:hiddenLine xmlns:a14="http://schemas.microsoft.com/office/drawing/2010/main" w="9525">
-                <a:solidFill>
-                  <a:srgbClr val="000000"/>
-                </a:solidFill>
-                <a:miter lim="800000"/>
-                <a:headEnd/>
-                <a:tailEnd/>
-              </a14:hiddenLine>
-            </a:ext>
-          </a:extLst>
-        </p:spPr>
-      </p:pic>
-      <p:sp>
-        <p:nvSpPr>
-          <p:cNvPr id="25" name="Rounded Rectangle 24"/>
-          <p:cNvSpPr/>
-          <p:nvPr/>
-        </p:nvSpPr>
-        <p:spPr>
-          <a:xfrm>
-            <a:off x="747708" y="134677"/>
-            <a:ext cx="1207157" cy="988732"/>
-          </a:xfrm>
-          <a:prstGeom prst="roundRect">
-            <a:avLst/>
-          </a:prstGeom>
-          <a:gradFill>
-            <a:gsLst>
-              <a:gs pos="0">
-                <a:srgbClr val="F9FFB3"/>
-              </a:gs>
-              <a:gs pos="100000">
-                <a:schemeClr val="bg1"/>
-              </a:gs>
-            </a:gsLst>
-          </a:gradFill>
-          <a:ln>
-            <a:solidFill>
-              <a:schemeClr val="accent6">
-                <a:lumMod val="60000"/>
-                <a:lumOff val="40000"/>
-              </a:schemeClr>
-            </a:solidFill>
-          </a:ln>
+          <a:effectLst/>
         </p:spPr>
         <p:style>
           <a:lnRef idx="1">
@@ -6708,1319 +6808,6 @@
           </a:fontRef>
         </p:style>
         <p:txBody>
-          <a:bodyPr anchor="ctr"/>
-          <a:lstStyle/>
-          <a:p>
-            <a:pPr algn="ctr" fontAlgn="auto">
-              <a:spcBef>
-                <a:spcPts val="0"/>
-              </a:spcBef>
-              <a:spcAft>
-                <a:spcPts val="0"/>
-              </a:spcAft>
-              <a:defRPr/>
-            </a:pPr>
-            <a:r>
-              <a:rPr lang="en-US" sz="1400" b="1" dirty="0">
-                <a:solidFill>
-                  <a:srgbClr val="000000"/>
-                </a:solidFill>
-              </a:rPr>
-              <a:t>1. Determine Community Priorities</a:t>
-            </a:r>
-            <a:endParaRPr lang="en-US" sz="1400" dirty="0">
-              <a:solidFill>
-                <a:srgbClr val="000000"/>
-              </a:solidFill>
-            </a:endParaRPr>
-          </a:p>
-        </p:txBody>
-      </p:sp>
-      <p:sp>
-        <p:nvSpPr>
-          <p:cNvPr id="26" name="Rounded Rectangle 25"/>
-          <p:cNvSpPr/>
-          <p:nvPr/>
-        </p:nvSpPr>
-        <p:spPr>
-          <a:xfrm>
-            <a:off x="5277905" y="2996412"/>
-            <a:ext cx="1207156" cy="990189"/>
-          </a:xfrm>
-          <a:prstGeom prst="roundRect">
-            <a:avLst/>
-          </a:prstGeom>
-          <a:gradFill>
-            <a:gsLst>
-              <a:gs pos="0">
-                <a:srgbClr val="F9FFB3"/>
-              </a:gs>
-              <a:gs pos="100000">
-                <a:schemeClr val="bg1"/>
-              </a:gs>
-            </a:gsLst>
-          </a:gradFill>
-          <a:ln>
-            <a:solidFill>
-              <a:schemeClr val="accent6">
-                <a:lumMod val="60000"/>
-                <a:lumOff val="40000"/>
-              </a:schemeClr>
-            </a:solidFill>
-          </a:ln>
-        </p:spPr>
-        <p:style>
-          <a:lnRef idx="1">
-            <a:schemeClr val="accent1"/>
-          </a:lnRef>
-          <a:fillRef idx="3">
-            <a:schemeClr val="accent1"/>
-          </a:fillRef>
-          <a:effectRef idx="2">
-            <a:schemeClr val="accent1"/>
-          </a:effectRef>
-          <a:fontRef idx="minor">
-            <a:schemeClr val="lt1"/>
-          </a:fontRef>
-        </p:style>
-        <p:txBody>
-          <a:bodyPr anchor="ctr">
-            <a:normAutofit/>
-          </a:bodyPr>
-          <a:lstStyle/>
-          <a:p>
-            <a:pPr algn="ctr" fontAlgn="auto">
-              <a:spcBef>
-                <a:spcPts val="0"/>
-              </a:spcBef>
-              <a:spcAft>
-                <a:spcPts val="0"/>
-              </a:spcAft>
-              <a:defRPr/>
-            </a:pPr>
-            <a:r>
-              <a:rPr lang="en-US" sz="1400" b="1" dirty="0">
-                <a:solidFill>
-                  <a:srgbClr val="000000"/>
-                </a:solidFill>
-              </a:rPr>
-              <a:t/>
-            </a:r>
-            <a:br>
-              <a:rPr lang="en-US" sz="1400" b="1" dirty="0">
-                <a:solidFill>
-                  <a:srgbClr val="000000"/>
-                </a:solidFill>
-              </a:rPr>
-            </a:br>
-            <a:r>
-              <a:rPr lang="en-US" sz="1400" b="1" dirty="0">
-                <a:solidFill>
-                  <a:srgbClr val="000000"/>
-                </a:solidFill>
-              </a:rPr>
-              <a:t>3. Design</a:t>
-            </a:r>
-          </a:p>
-          <a:p>
-            <a:pPr algn="ctr" fontAlgn="auto">
-              <a:spcBef>
-                <a:spcPts val="0"/>
-              </a:spcBef>
-              <a:spcAft>
-                <a:spcPts val="0"/>
-              </a:spcAft>
-              <a:defRPr/>
-            </a:pPr>
-            <a:endParaRPr lang="en-US" sz="1400" dirty="0">
-              <a:solidFill>
-                <a:srgbClr val="000000"/>
-              </a:solidFill>
-            </a:endParaRPr>
-          </a:p>
-        </p:txBody>
-      </p:sp>
-      <p:sp>
-        <p:nvSpPr>
-          <p:cNvPr id="27" name="Rounded Rectangle 26"/>
-          <p:cNvSpPr/>
-          <p:nvPr/>
-        </p:nvSpPr>
-        <p:spPr>
-          <a:xfrm>
-            <a:off x="7668966" y="1726164"/>
-            <a:ext cx="1207156" cy="990189"/>
-          </a:xfrm>
-          <a:prstGeom prst="roundRect">
-            <a:avLst/>
-          </a:prstGeom>
-          <a:gradFill>
-            <a:gsLst>
-              <a:gs pos="0">
-                <a:srgbClr val="F9FFB3"/>
-              </a:gs>
-              <a:gs pos="100000">
-                <a:schemeClr val="bg1"/>
-              </a:gs>
-            </a:gsLst>
-          </a:gradFill>
-          <a:ln>
-            <a:solidFill>
-              <a:schemeClr val="accent6">
-                <a:lumMod val="60000"/>
-                <a:lumOff val="40000"/>
-              </a:schemeClr>
-            </a:solidFill>
-          </a:ln>
-        </p:spPr>
-        <p:style>
-          <a:lnRef idx="1">
-            <a:schemeClr val="accent1"/>
-          </a:lnRef>
-          <a:fillRef idx="3">
-            <a:schemeClr val="accent1"/>
-          </a:fillRef>
-          <a:effectRef idx="2">
-            <a:schemeClr val="accent1"/>
-          </a:effectRef>
-          <a:fontRef idx="minor">
-            <a:schemeClr val="lt1"/>
-          </a:fontRef>
-        </p:style>
-        <p:txBody>
-          <a:bodyPr anchor="ctr"/>
-          <a:lstStyle/>
-          <a:p>
-            <a:pPr algn="ctr" fontAlgn="auto">
-              <a:spcBef>
-                <a:spcPts val="0"/>
-              </a:spcBef>
-              <a:spcAft>
-                <a:spcPts val="0"/>
-              </a:spcAft>
-              <a:defRPr/>
-            </a:pPr>
-            <a:endParaRPr lang="en-US" sz="1400" b="1" dirty="0">
-              <a:solidFill>
-                <a:srgbClr val="000000"/>
-              </a:solidFill>
-            </a:endParaRPr>
-          </a:p>
-          <a:p>
-            <a:pPr algn="ctr" fontAlgn="auto">
-              <a:spcBef>
-                <a:spcPts val="0"/>
-              </a:spcBef>
-              <a:spcAft>
-                <a:spcPts val="0"/>
-              </a:spcAft>
-              <a:defRPr/>
-            </a:pPr>
-            <a:r>
-              <a:rPr lang="en-US" sz="1400" b="1" dirty="0">
-                <a:solidFill>
-                  <a:srgbClr val="000000"/>
-                </a:solidFill>
-              </a:rPr>
-              <a:t>4. Implement</a:t>
-            </a:r>
-            <a:endParaRPr lang="en-US" sz="1400" dirty="0">
-              <a:solidFill>
-                <a:srgbClr val="000000"/>
-              </a:solidFill>
-            </a:endParaRPr>
-          </a:p>
-          <a:p>
-            <a:pPr algn="ctr" fontAlgn="auto">
-              <a:spcBef>
-                <a:spcPts val="0"/>
-              </a:spcBef>
-              <a:spcAft>
-                <a:spcPts val="0"/>
-              </a:spcAft>
-              <a:defRPr/>
-            </a:pPr>
-            <a:endParaRPr lang="en-US" sz="1400" dirty="0">
-              <a:solidFill>
-                <a:srgbClr val="000000"/>
-              </a:solidFill>
-            </a:endParaRPr>
-          </a:p>
-        </p:txBody>
-      </p:sp>
-      <p:sp>
-        <p:nvSpPr>
-          <p:cNvPr id="28" name="Rounded Rectangle 27"/>
-          <p:cNvSpPr/>
-          <p:nvPr/>
-        </p:nvSpPr>
-        <p:spPr>
-          <a:xfrm>
-            <a:off x="5775290" y="119990"/>
-            <a:ext cx="1288702" cy="990189"/>
-          </a:xfrm>
-          <a:prstGeom prst="roundRect">
-            <a:avLst/>
-          </a:prstGeom>
-          <a:gradFill>
-            <a:gsLst>
-              <a:gs pos="0">
-                <a:srgbClr val="F9FFB3"/>
-              </a:gs>
-              <a:gs pos="100000">
-                <a:schemeClr val="bg1"/>
-              </a:gs>
-            </a:gsLst>
-          </a:gradFill>
-          <a:ln>
-            <a:solidFill>
-              <a:schemeClr val="accent6">
-                <a:lumMod val="60000"/>
-                <a:lumOff val="40000"/>
-              </a:schemeClr>
-            </a:solidFill>
-          </a:ln>
-        </p:spPr>
-        <p:style>
-          <a:lnRef idx="1">
-            <a:schemeClr val="accent1"/>
-          </a:lnRef>
-          <a:fillRef idx="3">
-            <a:schemeClr val="accent1"/>
-          </a:fillRef>
-          <a:effectRef idx="2">
-            <a:schemeClr val="accent1"/>
-          </a:effectRef>
-          <a:fontRef idx="minor">
-            <a:schemeClr val="lt1"/>
-          </a:fontRef>
-        </p:style>
-        <p:txBody>
-          <a:bodyPr anchor="ctr"/>
-          <a:lstStyle/>
-          <a:p>
-            <a:pPr algn="ctr" fontAlgn="auto">
-              <a:spcBef>
-                <a:spcPts val="0"/>
-              </a:spcBef>
-              <a:spcAft>
-                <a:spcPts val="0"/>
-              </a:spcAft>
-              <a:defRPr/>
-            </a:pPr>
-            <a:endParaRPr lang="en-US" sz="1400" b="1" dirty="0">
-              <a:solidFill>
-                <a:srgbClr val="000000"/>
-              </a:solidFill>
-            </a:endParaRPr>
-          </a:p>
-          <a:p>
-            <a:pPr algn="ctr" fontAlgn="auto">
-              <a:spcBef>
-                <a:spcPts val="0"/>
-              </a:spcBef>
-              <a:spcAft>
-                <a:spcPts val="0"/>
-              </a:spcAft>
-              <a:defRPr/>
-            </a:pPr>
-            <a:r>
-              <a:rPr lang="en-US" sz="1400" b="1" dirty="0">
-                <a:solidFill>
-                  <a:srgbClr val="000000"/>
-                </a:solidFill>
-              </a:rPr>
-              <a:t>5.Investigate and Refine</a:t>
-            </a:r>
-            <a:br>
-              <a:rPr lang="en-US" sz="1400" b="1" dirty="0">
-                <a:solidFill>
-                  <a:srgbClr val="000000"/>
-                </a:solidFill>
-              </a:rPr>
-            </a:br>
-            <a:endParaRPr lang="en-US" sz="1400" dirty="0">
-              <a:solidFill>
-                <a:srgbClr val="000000"/>
-              </a:solidFill>
-            </a:endParaRPr>
-          </a:p>
-        </p:txBody>
-      </p:sp>
-      <p:sp>
-        <p:nvSpPr>
-          <p:cNvPr id="29" name="Rounded Rectangle 28"/>
-          <p:cNvSpPr/>
-          <p:nvPr/>
-        </p:nvSpPr>
-        <p:spPr>
-          <a:xfrm>
-            <a:off x="2963858" y="2996412"/>
-            <a:ext cx="1207157" cy="988732"/>
-          </a:xfrm>
-          <a:prstGeom prst="roundRect">
-            <a:avLst/>
-          </a:prstGeom>
-          <a:gradFill>
-            <a:gsLst>
-              <a:gs pos="0">
-                <a:srgbClr val="F9FFB3"/>
-              </a:gs>
-              <a:gs pos="100000">
-                <a:schemeClr val="bg1"/>
-              </a:gs>
-            </a:gsLst>
-          </a:gradFill>
-          <a:ln>
-            <a:solidFill>
-              <a:schemeClr val="accent6">
-                <a:lumMod val="60000"/>
-                <a:lumOff val="40000"/>
-              </a:schemeClr>
-            </a:solidFill>
-          </a:ln>
-        </p:spPr>
-        <p:style>
-          <a:lnRef idx="1">
-            <a:schemeClr val="accent1"/>
-          </a:lnRef>
-          <a:fillRef idx="3">
-            <a:schemeClr val="accent1"/>
-          </a:fillRef>
-          <a:effectRef idx="2">
-            <a:schemeClr val="accent1"/>
-          </a:effectRef>
-          <a:fontRef idx="minor">
-            <a:schemeClr val="lt1"/>
-          </a:fontRef>
-        </p:style>
-        <p:txBody>
-          <a:bodyPr anchor="ctr"/>
-          <a:lstStyle/>
-          <a:p>
-            <a:pPr algn="ctr" fontAlgn="auto">
-              <a:spcBef>
-                <a:spcPts val="0"/>
-              </a:spcBef>
-              <a:spcAft>
-                <a:spcPts val="0"/>
-              </a:spcAft>
-              <a:defRPr/>
-            </a:pPr>
-            <a:r>
-              <a:rPr lang="en-US" sz="1400" b="1" dirty="0">
-                <a:solidFill>
-                  <a:srgbClr val="000000"/>
-                </a:solidFill>
-              </a:rPr>
-              <a:t>6. Publish</a:t>
-            </a:r>
-            <a:endParaRPr lang="en-US" sz="1400" dirty="0">
-              <a:solidFill>
-                <a:srgbClr val="000000"/>
-              </a:solidFill>
-            </a:endParaRPr>
-          </a:p>
-        </p:txBody>
-      </p:sp>
-      <p:sp>
-        <p:nvSpPr>
-          <p:cNvPr id="30" name="Rounded Rectangle 29"/>
-          <p:cNvSpPr/>
-          <p:nvPr/>
-        </p:nvSpPr>
-        <p:spPr>
-          <a:xfrm>
-            <a:off x="747708" y="2801149"/>
-            <a:ext cx="1207157" cy="988733"/>
-          </a:xfrm>
-          <a:prstGeom prst="roundRect">
-            <a:avLst/>
-          </a:prstGeom>
-          <a:gradFill>
-            <a:gsLst>
-              <a:gs pos="0">
-                <a:srgbClr val="F9FFB3"/>
-              </a:gs>
-              <a:gs pos="100000">
-                <a:schemeClr val="bg1"/>
-              </a:gs>
-            </a:gsLst>
-          </a:gradFill>
-          <a:ln>
-            <a:solidFill>
-              <a:schemeClr val="accent6">
-                <a:lumMod val="60000"/>
-                <a:lumOff val="40000"/>
-              </a:schemeClr>
-            </a:solidFill>
-          </a:ln>
-        </p:spPr>
-        <p:style>
-          <a:lnRef idx="1">
-            <a:schemeClr val="accent1"/>
-          </a:lnRef>
-          <a:fillRef idx="3">
-            <a:schemeClr val="accent1"/>
-          </a:fillRef>
-          <a:effectRef idx="2">
-            <a:schemeClr val="accent1"/>
-          </a:effectRef>
-          <a:fontRef idx="minor">
-            <a:schemeClr val="lt1"/>
-          </a:fontRef>
-        </p:style>
-        <p:txBody>
-          <a:bodyPr anchor="ctr"/>
-          <a:lstStyle/>
-          <a:p>
-            <a:pPr algn="ctr" fontAlgn="auto">
-              <a:spcBef>
-                <a:spcPts val="0"/>
-              </a:spcBef>
-              <a:spcAft>
-                <a:spcPts val="0"/>
-              </a:spcAft>
-              <a:defRPr/>
-            </a:pPr>
-            <a:endParaRPr lang="en-US" sz="1400" b="1" dirty="0">
-              <a:solidFill>
-                <a:srgbClr val="000000"/>
-              </a:solidFill>
-            </a:endParaRPr>
-          </a:p>
-          <a:p>
-            <a:pPr algn="ctr" fontAlgn="auto">
-              <a:spcBef>
-                <a:spcPts val="0"/>
-              </a:spcBef>
-              <a:spcAft>
-                <a:spcPts val="0"/>
-              </a:spcAft>
-              <a:defRPr/>
-            </a:pPr>
-            <a:r>
-              <a:rPr lang="en-US" sz="1400" b="1" dirty="0">
-                <a:solidFill>
-                  <a:srgbClr val="000000"/>
-                </a:solidFill>
-              </a:rPr>
-              <a:t>7. Test and Refine</a:t>
-            </a:r>
-            <a:br>
-              <a:rPr lang="en-US" sz="1400" b="1" dirty="0">
-                <a:solidFill>
-                  <a:srgbClr val="000000"/>
-                </a:solidFill>
-              </a:rPr>
-            </a:br>
-            <a:endParaRPr lang="en-US" sz="1400" dirty="0">
-              <a:solidFill>
-                <a:srgbClr val="000000"/>
-              </a:solidFill>
-            </a:endParaRPr>
-          </a:p>
-        </p:txBody>
-      </p:sp>
-      <p:sp>
-        <p:nvSpPr>
-          <p:cNvPr id="31" name="Right Arrow 30"/>
-          <p:cNvSpPr/>
-          <p:nvPr/>
-        </p:nvSpPr>
-        <p:spPr>
-          <a:xfrm rot="1064796">
-            <a:off x="2274688" y="838820"/>
-            <a:ext cx="474708" cy="203862"/>
-          </a:xfrm>
-          <a:prstGeom prst="rightArrow">
-            <a:avLst/>
-          </a:prstGeom>
-        </p:spPr>
-        <p:style>
-          <a:lnRef idx="1">
-            <a:schemeClr val="accent1"/>
-          </a:lnRef>
-          <a:fillRef idx="3">
-            <a:schemeClr val="accent1"/>
-          </a:fillRef>
-          <a:effectRef idx="2">
-            <a:schemeClr val="accent1"/>
-          </a:effectRef>
-          <a:fontRef idx="minor">
-            <a:schemeClr val="lt1"/>
-          </a:fontRef>
-        </p:style>
-        <p:txBody>
-          <a:bodyPr anchor="ctr"/>
-          <a:lstStyle/>
-          <a:p>
-            <a:pPr algn="ctr" fontAlgn="auto">
-              <a:spcBef>
-                <a:spcPts val="0"/>
-              </a:spcBef>
-              <a:spcAft>
-                <a:spcPts val="0"/>
-              </a:spcAft>
-              <a:defRPr/>
-            </a:pPr>
-            <a:endParaRPr lang="en-US"/>
-          </a:p>
-        </p:txBody>
-      </p:sp>
-      <p:sp>
-        <p:nvSpPr>
-          <p:cNvPr id="32" name="Right Arrow 31"/>
-          <p:cNvSpPr/>
-          <p:nvPr/>
-        </p:nvSpPr>
-        <p:spPr>
-          <a:xfrm rot="2458881">
-            <a:off x="3435645" y="2089919"/>
-            <a:ext cx="1699339" cy="203862"/>
-          </a:xfrm>
-          <a:prstGeom prst="rightArrow">
-            <a:avLst/>
-          </a:prstGeom>
-        </p:spPr>
-        <p:style>
-          <a:lnRef idx="1">
-            <a:schemeClr val="accent1"/>
-          </a:lnRef>
-          <a:fillRef idx="3">
-            <a:schemeClr val="accent1"/>
-          </a:fillRef>
-          <a:effectRef idx="2">
-            <a:schemeClr val="accent1"/>
-          </a:effectRef>
-          <a:fontRef idx="minor">
-            <a:schemeClr val="lt1"/>
-          </a:fontRef>
-        </p:style>
-        <p:txBody>
-          <a:bodyPr anchor="ctr"/>
-          <a:lstStyle/>
-          <a:p>
-            <a:pPr algn="ctr" fontAlgn="auto">
-              <a:spcBef>
-                <a:spcPts val="0"/>
-              </a:spcBef>
-              <a:spcAft>
-                <a:spcPts val="0"/>
-              </a:spcAft>
-              <a:defRPr/>
-            </a:pPr>
-            <a:endParaRPr lang="en-US"/>
-          </a:p>
-        </p:txBody>
-      </p:sp>
-      <p:sp>
-        <p:nvSpPr>
-          <p:cNvPr id="33" name="Right Arrow 32"/>
-          <p:cNvSpPr/>
-          <p:nvPr/>
-        </p:nvSpPr>
-        <p:spPr>
-          <a:xfrm rot="18935530">
-            <a:off x="6468423" y="2866306"/>
-            <a:ext cx="1191139" cy="176196"/>
-          </a:xfrm>
-          <a:prstGeom prst="rightArrow">
-            <a:avLst/>
-          </a:prstGeom>
-        </p:spPr>
-        <p:style>
-          <a:lnRef idx="1">
-            <a:schemeClr val="accent1"/>
-          </a:lnRef>
-          <a:fillRef idx="3">
-            <a:schemeClr val="accent1"/>
-          </a:fillRef>
-          <a:effectRef idx="2">
-            <a:schemeClr val="accent1"/>
-          </a:effectRef>
-          <a:fontRef idx="minor">
-            <a:schemeClr val="lt1"/>
-          </a:fontRef>
-        </p:style>
-        <p:txBody>
-          <a:bodyPr anchor="ctr"/>
-          <a:lstStyle/>
-          <a:p>
-            <a:pPr algn="ctr" fontAlgn="auto">
-              <a:spcBef>
-                <a:spcPts val="0"/>
-              </a:spcBef>
-              <a:spcAft>
-                <a:spcPts val="0"/>
-              </a:spcAft>
-              <a:defRPr/>
-            </a:pPr>
-            <a:endParaRPr lang="en-US"/>
-          </a:p>
-        </p:txBody>
-      </p:sp>
-      <p:sp>
-        <p:nvSpPr>
-          <p:cNvPr id="34" name="Right Arrow 33"/>
-          <p:cNvSpPr/>
-          <p:nvPr/>
-        </p:nvSpPr>
-        <p:spPr>
-          <a:xfrm rot="8282398">
-            <a:off x="3328402" y="1822192"/>
-            <a:ext cx="2471104" cy="203862"/>
-          </a:xfrm>
-          <a:prstGeom prst="rightArrow">
-            <a:avLst/>
-          </a:prstGeom>
-        </p:spPr>
-        <p:style>
-          <a:lnRef idx="1">
-            <a:schemeClr val="accent1"/>
-          </a:lnRef>
-          <a:fillRef idx="3">
-            <a:schemeClr val="accent1"/>
-          </a:fillRef>
-          <a:effectRef idx="2">
-            <a:schemeClr val="accent1"/>
-          </a:effectRef>
-          <a:fontRef idx="minor">
-            <a:schemeClr val="lt1"/>
-          </a:fontRef>
-        </p:style>
-        <p:txBody>
-          <a:bodyPr anchor="ctr"/>
-          <a:lstStyle/>
-          <a:p>
-            <a:pPr algn="ctr" fontAlgn="auto">
-              <a:spcBef>
-                <a:spcPts val="0"/>
-              </a:spcBef>
-              <a:spcAft>
-                <a:spcPts val="0"/>
-              </a:spcAft>
-              <a:defRPr/>
-            </a:pPr>
-            <a:endParaRPr lang="en-US"/>
-          </a:p>
-        </p:txBody>
-      </p:sp>
-      <p:sp>
-        <p:nvSpPr>
-          <p:cNvPr id="35" name="Right Arrow 34"/>
-          <p:cNvSpPr/>
-          <p:nvPr/>
-        </p:nvSpPr>
-        <p:spPr>
-          <a:xfrm rot="10800000">
-            <a:off x="2203446" y="3235182"/>
-            <a:ext cx="474708" cy="203862"/>
-          </a:xfrm>
-          <a:prstGeom prst="rightArrow">
-            <a:avLst/>
-          </a:prstGeom>
-        </p:spPr>
-        <p:style>
-          <a:lnRef idx="1">
-            <a:schemeClr val="accent1"/>
-          </a:lnRef>
-          <a:fillRef idx="3">
-            <a:schemeClr val="accent1"/>
-          </a:fillRef>
-          <a:effectRef idx="2">
-            <a:schemeClr val="accent1"/>
-          </a:effectRef>
-          <a:fontRef idx="minor">
-            <a:schemeClr val="lt1"/>
-          </a:fontRef>
-        </p:style>
-        <p:txBody>
-          <a:bodyPr anchor="ctr"/>
-          <a:lstStyle/>
-          <a:p>
-            <a:pPr algn="ctr" fontAlgn="auto">
-              <a:spcBef>
-                <a:spcPts val="0"/>
-              </a:spcBef>
-              <a:spcAft>
-                <a:spcPts val="0"/>
-              </a:spcAft>
-              <a:defRPr/>
-            </a:pPr>
-            <a:endParaRPr lang="en-US"/>
-          </a:p>
-        </p:txBody>
-      </p:sp>
-      <p:sp>
-        <p:nvSpPr>
-          <p:cNvPr id="36" name="Right Arrow 35"/>
-          <p:cNvSpPr/>
-          <p:nvPr/>
-        </p:nvSpPr>
-        <p:spPr>
-          <a:xfrm rot="16200000">
-            <a:off x="542861" y="1856842"/>
-            <a:ext cx="1198418" cy="203862"/>
-          </a:xfrm>
-          <a:prstGeom prst="rightArrow">
-            <a:avLst/>
-          </a:prstGeom>
-        </p:spPr>
-        <p:style>
-          <a:lnRef idx="1">
-            <a:schemeClr val="accent1"/>
-          </a:lnRef>
-          <a:fillRef idx="3">
-            <a:schemeClr val="accent1"/>
-          </a:fillRef>
-          <a:effectRef idx="2">
-            <a:schemeClr val="accent1"/>
-          </a:effectRef>
-          <a:fontRef idx="minor">
-            <a:schemeClr val="lt1"/>
-          </a:fontRef>
-        </p:style>
-        <p:txBody>
-          <a:bodyPr anchor="ctr"/>
-          <a:lstStyle/>
-          <a:p>
-            <a:pPr algn="ctr" fontAlgn="auto">
-              <a:spcBef>
-                <a:spcPts val="0"/>
-              </a:spcBef>
-              <a:spcAft>
-                <a:spcPts val="0"/>
-              </a:spcAft>
-              <a:defRPr/>
-            </a:pPr>
-            <a:endParaRPr lang="en-US"/>
-          </a:p>
-        </p:txBody>
-      </p:sp>
-      <p:sp>
-        <p:nvSpPr>
-          <p:cNvPr id="37" name="TextBox 15"/>
-          <p:cNvSpPr txBox="1">
-            <a:spLocks noChangeArrowheads="1"/>
-          </p:cNvSpPr>
-          <p:nvPr/>
-        </p:nvSpPr>
-        <p:spPr bwMode="auto">
-          <a:xfrm>
-            <a:off x="1783338" y="1932569"/>
-            <a:ext cx="1349860" cy="461665"/>
-          </a:xfrm>
-          <a:prstGeom prst="rect">
-            <a:avLst/>
-          </a:prstGeom>
-          <a:solidFill>
-            <a:schemeClr val="bg1"/>
-          </a:solidFill>
-          <a:ln>
-            <a:noFill/>
-          </a:ln>
-          <a:extLst>
-            <a:ext uri="{91240B29-F687-4F45-9708-019B960494DF}">
-              <a14:hiddenLine xmlns:a14="http://schemas.microsoft.com/office/drawing/2010/main" w="9525">
-                <a:solidFill>
-                  <a:srgbClr val="000000"/>
-                </a:solidFill>
-                <a:miter lim="800000"/>
-                <a:headEnd/>
-                <a:tailEnd/>
-              </a14:hiddenLine>
-            </a:ext>
-          </a:extLst>
-        </p:spPr>
-        <p:txBody>
-          <a:bodyPr wrap="square">
-            <a:spAutoFit/>
-          </a:bodyPr>
-          <a:lstStyle>
-            <a:lvl1pPr>
-              <a:defRPr>
-                <a:solidFill>
-                  <a:schemeClr val="tx1"/>
-                </a:solidFill>
-                <a:latin typeface="Calibri" charset="0"/>
-                <a:ea typeface="Geneva" charset="0"/>
-                <a:cs typeface="Geneva" charset="0"/>
-              </a:defRPr>
-            </a:lvl1pPr>
-            <a:lvl2pPr marL="742950" indent="-285750">
-              <a:defRPr>
-                <a:solidFill>
-                  <a:schemeClr val="tx1"/>
-                </a:solidFill>
-                <a:latin typeface="Calibri" charset="0"/>
-                <a:ea typeface="Geneva" charset="0"/>
-              </a:defRPr>
-            </a:lvl2pPr>
-            <a:lvl3pPr marL="1143000" indent="-228600">
-              <a:defRPr>
-                <a:solidFill>
-                  <a:schemeClr val="tx1"/>
-                </a:solidFill>
-                <a:latin typeface="Calibri" charset="0"/>
-                <a:ea typeface="Geneva" charset="0"/>
-              </a:defRPr>
-            </a:lvl3pPr>
-            <a:lvl4pPr marL="1600200" indent="-228600">
-              <a:defRPr>
-                <a:solidFill>
-                  <a:schemeClr val="tx1"/>
-                </a:solidFill>
-                <a:latin typeface="Calibri" charset="0"/>
-                <a:ea typeface="Geneva" charset="0"/>
-              </a:defRPr>
-            </a:lvl4pPr>
-            <a:lvl5pPr marL="2057400" indent="-228600">
-              <a:defRPr>
-                <a:solidFill>
-                  <a:schemeClr val="tx1"/>
-                </a:solidFill>
-                <a:latin typeface="Calibri" charset="0"/>
-                <a:ea typeface="Geneva" charset="0"/>
-              </a:defRPr>
-            </a:lvl5pPr>
-            <a:lvl6pPr marL="2514600" indent="-228600" fontAlgn="base">
-              <a:spcBef>
-                <a:spcPct val="0"/>
-              </a:spcBef>
-              <a:spcAft>
-                <a:spcPct val="0"/>
-              </a:spcAft>
-              <a:defRPr>
-                <a:solidFill>
-                  <a:schemeClr val="tx1"/>
-                </a:solidFill>
-                <a:latin typeface="Calibri" charset="0"/>
-                <a:ea typeface="Geneva" charset="0"/>
-              </a:defRPr>
-            </a:lvl6pPr>
-            <a:lvl7pPr marL="2971800" indent="-228600" fontAlgn="base">
-              <a:spcBef>
-                <a:spcPct val="0"/>
-              </a:spcBef>
-              <a:spcAft>
-                <a:spcPct val="0"/>
-              </a:spcAft>
-              <a:defRPr>
-                <a:solidFill>
-                  <a:schemeClr val="tx1"/>
-                </a:solidFill>
-                <a:latin typeface="Calibri" charset="0"/>
-                <a:ea typeface="Geneva" charset="0"/>
-              </a:defRPr>
-            </a:lvl7pPr>
-            <a:lvl8pPr marL="3429000" indent="-228600" fontAlgn="base">
-              <a:spcBef>
-                <a:spcPct val="0"/>
-              </a:spcBef>
-              <a:spcAft>
-                <a:spcPct val="0"/>
-              </a:spcAft>
-              <a:defRPr>
-                <a:solidFill>
-                  <a:schemeClr val="tx1"/>
-                </a:solidFill>
-                <a:latin typeface="Calibri" charset="0"/>
-                <a:ea typeface="Geneva" charset="0"/>
-              </a:defRPr>
-            </a:lvl8pPr>
-            <a:lvl9pPr marL="3886200" indent="-228600" fontAlgn="base">
-              <a:spcBef>
-                <a:spcPct val="0"/>
-              </a:spcBef>
-              <a:spcAft>
-                <a:spcPct val="0"/>
-              </a:spcAft>
-              <a:defRPr>
-                <a:solidFill>
-                  <a:schemeClr val="tx1"/>
-                </a:solidFill>
-                <a:latin typeface="Calibri" charset="0"/>
-                <a:ea typeface="Geneva" charset="0"/>
-              </a:defRPr>
-            </a:lvl9pPr>
-          </a:lstStyle>
-          <a:p>
-            <a:r>
-              <a:rPr lang="en-US" sz="2400" dirty="0"/>
-              <a:t>Amplify</a:t>
-            </a:r>
-          </a:p>
-        </p:txBody>
-      </p:sp>
-      <p:sp>
-        <p:nvSpPr>
-          <p:cNvPr id="38" name="Rounded Rectangle 37"/>
-          <p:cNvSpPr/>
-          <p:nvPr/>
-        </p:nvSpPr>
-        <p:spPr>
-          <a:xfrm>
-            <a:off x="2973452" y="276956"/>
-            <a:ext cx="1207157" cy="988733"/>
-          </a:xfrm>
-          <a:prstGeom prst="roundRect">
-            <a:avLst/>
-          </a:prstGeom>
-          <a:gradFill>
-            <a:gsLst>
-              <a:gs pos="0">
-                <a:srgbClr val="F9FFB3"/>
-              </a:gs>
-              <a:gs pos="100000">
-                <a:schemeClr val="bg1"/>
-              </a:gs>
-            </a:gsLst>
-          </a:gradFill>
-          <a:ln>
-            <a:solidFill>
-              <a:schemeClr val="accent6">
-                <a:lumMod val="60000"/>
-                <a:lumOff val="40000"/>
-              </a:schemeClr>
-            </a:solidFill>
-          </a:ln>
-        </p:spPr>
-        <p:style>
-          <a:lnRef idx="1">
-            <a:schemeClr val="accent1"/>
-          </a:lnRef>
-          <a:fillRef idx="3">
-            <a:schemeClr val="accent1"/>
-          </a:fillRef>
-          <a:effectRef idx="2">
-            <a:schemeClr val="accent1"/>
-          </a:effectRef>
-          <a:fontRef idx="minor">
-            <a:schemeClr val="lt1"/>
-          </a:fontRef>
-        </p:style>
-        <p:txBody>
-          <a:bodyPr anchor="ctr"/>
-          <a:lstStyle/>
-          <a:p>
-            <a:pPr algn="ctr" fontAlgn="auto">
-              <a:spcBef>
-                <a:spcPts val="0"/>
-              </a:spcBef>
-              <a:spcAft>
-                <a:spcPts val="0"/>
-              </a:spcAft>
-              <a:defRPr/>
-            </a:pPr>
-            <a:r>
-              <a:rPr lang="en-US" sz="1400" b="1" dirty="0" smtClean="0">
-                <a:solidFill>
-                  <a:srgbClr val="000000"/>
-                </a:solidFill>
-              </a:rPr>
-              <a:t>2. Identify Barriers and Potential Solutions</a:t>
-            </a:r>
-            <a:endParaRPr lang="en-US" sz="1400" dirty="0">
-              <a:solidFill>
-                <a:srgbClr val="000000"/>
-              </a:solidFill>
-            </a:endParaRPr>
-          </a:p>
-        </p:txBody>
-      </p:sp>
-      <p:sp>
-        <p:nvSpPr>
-          <p:cNvPr id="39" name="Right Arrow 38"/>
-          <p:cNvSpPr/>
-          <p:nvPr/>
-        </p:nvSpPr>
-        <p:spPr>
-          <a:xfrm rot="13565409">
-            <a:off x="7048308" y="1304591"/>
-            <a:ext cx="636342" cy="227161"/>
-          </a:xfrm>
-          <a:prstGeom prst="rightArrow">
-            <a:avLst/>
-          </a:prstGeom>
-        </p:spPr>
-        <p:style>
-          <a:lnRef idx="1">
-            <a:schemeClr val="accent1"/>
-          </a:lnRef>
-          <a:fillRef idx="3">
-            <a:schemeClr val="accent1"/>
-          </a:fillRef>
-          <a:effectRef idx="2">
-            <a:schemeClr val="accent1"/>
-          </a:effectRef>
-          <a:fontRef idx="minor">
-            <a:schemeClr val="lt1"/>
-          </a:fontRef>
-        </p:style>
-        <p:txBody>
-          <a:bodyPr anchor="ctr"/>
-          <a:lstStyle/>
-          <a:p>
-            <a:pPr algn="ctr" fontAlgn="auto">
-              <a:spcBef>
-                <a:spcPts val="0"/>
-              </a:spcBef>
-              <a:spcAft>
-                <a:spcPts val="0"/>
-              </a:spcAft>
-              <a:defRPr/>
-            </a:pPr>
-            <a:endParaRPr lang="en-US"/>
-          </a:p>
-        </p:txBody>
-      </p:sp>
-      <p:sp>
-        <p:nvSpPr>
-          <p:cNvPr id="40" name="TextBox 15"/>
-          <p:cNvSpPr txBox="1">
-            <a:spLocks noChangeArrowheads="1"/>
-          </p:cNvSpPr>
-          <p:nvPr/>
-        </p:nvSpPr>
-        <p:spPr bwMode="auto">
-          <a:xfrm>
-            <a:off x="5603150" y="1929865"/>
-            <a:ext cx="1217085" cy="461665"/>
-          </a:xfrm>
-          <a:prstGeom prst="rect">
-            <a:avLst/>
-          </a:prstGeom>
-          <a:solidFill>
-            <a:schemeClr val="bg1"/>
-          </a:solidFill>
-          <a:ln>
-            <a:noFill/>
-          </a:ln>
-          <a:extLst>
-            <a:ext uri="{91240B29-F687-4F45-9708-019B960494DF}">
-              <a14:hiddenLine xmlns:a14="http://schemas.microsoft.com/office/drawing/2010/main" w="9525">
-                <a:solidFill>
-                  <a:srgbClr val="000000"/>
-                </a:solidFill>
-                <a:miter lim="800000"/>
-                <a:headEnd/>
-                <a:tailEnd/>
-              </a14:hiddenLine>
-            </a:ext>
-          </a:extLst>
-        </p:spPr>
-        <p:txBody>
-          <a:bodyPr wrap="square">
-            <a:spAutoFit/>
-          </a:bodyPr>
-          <a:lstStyle>
-            <a:lvl1pPr>
-              <a:defRPr>
-                <a:solidFill>
-                  <a:schemeClr val="tx1"/>
-                </a:solidFill>
-                <a:latin typeface="Calibri" charset="0"/>
-                <a:ea typeface="Geneva" charset="0"/>
-                <a:cs typeface="Geneva" charset="0"/>
-              </a:defRPr>
-            </a:lvl1pPr>
-            <a:lvl2pPr marL="742950" indent="-285750">
-              <a:defRPr>
-                <a:solidFill>
-                  <a:schemeClr val="tx1"/>
-                </a:solidFill>
-                <a:latin typeface="Calibri" charset="0"/>
-                <a:ea typeface="Geneva" charset="0"/>
-              </a:defRPr>
-            </a:lvl2pPr>
-            <a:lvl3pPr marL="1143000" indent="-228600">
-              <a:defRPr>
-                <a:solidFill>
-                  <a:schemeClr val="tx1"/>
-                </a:solidFill>
-                <a:latin typeface="Calibri" charset="0"/>
-                <a:ea typeface="Geneva" charset="0"/>
-              </a:defRPr>
-            </a:lvl3pPr>
-            <a:lvl4pPr marL="1600200" indent="-228600">
-              <a:defRPr>
-                <a:solidFill>
-                  <a:schemeClr val="tx1"/>
-                </a:solidFill>
-                <a:latin typeface="Calibri" charset="0"/>
-                <a:ea typeface="Geneva" charset="0"/>
-              </a:defRPr>
-            </a:lvl4pPr>
-            <a:lvl5pPr marL="2057400" indent="-228600">
-              <a:defRPr>
-                <a:solidFill>
-                  <a:schemeClr val="tx1"/>
-                </a:solidFill>
-                <a:latin typeface="Calibri" charset="0"/>
-                <a:ea typeface="Geneva" charset="0"/>
-              </a:defRPr>
-            </a:lvl5pPr>
-            <a:lvl6pPr marL="2514600" indent="-228600" fontAlgn="base">
-              <a:spcBef>
-                <a:spcPct val="0"/>
-              </a:spcBef>
-              <a:spcAft>
-                <a:spcPct val="0"/>
-              </a:spcAft>
-              <a:defRPr>
-                <a:solidFill>
-                  <a:schemeClr val="tx1"/>
-                </a:solidFill>
-                <a:latin typeface="Calibri" charset="0"/>
-                <a:ea typeface="Geneva" charset="0"/>
-              </a:defRPr>
-            </a:lvl6pPr>
-            <a:lvl7pPr marL="2971800" indent="-228600" fontAlgn="base">
-              <a:spcBef>
-                <a:spcPct val="0"/>
-              </a:spcBef>
-              <a:spcAft>
-                <a:spcPct val="0"/>
-              </a:spcAft>
-              <a:defRPr>
-                <a:solidFill>
-                  <a:schemeClr val="tx1"/>
-                </a:solidFill>
-                <a:latin typeface="Calibri" charset="0"/>
-                <a:ea typeface="Geneva" charset="0"/>
-              </a:defRPr>
-            </a:lvl7pPr>
-            <a:lvl8pPr marL="3429000" indent="-228600" fontAlgn="base">
-              <a:spcBef>
-                <a:spcPct val="0"/>
-              </a:spcBef>
-              <a:spcAft>
-                <a:spcPct val="0"/>
-              </a:spcAft>
-              <a:defRPr>
-                <a:solidFill>
-                  <a:schemeClr val="tx1"/>
-                </a:solidFill>
-                <a:latin typeface="Calibri" charset="0"/>
-                <a:ea typeface="Geneva" charset="0"/>
-              </a:defRPr>
-            </a:lvl8pPr>
-            <a:lvl9pPr marL="3886200" indent="-228600" fontAlgn="base">
-              <a:spcBef>
-                <a:spcPct val="0"/>
-              </a:spcBef>
-              <a:spcAft>
-                <a:spcPct val="0"/>
-              </a:spcAft>
-              <a:defRPr>
-                <a:solidFill>
-                  <a:schemeClr val="tx1"/>
-                </a:solidFill>
-                <a:latin typeface="Calibri" charset="0"/>
-                <a:ea typeface="Geneva" charset="0"/>
-              </a:defRPr>
-            </a:lvl9pPr>
-          </a:lstStyle>
-          <a:p>
-            <a:r>
-              <a:rPr lang="en-US" sz="2400" dirty="0"/>
-              <a:t>Develop</a:t>
-            </a:r>
-          </a:p>
-        </p:txBody>
-      </p:sp>
-      <p:pic>
-        <p:nvPicPr>
-          <p:cNvPr id="23" name="Picture 17" descr="OCEPLegend.png"/>
-          <p:cNvPicPr>
-            <a:picLocks noChangeAspect="1"/>
-          </p:cNvPicPr>
-          <p:nvPr/>
-        </p:nvPicPr>
-        <p:blipFill>
-          <a:blip r:embed="rId4">
-            <a:extLst>
-              <a:ext uri="{28A0092B-C50C-407E-A947-70E740481C1C}">
-                <a14:useLocalDpi xmlns:a14="http://schemas.microsoft.com/office/drawing/2010/main" val="0"/>
-              </a:ext>
-            </a:extLst>
-          </a:blip>
-          <a:srcRect/>
-          <a:stretch>
-            <a:fillRect/>
-          </a:stretch>
-        </p:blipFill>
-        <p:spPr bwMode="auto">
-          <a:xfrm>
-            <a:off x="7049560" y="3599924"/>
-            <a:ext cx="2012950" cy="1370012"/>
-          </a:xfrm>
-          <a:prstGeom prst="rect">
-            <a:avLst/>
-          </a:prstGeom>
-          <a:noFill/>
-          <a:ln>
-            <a:noFill/>
-          </a:ln>
-          <a:extLst>
-            <a:ext uri="{909E8E84-426E-40DD-AFC4-6F175D3DCCD1}">
-              <a14:hiddenFill xmlns:a14="http://schemas.microsoft.com/office/drawing/2010/main">
-                <a:solidFill>
-                  <a:srgbClr val="FFFFFF"/>
-                </a:solidFill>
-              </a14:hiddenFill>
-            </a:ext>
-            <a:ext uri="{91240B29-F687-4F45-9708-019B960494DF}">
-              <a14:hiddenLine xmlns:a14="http://schemas.microsoft.com/office/drawing/2010/main" w="9525">
-                <a:solidFill>
-                  <a:srgbClr val="000000"/>
-                </a:solidFill>
-                <a:miter lim="800000"/>
-                <a:headEnd/>
-                <a:tailEnd/>
-              </a14:hiddenLine>
-            </a:ext>
-          </a:extLst>
-        </p:spPr>
-      </p:pic>
-      <p:sp>
-        <p:nvSpPr>
-          <p:cNvPr id="4" name="Rectangle 3"/>
-          <p:cNvSpPr/>
-          <p:nvPr/>
-        </p:nvSpPr>
-        <p:spPr>
-          <a:xfrm>
-            <a:off x="-6349" y="5088470"/>
-            <a:ext cx="9154764" cy="1493200"/>
-          </a:xfrm>
-          <a:prstGeom prst="rect">
-            <a:avLst/>
-          </a:prstGeom>
-          <a:solidFill>
-            <a:srgbClr val="2A81C4"/>
-          </a:solidFill>
-          <a:ln>
-            <a:noFill/>
-          </a:ln>
-          <a:effectLst/>
-        </p:spPr>
-        <p:style>
-          <a:lnRef idx="1">
-            <a:schemeClr val="accent1"/>
-          </a:lnRef>
-          <a:fillRef idx="3">
-            <a:schemeClr val="accent1"/>
-          </a:fillRef>
-          <a:effectRef idx="2">
-            <a:schemeClr val="accent1"/>
-          </a:effectRef>
-          <a:fontRef idx="minor">
-            <a:schemeClr val="lt1"/>
-          </a:fontRef>
-        </p:style>
-        <p:txBody>
           <a:bodyPr lIns="182880" tIns="182880" rtlCol="0" anchor="t" anchorCtr="0"/>
           <a:lstStyle/>
           <a:p>
@@ -8090,10 +6877,49 @@
           </a:p>
         </p:txBody>
       </p:sp>
+      <p:pic>
+        <p:nvPicPr>
+          <p:cNvPr id="41" name="Picture 40"/>
+          <p:cNvPicPr/>
+          <p:nvPr/>
+        </p:nvPicPr>
+        <p:blipFill>
+          <a:blip r:embed="rId3">
+            <a:extLst>
+              <a:ext uri="{28A0092B-C50C-407E-A947-70E740481C1C}">
+                <a14:useLocalDpi xmlns:a14="http://schemas.microsoft.com/office/drawing/2010/main" val="0"/>
+              </a:ext>
+            </a:extLst>
+          </a:blip>
+          <a:stretch>
+            <a:fillRect/>
+          </a:stretch>
+        </p:blipFill>
+        <p:spPr bwMode="auto">
+          <a:xfrm>
+            <a:off x="172742" y="684647"/>
+            <a:ext cx="8854639" cy="3502342"/>
+          </a:xfrm>
+          <a:prstGeom prst="rect">
+            <a:avLst/>
+          </a:prstGeom>
+          <a:solidFill>
+            <a:schemeClr val="accent1">
+              <a:lumMod val="40000"/>
+              <a:lumOff val="60000"/>
+            </a:schemeClr>
+          </a:solidFill>
+          <a:ln>
+            <a:noFill/>
+          </a:ln>
+          <a:effectLst/>
+          <a:extLst/>
+        </p:spPr>
+      </p:pic>
     </p:spTree>
     <p:extLst>
       <p:ext uri="{BB962C8B-B14F-4D97-AF65-F5344CB8AC3E}">
-        <p14:creationId xmlns:p14="http://schemas.microsoft.com/office/powerpoint/2010/main" val="1180472509"/>
+        <p14:creationId xmlns:p14="http://schemas.microsoft.com/office/powerpoint/2010/main" val="3631481406"/>
       </p:ext>
     </p:extLst>
   </p:cSld>
@@ -8103,71 +6929,9 @@
   <p:timing>
     <p:tnLst>
       <p:par>
-        <p:cTn id="1" dur="indefinite" restart="never" nodeType="tmRoot">
-          <p:childTnLst>
-            <p:seq concurrent="1" nextAc="seek">
-              <p:cTn id="2" dur="indefinite" nodeType="mainSeq">
-                <p:childTnLst>
-                  <p:par>
-                    <p:cTn id="3" fill="hold">
-                      <p:stCondLst>
-                        <p:cond delay="indefinite"/>
-                      </p:stCondLst>
-                      <p:childTnLst>
-                        <p:par>
-                          <p:cTn id="4" fill="hold">
-                            <p:stCondLst>
-                              <p:cond delay="0"/>
-                            </p:stCondLst>
-                            <p:childTnLst>
-                              <p:par>
-                                <p:cTn id="5" presetID="6" presetClass="emph" presetSubtype="0" fill="hold" grpId="0" nodeType="clickEffect">
-                                  <p:stCondLst>
-                                    <p:cond delay="0"/>
-                                  </p:stCondLst>
-                                  <p:childTnLst>
-                                    <p:animScale>
-                                      <p:cBhvr>
-                                        <p:cTn id="6" dur="2000" fill="hold"/>
-                                        <p:tgtEl>
-                                          <p:spTgt spid="29"/>
-                                        </p:tgtEl>
-                                      </p:cBhvr>
-                                      <p:by x="150000" y="150000"/>
-                                    </p:animScale>
-                                  </p:childTnLst>
-                                </p:cTn>
-                              </p:par>
-                            </p:childTnLst>
-                          </p:cTn>
-                        </p:par>
-                      </p:childTnLst>
-                    </p:cTn>
-                  </p:par>
-                </p:childTnLst>
-              </p:cTn>
-              <p:prevCondLst>
-                <p:cond evt="onPrev" delay="0">
-                  <p:tgtEl>
-                    <p:sldTgt/>
-                  </p:tgtEl>
-                </p:cond>
-              </p:prevCondLst>
-              <p:nextCondLst>
-                <p:cond evt="onNext" delay="0">
-                  <p:tgtEl>
-                    <p:sldTgt/>
-                  </p:tgtEl>
-                </p:cond>
-              </p:nextCondLst>
-            </p:seq>
-          </p:childTnLst>
-        </p:cTn>
+        <p:cTn id="1" dur="indefinite" restart="never" nodeType="tmRoot"/>
       </p:par>
     </p:tnLst>
-    <p:bldLst>
-      <p:bldP spid="29" grpId="0" animBg="1"/>
-    </p:bldLst>
   </p:timing>
 </p:sld>
 </file>
@@ -8212,8 +6976,12 @@
           <a:lstStyle/>
           <a:p>
             <a:r>
+              <a:rPr lang="en-US" dirty="0"/>
+              <a:t>Twitch Plays </a:t>
+            </a:r>
+            <a:r>
               <a:rPr lang="en-US" dirty="0" smtClean="0"/>
-              <a:t>WRESTORE</a:t>
+              <a:t>Pokémon</a:t>
             </a:r>
             <a:endParaRPr lang="en-US" dirty="0"/>
           </a:p>
@@ -8231,8 +6999,8 @@
         </p:nvSpPr>
         <p:spPr>
           <a:xfrm>
-            <a:off x="457200" y="1143000"/>
-            <a:ext cx="3770416" cy="5257800"/>
+            <a:off x="457200" y="4871150"/>
+            <a:ext cx="8566484" cy="1658824"/>
           </a:xfrm>
         </p:spPr>
         <p:txBody>
@@ -8241,156 +7009,92 @@
           </a:bodyPr>
           <a:lstStyle/>
           <a:p>
-            <a:pPr>
+            <a:pPr marL="457200" lvl="1" indent="0">
               <a:spcBef>
                 <a:spcPts val="0"/>
               </a:spcBef>
+              <a:buNone/>
             </a:pPr>
             <a:r>
-              <a:rPr lang="en-US" dirty="0" err="1" smtClean="0"/>
-              <a:t>Meghna</a:t>
-            </a:r>
-            <a:r>
-              <a:rPr lang="en-US" dirty="0" smtClean="0"/>
+              <a:rPr lang="en-US" sz="2400" dirty="0">
+                <a:hlinkClick r:id="rId3"/>
+              </a:rPr>
+              <a:t>http://</a:t>
+            </a:r>
+            <a:r>
+              <a:rPr lang="en-US" sz="2400" dirty="0" smtClean="0">
+                <a:hlinkClick r:id="rId3"/>
+              </a:rPr>
+              <a:t>www.polygon.com/2014/2/14/5411790/twitch-plays-pokemon-creator-interview-twitchplayspokemon</a:t>
+            </a:r>
+            <a:endParaRPr lang="en-US" sz="2400" dirty="0" smtClean="0"/>
+          </a:p>
+          <a:p>
+            <a:pPr marL="457200" lvl="1" indent="0">
+              <a:spcBef>
+                <a:spcPts val="0"/>
+              </a:spcBef>
+              <a:buNone/>
+            </a:pPr>
+            <a:endParaRPr lang="en-US" sz="2400" dirty="0" smtClean="0"/>
+          </a:p>
+          <a:p>
+            <a:pPr marL="457200" lvl="1" indent="0">
+              <a:spcBef>
+                <a:spcPts val="0"/>
+              </a:spcBef>
+              <a:buNone/>
+            </a:pPr>
+            <a:r>
+              <a:rPr lang="en-US" sz="2400" dirty="0">
+                <a:hlinkClick r:id="rId4"/>
+              </a:rPr>
+              <a:t>http://</a:t>
+            </a:r>
+            <a:r>
+              <a:rPr lang="en-US" sz="2400" dirty="0" smtClean="0">
+                <a:hlinkClick r:id="rId4"/>
+              </a:rPr>
+              <a:t>en.wikipedia.org/wiki/Twitch_Plays_Pok%C3%A9mon</a:t>
+            </a:r>
+            <a:r>
+              <a:rPr lang="en-US" sz="2400" dirty="0" smtClean="0"/>
               <a:t> </a:t>
             </a:r>
-            <a:r>
-              <a:rPr lang="en-US" dirty="0" err="1" smtClean="0"/>
-              <a:t>Babbar-Sebens</a:t>
-            </a:r>
-            <a:endParaRPr lang="en-US" dirty="0"/>
-          </a:p>
-          <a:p>
-            <a:pPr lvl="1">
-              <a:spcBef>
-                <a:spcPts val="0"/>
-              </a:spcBef>
-            </a:pPr>
-            <a:r>
-              <a:rPr lang="en-US" dirty="0" smtClean="0"/>
-              <a:t>Oregon State University</a:t>
-            </a:r>
-          </a:p>
-          <a:p>
-            <a:pPr lvl="1">
-              <a:spcBef>
-                <a:spcPts val="0"/>
-              </a:spcBef>
-            </a:pPr>
-            <a:r>
-              <a:rPr lang="en-US" dirty="0" smtClean="0"/>
-              <a:t>Indiana </a:t>
-            </a:r>
-            <a:r>
-              <a:rPr lang="en-US" dirty="0"/>
-              <a:t>University-Purdue University </a:t>
-            </a:r>
-            <a:r>
-              <a:rPr lang="en-US" dirty="0" smtClean="0"/>
-              <a:t>Indianapolis</a:t>
-            </a:r>
-          </a:p>
-          <a:p>
-            <a:pPr lvl="1">
-              <a:spcBef>
-                <a:spcPts val="0"/>
-              </a:spcBef>
-            </a:pPr>
-            <a:r>
-              <a:rPr lang="en-US" dirty="0"/>
-              <a:t>the Wetlands Institute in New </a:t>
-            </a:r>
-            <a:r>
-              <a:rPr lang="en-US" dirty="0" smtClean="0"/>
-              <a:t>Jersey</a:t>
-            </a:r>
-            <a:endParaRPr lang="en-US" dirty="0"/>
-          </a:p>
-          <a:p>
-            <a:pPr lvl="1">
-              <a:spcBef>
-                <a:spcPts val="0"/>
-              </a:spcBef>
-            </a:pPr>
-            <a:r>
-              <a:rPr lang="en-US" dirty="0" smtClean="0"/>
-              <a:t>EPA</a:t>
-            </a:r>
-            <a:endParaRPr lang="en-US" dirty="0"/>
+            <a:endParaRPr lang="en-US" sz="2400" dirty="0"/>
           </a:p>
         </p:txBody>
       </p:sp>
       <p:pic>
         <p:nvPicPr>
-          <p:cNvPr id="4" name="Picture 2" descr="C:\Users\rayi\Dropbox\WSSI Conceptualization\SESYNC\Venture\Jan 21-23 2014\Open Source\WRESTORE.PNG"/>
+          <p:cNvPr id="6" name="Picture 5"/>
           <p:cNvPicPr>
-            <a:picLocks noChangeAspect="1" noChangeArrowheads="1"/>
+            <a:picLocks noChangeAspect="1"/>
           </p:cNvPicPr>
           <p:nvPr/>
         </p:nvPicPr>
         <p:blipFill>
-          <a:blip r:embed="rId3" cstate="print">
+          <a:blip r:embed="rId5">
             <a:extLst>
               <a:ext uri="{28A0092B-C50C-407E-A947-70E740481C1C}">
                 <a14:useLocalDpi xmlns:a14="http://schemas.microsoft.com/office/drawing/2010/main" val="0"/>
               </a:ext>
             </a:extLst>
           </a:blip>
-          <a:srcRect/>
           <a:stretch>
             <a:fillRect/>
           </a:stretch>
         </p:blipFill>
-        <p:spPr bwMode="auto">
-          <a:xfrm>
-            <a:off x="4529002" y="1065552"/>
-            <a:ext cx="4064603" cy="5079927"/>
+        <p:spPr>
+          <a:xfrm>
+            <a:off x="1280160" y="998621"/>
+            <a:ext cx="6583680" cy="3703320"/>
           </a:xfrm>
           <a:prstGeom prst="rect">
             <a:avLst/>
           </a:prstGeom>
-          <a:noFill/>
-          <a:extLst>
-            <a:ext uri="{909E8E84-426E-40DD-AFC4-6F175D3DCCD1}">
-              <a14:hiddenFill xmlns:a14="http://schemas.microsoft.com/office/drawing/2010/main">
-                <a:solidFill>
-                  <a:srgbClr val="FFFFFF"/>
-                </a:solidFill>
-              </a14:hiddenFill>
-            </a:ext>
-          </a:extLst>
         </p:spPr>
       </p:pic>
-      <p:sp>
-        <p:nvSpPr>
-          <p:cNvPr id="5" name="TextBox 4"/>
-          <p:cNvSpPr txBox="1"/>
-          <p:nvPr/>
-        </p:nvSpPr>
-        <p:spPr>
-          <a:xfrm>
-            <a:off x="5217120" y="6145479"/>
-            <a:ext cx="2688365" cy="369332"/>
-          </a:xfrm>
-          <a:prstGeom prst="rect">
-            <a:avLst/>
-          </a:prstGeom>
-          <a:noFill/>
-        </p:spPr>
-        <p:txBody>
-          <a:bodyPr wrap="none" rtlCol="0">
-            <a:spAutoFit/>
-          </a:bodyPr>
-          <a:lstStyle/>
-          <a:p>
-            <a:pPr algn="ctr"/>
-            <a:r>
-              <a:rPr lang="en-US" dirty="0"/>
-              <a:t>http://wrestore.iupui.edu/</a:t>
-            </a:r>
-          </a:p>
-        </p:txBody>
-      </p:sp>
     </p:spTree>
     <p:extLst>
       <p:ext uri="{BB962C8B-B14F-4D97-AF65-F5344CB8AC3E}">
@@ -8451,8 +7155,12 @@
           <a:lstStyle/>
           <a:p>
             <a:r>
+              <a:rPr lang="en-US" dirty="0"/>
+              <a:t>Crowdsourcing Lightning </a:t>
+            </a:r>
+            <a:r>
               <a:rPr lang="en-US" dirty="0" smtClean="0"/>
-              <a:t>NCDS</a:t>
+              <a:t>Strikes</a:t>
             </a:r>
             <a:endParaRPr lang="en-US" dirty="0"/>
           </a:p>
@@ -8470,8 +7178,8 @@
         </p:nvSpPr>
         <p:spPr>
           <a:xfrm>
-            <a:off x="457199" y="887679"/>
-            <a:ext cx="7962405" cy="5257800"/>
+            <a:off x="457200" y="5256161"/>
+            <a:ext cx="8566484" cy="928071"/>
           </a:xfrm>
         </p:spPr>
         <p:txBody>
@@ -8480,94 +7188,62 @@
           </a:bodyPr>
           <a:lstStyle/>
           <a:p>
-            <a:pPr>
+            <a:pPr marL="457200" lvl="1" indent="0">
               <a:spcBef>
                 <a:spcPts val="0"/>
               </a:spcBef>
+              <a:buNone/>
             </a:pPr>
             <a:r>
-              <a:rPr lang="en-US" dirty="0" smtClean="0"/>
-              <a:t>Open Data</a:t>
-            </a:r>
-            <a:endParaRPr lang="en-US" dirty="0"/>
-          </a:p>
-        </p:txBody>
-      </p:sp>
-      <p:sp>
-        <p:nvSpPr>
-          <p:cNvPr id="5" name="TextBox 4"/>
-          <p:cNvSpPr txBox="1"/>
-          <p:nvPr/>
-        </p:nvSpPr>
-        <p:spPr>
-          <a:xfrm>
-            <a:off x="2382042" y="6021980"/>
-            <a:ext cx="4379917" cy="369332"/>
-          </a:xfrm>
-          <a:prstGeom prst="rect">
-            <a:avLst/>
-          </a:prstGeom>
-          <a:noFill/>
-        </p:spPr>
-        <p:txBody>
-          <a:bodyPr wrap="none" rtlCol="0">
-            <a:spAutoFit/>
-          </a:bodyPr>
-          <a:lstStyle/>
-          <a:p>
-            <a:pPr algn="ctr"/>
-            <a:r>
-              <a:rPr lang="en-US" dirty="0"/>
-              <a:t>http://data2discovery.org/data-observatory/</a:t>
-            </a:r>
+              <a:rPr lang="en-US" sz="2400" dirty="0">
+                <a:hlinkClick r:id="rId3"/>
+              </a:rPr>
+              <a:t>http://www.citylab.com/weather/2014/07/crowdsourcing-lightning-strikes-actually-works-pretty-well/375359</a:t>
+            </a:r>
+            <a:r>
+              <a:rPr lang="en-US" sz="2400" dirty="0" smtClean="0">
+                <a:hlinkClick r:id="rId3"/>
+              </a:rPr>
+              <a:t>/</a:t>
+            </a:r>
+            <a:endParaRPr lang="en-US" sz="2400" dirty="0" smtClean="0"/>
           </a:p>
         </p:txBody>
       </p:sp>
       <p:pic>
         <p:nvPicPr>
-          <p:cNvPr id="2050" name="Picture 2" descr="C:\Users\rayi\Dropbox\WSSI Conceptualization\SESYNC\Venture\Jan 21-23 2014\Open Source\NCDS.PNG"/>
+          <p:cNvPr id="4" name="Picture 3"/>
           <p:cNvPicPr>
-            <a:picLocks noChangeAspect="1" noChangeArrowheads="1"/>
+            <a:picLocks noChangeAspect="1"/>
           </p:cNvPicPr>
           <p:nvPr/>
         </p:nvPicPr>
         <p:blipFill>
-          <a:blip r:embed="rId3">
+          <a:blip r:embed="rId4">
             <a:extLst>
               <a:ext uri="{28A0092B-C50C-407E-A947-70E740481C1C}">
                 <a14:useLocalDpi xmlns:a14="http://schemas.microsoft.com/office/drawing/2010/main" val="0"/>
               </a:ext>
             </a:extLst>
           </a:blip>
-          <a:srcRect/>
           <a:stretch>
             <a:fillRect/>
           </a:stretch>
         </p:blipFill>
-        <p:spPr bwMode="auto">
-          <a:xfrm>
-            <a:off x="1462406" y="1514678"/>
-            <a:ext cx="6219189" cy="4500769"/>
+        <p:spPr>
+          <a:xfrm>
+            <a:off x="1564459" y="1058779"/>
+            <a:ext cx="6352320" cy="3978373"/>
           </a:xfrm>
           <a:prstGeom prst="rect">
             <a:avLst/>
           </a:prstGeom>
-          <a:noFill/>
-          <a:extLst>
-            <a:ext uri="{909E8E84-426E-40DD-AFC4-6F175D3DCCD1}">
-              <a14:hiddenFill xmlns:a14="http://schemas.microsoft.com/office/drawing/2010/main">
-                <a:solidFill>
-                  <a:srgbClr val="FFFFFF"/>
-                </a:solidFill>
-              </a14:hiddenFill>
-            </a:ext>
-          </a:extLst>
         </p:spPr>
       </p:pic>
     </p:spTree>
     <p:extLst>
       <p:ext uri="{BB962C8B-B14F-4D97-AF65-F5344CB8AC3E}">
-        <p14:creationId xmlns:p14="http://schemas.microsoft.com/office/powerpoint/2010/main" val="1714641389"/>
+        <p14:creationId xmlns:p14="http://schemas.microsoft.com/office/powerpoint/2010/main" val="3541838116"/>
       </p:ext>
     </p:extLst>
   </p:cSld>
@@ -8624,12 +7300,8 @@
           <a:lstStyle/>
           <a:p>
             <a:r>
-              <a:rPr lang="en-US" dirty="0" smtClean="0"/>
-              <a:t>Take </a:t>
-            </a:r>
-            <a:r>
               <a:rPr lang="en-US" dirty="0" err="1" smtClean="0"/>
-              <a:t>Aways</a:t>
+              <a:t>Folding@HOME</a:t>
             </a:r>
             <a:endParaRPr lang="en-US" dirty="0"/>
           </a:p>
@@ -8647,8 +7319,8 @@
         </p:nvSpPr>
         <p:spPr>
           <a:xfrm>
-            <a:off x="457200" y="1143000"/>
-            <a:ext cx="8503920" cy="5257800"/>
+            <a:off x="457200" y="4842948"/>
+            <a:ext cx="8566484" cy="1557852"/>
           </a:xfrm>
         </p:spPr>
         <p:txBody>
@@ -8657,108 +7329,99 @@
           </a:bodyPr>
           <a:lstStyle/>
           <a:p>
-            <a:pPr>
+            <a:pPr marL="457200" lvl="1" indent="0">
               <a:spcBef>
                 <a:spcPts val="0"/>
               </a:spcBef>
+              <a:buNone/>
             </a:pPr>
             <a:r>
-              <a:rPr lang="en-US" dirty="0" smtClean="0"/>
-              <a:t>Open Source mechanics works for more than just software, and with a variety of approaches</a:t>
-            </a:r>
-          </a:p>
-          <a:p>
-            <a:pPr lvl="1">
+              <a:rPr lang="en-US" sz="2400" dirty="0">
+                <a:hlinkClick r:id="rId3"/>
+              </a:rPr>
+              <a:t>http://folding.stanford.edu</a:t>
+            </a:r>
+            <a:r>
+              <a:rPr lang="en-US" sz="2400" dirty="0" smtClean="0">
+                <a:hlinkClick r:id="rId3"/>
+              </a:rPr>
+              <a:t>/</a:t>
+            </a:r>
+            <a:r>
+              <a:rPr lang="en-US" sz="2400" dirty="0" smtClean="0"/>
+              <a:t> </a:t>
+            </a:r>
+          </a:p>
+          <a:p>
+            <a:pPr marL="457200" lvl="1" indent="0">
               <a:spcBef>
                 <a:spcPts val="0"/>
               </a:spcBef>
+              <a:buNone/>
             </a:pPr>
-            <a:r>
-              <a:rPr lang="en-US" dirty="0" smtClean="0"/>
-              <a:t>Math, </a:t>
-            </a:r>
-            <a:r>
-              <a:rPr lang="en-US" dirty="0"/>
-              <a:t>Chess, Steam </a:t>
-            </a:r>
-            <a:r>
-              <a:rPr lang="en-US" dirty="0" smtClean="0"/>
-              <a:t>Engines</a:t>
-            </a:r>
-          </a:p>
-          <a:p>
-            <a:pPr lvl="1">
+            <a:endParaRPr lang="en-US" sz="2400" dirty="0" smtClean="0"/>
+          </a:p>
+          <a:p>
+            <a:pPr marL="457200" lvl="1" indent="0">
               <a:spcBef>
                 <a:spcPts val="0"/>
               </a:spcBef>
+              <a:buNone/>
             </a:pPr>
             <a:r>
-              <a:rPr lang="en-US" dirty="0" smtClean="0"/>
-              <a:t>Data, Research</a:t>
-            </a:r>
-          </a:p>
-          <a:p>
-            <a:pPr>
-              <a:spcBef>
-                <a:spcPts val="0"/>
-              </a:spcBef>
-            </a:pPr>
-            <a:r>
-              <a:rPr lang="en-US" dirty="0" smtClean="0"/>
-              <a:t>Amplification Effect: Create a framework where lots of little ideas can freely combine into one, or more, greater ideas</a:t>
-            </a:r>
-          </a:p>
-          <a:p>
-            <a:pPr lvl="1">
-              <a:spcBef>
-                <a:spcPts val="0"/>
-              </a:spcBef>
-            </a:pPr>
-            <a:r>
-              <a:rPr lang="en-US" dirty="0" smtClean="0"/>
-              <a:t>Innovation</a:t>
-            </a:r>
-          </a:p>
-          <a:p>
-            <a:pPr lvl="1">
-              <a:spcBef>
-                <a:spcPts val="0"/>
-              </a:spcBef>
-            </a:pPr>
-            <a:r>
-              <a:rPr lang="en-US" dirty="0" smtClean="0"/>
-              <a:t>Collaboration</a:t>
-            </a:r>
-          </a:p>
-          <a:p>
-            <a:pPr lvl="1">
-              <a:spcBef>
-                <a:spcPts val="0"/>
-              </a:spcBef>
-            </a:pPr>
-            <a:r>
-              <a:rPr lang="en-US" dirty="0" smtClean="0"/>
-              <a:t>Solutions to problems</a:t>
-            </a:r>
-          </a:p>
-          <a:p>
-            <a:pPr lvl="2">
-              <a:spcBef>
-                <a:spcPts val="0"/>
-              </a:spcBef>
-            </a:pPr>
-            <a:r>
-              <a:rPr lang="en-US" dirty="0" smtClean="0"/>
-              <a:t>From bug fixes to research solutions</a:t>
-            </a:r>
-            <a:endParaRPr lang="en-US" dirty="0"/>
-          </a:p>
-        </p:txBody>
-      </p:sp>
+              <a:rPr lang="en-US" sz="2400" dirty="0">
+                <a:hlinkClick r:id="rId4"/>
+              </a:rPr>
+              <a:t>http://</a:t>
+            </a:r>
+            <a:r>
+              <a:rPr lang="en-US" sz="2400" dirty="0" smtClean="0">
+                <a:hlinkClick r:id="rId4"/>
+              </a:rPr>
+              <a:t>www.crowdsourcing.org/site/foldinghome/foldingstanfordedu/3975</a:t>
+            </a:r>
+            <a:r>
+              <a:rPr lang="en-US" sz="2400" dirty="0"/>
+              <a:t> </a:t>
+            </a:r>
+            <a:endParaRPr lang="en-US" sz="2400" dirty="0" smtClean="0"/>
+          </a:p>
+        </p:txBody>
+      </p:sp>
+      <p:pic>
+        <p:nvPicPr>
+          <p:cNvPr id="5" name="Picture 4"/>
+          <p:cNvPicPr>
+            <a:picLocks noChangeAspect="1"/>
+          </p:cNvPicPr>
+          <p:nvPr/>
+        </p:nvPicPr>
+        <p:blipFill>
+          <a:blip r:embed="rId5" cstate="print">
+            <a:extLst>
+              <a:ext uri="{28A0092B-C50C-407E-A947-70E740481C1C}">
+                <a14:useLocalDpi xmlns:a14="http://schemas.microsoft.com/office/drawing/2010/main" val="0"/>
+              </a:ext>
+            </a:extLst>
+          </a:blip>
+          <a:stretch>
+            <a:fillRect/>
+          </a:stretch>
+        </p:blipFill>
+        <p:spPr>
+          <a:xfrm>
+            <a:off x="1422734" y="1019299"/>
+            <a:ext cx="6635415" cy="3732421"/>
+          </a:xfrm>
+          <a:prstGeom prst="rect">
+            <a:avLst/>
+          </a:prstGeom>
+        </p:spPr>
+      </p:pic>
     </p:spTree>
     <p:extLst>
       <p:ext uri="{BB962C8B-B14F-4D97-AF65-F5344CB8AC3E}">
-        <p14:creationId xmlns:p14="http://schemas.microsoft.com/office/powerpoint/2010/main" val="1552858488"/>
+        <p14:creationId xmlns:p14="http://schemas.microsoft.com/office/powerpoint/2010/main" val="1219173351"/>
       </p:ext>
     </p:extLst>
   </p:cSld>
@@ -8799,13 +7462,13 @@
             <a:spLocks noGrp="1"/>
           </p:cNvSpPr>
           <p:nvPr>
-            <p:ph type="ctrTitle"/>
+            <p:ph type="title"/>
           </p:nvPr>
         </p:nvSpPr>
         <p:spPr>
           <a:xfrm>
-            <a:off x="685800" y="2130425"/>
-            <a:ext cx="7772400" cy="2468871"/>
+            <a:off x="457200" y="0"/>
+            <a:ext cx="8229600" cy="1143000"/>
           </a:xfrm>
         </p:spPr>
         <p:txBody>
@@ -8816,19 +7479,313 @@
           <a:p>
             <a:r>
               <a:rPr lang="en-US" dirty="0" smtClean="0"/>
-              <a:t>END</a:t>
-            </a:r>
-            <a:br>
+              <a:t>NCDS</a:t>
+            </a:r>
+            <a:endParaRPr lang="en-US" dirty="0"/>
+          </a:p>
+        </p:txBody>
+      </p:sp>
+      <p:sp>
+        <p:nvSpPr>
+          <p:cNvPr id="3" name="Content Placeholder 2"/>
+          <p:cNvSpPr>
+            <a:spLocks noGrp="1"/>
+          </p:cNvSpPr>
+          <p:nvPr>
+            <p:ph idx="1"/>
+          </p:nvPr>
+        </p:nvSpPr>
+        <p:spPr>
+          <a:xfrm>
+            <a:off x="457199" y="887679"/>
+            <a:ext cx="7962405" cy="5257800"/>
+          </a:xfrm>
+        </p:spPr>
+        <p:txBody>
+          <a:bodyPr>
+            <a:noAutofit/>
+          </a:bodyPr>
+          <a:lstStyle/>
+          <a:p>
+            <a:pPr>
+              <a:spcBef>
+                <a:spcPts val="0"/>
+              </a:spcBef>
+            </a:pPr>
+            <a:r>
               <a:rPr lang="en-US" dirty="0" smtClean="0"/>
-            </a:br>
+              <a:t>Open Data</a:t>
+            </a:r>
             <a:endParaRPr lang="en-US" dirty="0"/>
           </a:p>
         </p:txBody>
       </p:sp>
+      <p:sp>
+        <p:nvSpPr>
+          <p:cNvPr id="5" name="TextBox 4"/>
+          <p:cNvSpPr txBox="1"/>
+          <p:nvPr/>
+        </p:nvSpPr>
+        <p:spPr>
+          <a:xfrm>
+            <a:off x="2382042" y="6021980"/>
+            <a:ext cx="4379917" cy="369332"/>
+          </a:xfrm>
+          <a:prstGeom prst="rect">
+            <a:avLst/>
+          </a:prstGeom>
+          <a:noFill/>
+        </p:spPr>
+        <p:txBody>
+          <a:bodyPr wrap="none" rtlCol="0">
+            <a:spAutoFit/>
+          </a:bodyPr>
+          <a:lstStyle/>
+          <a:p>
+            <a:pPr algn="ctr"/>
+            <a:r>
+              <a:rPr lang="en-US" dirty="0"/>
+              <a:t>http://data2discovery.org/data-observatory/</a:t>
+            </a:r>
+          </a:p>
+        </p:txBody>
+      </p:sp>
+      <p:pic>
+        <p:nvPicPr>
+          <p:cNvPr id="2050" name="Picture 2" descr="C:\Users\rayi\Dropbox\WSSI Conceptualization\SESYNC\Venture\Jan 21-23 2014\Open Source\NCDS.PNG"/>
+          <p:cNvPicPr>
+            <a:picLocks noChangeAspect="1" noChangeArrowheads="1"/>
+          </p:cNvPicPr>
+          <p:nvPr/>
+        </p:nvPicPr>
+        <p:blipFill>
+          <a:blip r:embed="rId3">
+            <a:extLst>
+              <a:ext uri="{28A0092B-C50C-407E-A947-70E740481C1C}">
+                <a14:useLocalDpi xmlns:a14="http://schemas.microsoft.com/office/drawing/2010/main" val="0"/>
+              </a:ext>
+            </a:extLst>
+          </a:blip>
+          <a:srcRect/>
+          <a:stretch>
+            <a:fillRect/>
+          </a:stretch>
+        </p:blipFill>
+        <p:spPr bwMode="auto">
+          <a:xfrm>
+            <a:off x="1462406" y="1514678"/>
+            <a:ext cx="6219189" cy="4500769"/>
+          </a:xfrm>
+          <a:prstGeom prst="rect">
+            <a:avLst/>
+          </a:prstGeom>
+          <a:noFill/>
+          <a:extLst>
+            <a:ext uri="{909E8E84-426E-40DD-AFC4-6F175D3DCCD1}">
+              <a14:hiddenFill xmlns:a14="http://schemas.microsoft.com/office/drawing/2010/main">
+                <a:solidFill>
+                  <a:srgbClr val="FFFFFF"/>
+                </a:solidFill>
+              </a14:hiddenFill>
+            </a:ext>
+          </a:extLst>
+        </p:spPr>
+      </p:pic>
     </p:spTree>
     <p:extLst>
       <p:ext uri="{BB962C8B-B14F-4D97-AF65-F5344CB8AC3E}">
-        <p14:creationId xmlns:p14="http://schemas.microsoft.com/office/powerpoint/2010/main" val="1024291177"/>
+        <p14:creationId xmlns:p14="http://schemas.microsoft.com/office/powerpoint/2010/main" val="1714641389"/>
+      </p:ext>
+    </p:extLst>
+  </p:cSld>
+  <p:clrMapOvr>
+    <a:masterClrMapping/>
+  </p:clrMapOvr>
+  <p:timing>
+    <p:tnLst>
+      <p:par>
+        <p:cTn id="1" dur="indefinite" restart="never" nodeType="tmRoot"/>
+      </p:par>
+    </p:tnLst>
+  </p:timing>
+</p:sld>
+</file>
+
+<file path=ppt/slides/slide19.xml><?xml version="1.0" encoding="utf-8"?>
+<p:sld xmlns:a="http://schemas.openxmlformats.org/drawingml/2006/main" xmlns:r="http://schemas.openxmlformats.org/officeDocument/2006/relationships" xmlns:p="http://schemas.openxmlformats.org/presentationml/2006/main">
+  <p:cSld>
+    <p:spTree>
+      <p:nvGrpSpPr>
+        <p:cNvPr id="1" name=""/>
+        <p:cNvGrpSpPr/>
+        <p:nvPr/>
+      </p:nvGrpSpPr>
+      <p:grpSpPr>
+        <a:xfrm>
+          <a:off x="0" y="0"/>
+          <a:ext cx="0" cy="0"/>
+          <a:chOff x="0" y="0"/>
+          <a:chExt cx="0" cy="0"/>
+        </a:xfrm>
+      </p:grpSpPr>
+      <p:sp>
+        <p:nvSpPr>
+          <p:cNvPr id="2" name="Title 1"/>
+          <p:cNvSpPr>
+            <a:spLocks noGrp="1"/>
+          </p:cNvSpPr>
+          <p:nvPr>
+            <p:ph type="title"/>
+          </p:nvPr>
+        </p:nvSpPr>
+        <p:spPr>
+          <a:xfrm>
+            <a:off x="457200" y="0"/>
+            <a:ext cx="8229600" cy="1143000"/>
+          </a:xfrm>
+        </p:spPr>
+        <p:txBody>
+          <a:bodyPr>
+            <a:normAutofit/>
+          </a:bodyPr>
+          <a:lstStyle/>
+          <a:p>
+            <a:r>
+              <a:rPr lang="en-US" dirty="0" smtClean="0"/>
+              <a:t>Take </a:t>
+            </a:r>
+            <a:r>
+              <a:rPr lang="en-US" dirty="0" err="1" smtClean="0"/>
+              <a:t>Aways</a:t>
+            </a:r>
+            <a:endParaRPr lang="en-US" dirty="0"/>
+          </a:p>
+        </p:txBody>
+      </p:sp>
+      <p:sp>
+        <p:nvSpPr>
+          <p:cNvPr id="3" name="Content Placeholder 2"/>
+          <p:cNvSpPr>
+            <a:spLocks noGrp="1"/>
+          </p:cNvSpPr>
+          <p:nvPr>
+            <p:ph idx="1"/>
+          </p:nvPr>
+        </p:nvSpPr>
+        <p:spPr>
+          <a:xfrm>
+            <a:off x="457200" y="1143000"/>
+            <a:ext cx="8503920" cy="5257800"/>
+          </a:xfrm>
+        </p:spPr>
+        <p:txBody>
+          <a:bodyPr>
+            <a:noAutofit/>
+          </a:bodyPr>
+          <a:lstStyle/>
+          <a:p>
+            <a:pPr>
+              <a:spcBef>
+                <a:spcPts val="0"/>
+              </a:spcBef>
+            </a:pPr>
+            <a:r>
+              <a:rPr lang="en-US" dirty="0" smtClean="0"/>
+              <a:t>Open Source mechanics works for more than just software, and with a variety of approaches</a:t>
+            </a:r>
+          </a:p>
+          <a:p>
+            <a:pPr lvl="1">
+              <a:spcBef>
+                <a:spcPts val="0"/>
+              </a:spcBef>
+            </a:pPr>
+            <a:r>
+              <a:rPr lang="en-US" dirty="0" smtClean="0"/>
+              <a:t>Math, </a:t>
+            </a:r>
+            <a:r>
+              <a:rPr lang="en-US" dirty="0"/>
+              <a:t>Chess, Steam </a:t>
+            </a:r>
+            <a:r>
+              <a:rPr lang="en-US" dirty="0" smtClean="0"/>
+              <a:t>Engines</a:t>
+            </a:r>
+          </a:p>
+          <a:p>
+            <a:pPr lvl="1">
+              <a:spcBef>
+                <a:spcPts val="0"/>
+              </a:spcBef>
+            </a:pPr>
+            <a:r>
+              <a:rPr lang="en-US" dirty="0" smtClean="0"/>
+              <a:t>Data, Research</a:t>
+            </a:r>
+          </a:p>
+          <a:p>
+            <a:pPr>
+              <a:spcBef>
+                <a:spcPts val="0"/>
+              </a:spcBef>
+            </a:pPr>
+            <a:r>
+              <a:rPr lang="en-US" dirty="0" smtClean="0"/>
+              <a:t>Amplification Effect: Create a framework where lots of little ideas can freely combine into one, or more, greater ideas</a:t>
+            </a:r>
+          </a:p>
+          <a:p>
+            <a:pPr lvl="1">
+              <a:spcBef>
+                <a:spcPts val="0"/>
+              </a:spcBef>
+            </a:pPr>
+            <a:r>
+              <a:rPr lang="en-US" dirty="0" smtClean="0"/>
+              <a:t>Innovation</a:t>
+            </a:r>
+          </a:p>
+          <a:p>
+            <a:pPr lvl="1">
+              <a:spcBef>
+                <a:spcPts val="0"/>
+              </a:spcBef>
+            </a:pPr>
+            <a:r>
+              <a:rPr lang="en-US" dirty="0" smtClean="0"/>
+              <a:t>Collaboration</a:t>
+            </a:r>
+          </a:p>
+          <a:p>
+            <a:pPr lvl="1">
+              <a:spcBef>
+                <a:spcPts val="0"/>
+              </a:spcBef>
+            </a:pPr>
+            <a:r>
+              <a:rPr lang="en-US" dirty="0" smtClean="0"/>
+              <a:t>Solutions to problems</a:t>
+            </a:r>
+          </a:p>
+          <a:p>
+            <a:pPr lvl="2">
+              <a:spcBef>
+                <a:spcPts val="0"/>
+              </a:spcBef>
+            </a:pPr>
+            <a:r>
+              <a:rPr lang="en-US" dirty="0" smtClean="0"/>
+              <a:t>From bug fixes to research solutions</a:t>
+            </a:r>
+            <a:endParaRPr lang="en-US" dirty="0"/>
+          </a:p>
+        </p:txBody>
+      </p:sp>
+    </p:spTree>
+    <p:extLst>
+      <p:ext uri="{BB962C8B-B14F-4D97-AF65-F5344CB8AC3E}">
+        <p14:creationId xmlns:p14="http://schemas.microsoft.com/office/powerpoint/2010/main" val="1552858488"/>
       </p:ext>
     </p:extLst>
   </p:cSld>
@@ -8988,6 +7945,76 @@
 </p:sld>
 </file>
 
+<file path=ppt/slides/slide20.xml><?xml version="1.0" encoding="utf-8"?>
+<p:sld xmlns:a="http://schemas.openxmlformats.org/drawingml/2006/main" xmlns:r="http://schemas.openxmlformats.org/officeDocument/2006/relationships" xmlns:p="http://schemas.openxmlformats.org/presentationml/2006/main">
+  <p:cSld>
+    <p:spTree>
+      <p:nvGrpSpPr>
+        <p:cNvPr id="1" name=""/>
+        <p:cNvGrpSpPr/>
+        <p:nvPr/>
+      </p:nvGrpSpPr>
+      <p:grpSpPr>
+        <a:xfrm>
+          <a:off x="0" y="0"/>
+          <a:ext cx="0" cy="0"/>
+          <a:chOff x="0" y="0"/>
+          <a:chExt cx="0" cy="0"/>
+        </a:xfrm>
+      </p:grpSpPr>
+      <p:sp>
+        <p:nvSpPr>
+          <p:cNvPr id="2" name="Title 1"/>
+          <p:cNvSpPr>
+            <a:spLocks noGrp="1"/>
+          </p:cNvSpPr>
+          <p:nvPr>
+            <p:ph type="ctrTitle"/>
+          </p:nvPr>
+        </p:nvSpPr>
+        <p:spPr>
+          <a:xfrm>
+            <a:off x="685800" y="2130425"/>
+            <a:ext cx="7772400" cy="2468871"/>
+          </a:xfrm>
+        </p:spPr>
+        <p:txBody>
+          <a:bodyPr>
+            <a:normAutofit/>
+          </a:bodyPr>
+          <a:lstStyle/>
+          <a:p>
+            <a:r>
+              <a:rPr lang="en-US" dirty="0" smtClean="0"/>
+              <a:t>END</a:t>
+            </a:r>
+            <a:br>
+              <a:rPr lang="en-US" dirty="0" smtClean="0"/>
+            </a:br>
+            <a:endParaRPr lang="en-US" dirty="0"/>
+          </a:p>
+        </p:txBody>
+      </p:sp>
+    </p:spTree>
+    <p:extLst>
+      <p:ext uri="{BB962C8B-B14F-4D97-AF65-F5344CB8AC3E}">
+        <p14:creationId xmlns:p14="http://schemas.microsoft.com/office/powerpoint/2010/main" val="1024291177"/>
+      </p:ext>
+    </p:extLst>
+  </p:cSld>
+  <p:clrMapOvr>
+    <a:masterClrMapping/>
+  </p:clrMapOvr>
+  <p:timing>
+    <p:tnLst>
+      <p:par>
+        <p:cTn id="1" dur="indefinite" restart="never" nodeType="tmRoot"/>
+      </p:par>
+    </p:tnLst>
+  </p:timing>
+</p:sld>
+</file>
+
 <file path=ppt/slides/slide3.xml><?xml version="1.0" encoding="utf-8"?>
 <p:sld xmlns:a="http://schemas.openxmlformats.org/drawingml/2006/main" xmlns:r="http://schemas.openxmlformats.org/officeDocument/2006/relationships" xmlns:p="http://schemas.openxmlformats.org/presentationml/2006/main">
   <p:cSld>
@@ -9108,11 +8135,11 @@
             </a:pPr>
             <a:r>
               <a:rPr lang="en-US" dirty="0" err="1" smtClean="0"/>
-              <a:t>RHESSys</a:t>
+              <a:t>Rstudio</a:t>
             </a:r>
             <a:r>
               <a:rPr lang="en-US" dirty="0" smtClean="0"/>
-              <a:t>: The Regional Hydro-Ecologic Simulation System</a:t>
+              <a:t> integrated development environment for R</a:t>
             </a:r>
           </a:p>
           <a:p>
@@ -13392,12 +12419,6 @@
 </file>
 
 <file path=customXml/item1.xml><?xml version="1.0" encoding="utf-8"?>
-<p:properties xmlns:p="http://schemas.microsoft.com/office/2006/metadata/properties" xmlns:xsi="http://www.w3.org/2001/XMLSchema-instance" xmlns:pc="http://schemas.microsoft.com/office/infopath/2007/PartnerControls">
-  <documentManagement/>
-</p:properties>
-</file>
-
-<file path=customXml/item2.xml><?xml version="1.0" encoding="utf-8"?>
 <?mso-contentType ?>
 <FormTemplates xmlns="http://schemas.microsoft.com/sharepoint/v3/contenttype/forms">
   <Display>DocumentLibraryForm</Display>
@@ -13406,7 +12427,7 @@
 </FormTemplates>
 </file>
 
-<file path=customXml/item3.xml><?xml version="1.0" encoding="utf-8"?>
+<file path=customXml/item2.xml><?xml version="1.0" encoding="utf-8"?>
 <ct:contentTypeSchema xmlns:ct="http://schemas.microsoft.com/office/2006/metadata/contentType" xmlns:ma="http://schemas.microsoft.com/office/2006/metadata/properties/metaAttributes" ct:_="" ma:_="" ma:contentTypeName="Document" ma:contentTypeID="0x0101008EB671D78AF50D499D1D6164B447FCEE" ma:contentTypeVersion="" ma:contentTypeDescription="Create a new document." ma:contentTypeScope="" ma:versionID="9c1ecbbe78b62fd719a42c922c273ca8">
   <xsd:schema xmlns:xsd="http://www.w3.org/2001/XMLSchema" xmlns:xs="http://www.w3.org/2001/XMLSchema" xmlns:p="http://schemas.microsoft.com/office/2006/metadata/properties" targetNamespace="http://schemas.microsoft.com/office/2006/metadata/properties" ma:root="true" ma:fieldsID="b2384c6cc0088fcedbaf6edaf557defa">
     <xsd:element name="properties">
@@ -13520,16 +12541,13 @@
 </ct:contentTypeSchema>
 </file>
 
-<file path=customXml/itemProps1.xml><?xml version="1.0" encoding="utf-8"?>
-<ds:datastoreItem xmlns:ds="http://schemas.openxmlformats.org/officeDocument/2006/customXml" ds:itemID="{F5546A85-E3FF-4108-9441-5918C19E322A}">
-  <ds:schemaRefs>
-    <ds:schemaRef ds:uri="http://schemas.microsoft.com/office/2006/metadata/properties"/>
-    <ds:schemaRef ds:uri="http://schemas.microsoft.com/office/infopath/2007/PartnerControls"/>
-  </ds:schemaRefs>
-</ds:datastoreItem>
+<file path=customXml/item3.xml><?xml version="1.0" encoding="utf-8"?>
+<p:properties xmlns:p="http://schemas.microsoft.com/office/2006/metadata/properties" xmlns:xsi="http://www.w3.org/2001/XMLSchema-instance" xmlns:pc="http://schemas.microsoft.com/office/infopath/2007/PartnerControls">
+  <documentManagement/>
+</p:properties>
 </file>
 
-<file path=customXml/itemProps2.xml><?xml version="1.0" encoding="utf-8"?>
+<file path=customXml/itemProps1.xml><?xml version="1.0" encoding="utf-8"?>
 <ds:datastoreItem xmlns:ds="http://schemas.openxmlformats.org/officeDocument/2006/customXml" ds:itemID="{B81C4E31-63DB-48E4-B9E1-27749B0D8EE7}">
   <ds:schemaRefs>
     <ds:schemaRef ds:uri="http://schemas.microsoft.com/sharepoint/v3/contenttype/forms"/>
@@ -13537,7 +12555,7 @@
 </ds:datastoreItem>
 </file>
 
-<file path=customXml/itemProps3.xml><?xml version="1.0" encoding="utf-8"?>
+<file path=customXml/itemProps2.xml><?xml version="1.0" encoding="utf-8"?>
 <ds:datastoreItem xmlns:ds="http://schemas.openxmlformats.org/officeDocument/2006/customXml" ds:itemID="{540863D5-0138-47D7-8D34-2E5E37C4F9AD}">
   <ds:schemaRefs>
     <ds:schemaRef ds:uri="http://schemas.microsoft.com/office/2006/metadata/contentType"/>
@@ -13551,4 +12569,13 @@
     <ds:schemaRef ds:uri="http://schemas.microsoft.com/office/infopath/2007/PartnerControls"/>
   </ds:schemaRefs>
 </ds:datastoreItem>
+</file>
+
+<file path=customXml/itemProps3.xml><?xml version="1.0" encoding="utf-8"?>
+<ds:datastoreItem xmlns:ds="http://schemas.openxmlformats.org/officeDocument/2006/customXml" ds:itemID="{F5546A85-E3FF-4108-9441-5918C19E322A}">
+  <ds:schemaRefs>
+    <ds:schemaRef ds:uri="http://schemas.microsoft.com/office/2006/metadata/properties"/>
+    <ds:schemaRef ds:uri="http://schemas.microsoft.com/office/infopath/2007/PartnerControls"/>
+  </ds:schemaRefs>
+</ds:datastoreItem>
 </file>
--- a/day-18/Idaszak_OSS_OpenSource.pptx
+++ b/day-18/Idaszak_OSS_OpenSource.pptx
@@ -230,7 +230,7 @@
           <a:p>
             <a:fld id="{9246E736-8DF2-4A67-8AD5-413DE77FF67A}" type="datetimeFigureOut">
               <a:rPr lang="en-US" smtClean="0"/>
-              <a:t>8/4/2014</a:t>
+              <a:t>8/5/2014</a:t>
             </a:fld>
             <a:endParaRPr lang="en-US" dirty="0"/>
           </a:p>
@@ -396,7 +396,7 @@
             <a:fld id="{6F706718-8F9B-4714-BDCA-44544253309B}" type="datetimeFigureOut">
               <a:rPr lang="en-US" smtClean="0"/>
               <a:pPr/>
-              <a:t>8/4/2014</a:t>
+              <a:t>8/5/2014</a:t>
             </a:fld>
             <a:endParaRPr lang="en-US" dirty="0"/>
           </a:p>
@@ -740,13 +740,7 @@
           <a:p>
             <a:r>
               <a:rPr lang="en-US" sz="1200" dirty="0" smtClean="0"/>
-              <a:t>7. Linus Torvalds's model that is opposite of the Cathedral model. Linus was keeping his hacker/users constantly stimulated and rewarded - stimulated by the prospect of having an ego-satisfying piece of the action, rewarded by the sight of constant (even daily) improvement in their</a:t>
-            </a:r>
-          </a:p>
-          <a:p>
-            <a:r>
-              <a:rPr lang="en-US" sz="1200" dirty="0" smtClean="0"/>
-              <a:t>work. </a:t>
+              <a:t>7. Linus Torvalds's model that is opposite of the Cathedral model. Linus was keeping his hacker/users constantly stimulated and rewarded - stimulated by the prospect of having an ego-satisfying piece of the action, rewarded by the sight of constant (even daily) improvement in their work. </a:t>
             </a:r>
           </a:p>
           <a:p>
@@ -835,9 +829,60 @@
           <a:bodyPr/>
           <a:lstStyle/>
           <a:p>
+            <a:r>
+              <a:rPr lang="en-US" sz="1200" b="0" i="0" kern="1200" dirty="0" smtClean="0">
+                <a:solidFill>
+                  <a:schemeClr val="tx1"/>
+                </a:solidFill>
+                <a:effectLst/>
+                <a:latin typeface="+mn-lt"/>
+                <a:ea typeface="+mn-ea"/>
+                <a:cs typeface="+mn-cs"/>
+              </a:rPr>
+              <a:t>A massively multiplayer online co-op version of Pokémon that lets you play </a:t>
+            </a:r>
+            <a:r>
+              <a:rPr lang="en-US" sz="1200" b="0" i="0" kern="1200" dirty="0" err="1" smtClean="0">
+                <a:solidFill>
+                  <a:schemeClr val="tx1"/>
+                </a:solidFill>
+                <a:effectLst/>
+                <a:latin typeface="+mn-lt"/>
+                <a:ea typeface="+mn-ea"/>
+                <a:cs typeface="+mn-cs"/>
+              </a:rPr>
+              <a:t>Pokemon</a:t>
+            </a:r>
+            <a:r>
+              <a:rPr lang="en-US" sz="1200" b="0" i="0" kern="1200" dirty="0" smtClean="0">
+                <a:solidFill>
+                  <a:schemeClr val="tx1"/>
+                </a:solidFill>
+                <a:effectLst/>
+                <a:latin typeface="+mn-lt"/>
+                <a:ea typeface="+mn-ea"/>
+                <a:cs typeface="+mn-cs"/>
+              </a:rPr>
+              <a:t> collaboratively with a lot of other people by typing commands into chat.</a:t>
+            </a:r>
             <a:endParaRPr lang="en-US" baseline="0" dirty="0" smtClean="0"/>
           </a:p>
           <a:p>
+            <a:endParaRPr lang="en-US" dirty="0" smtClean="0"/>
+          </a:p>
+          <a:p>
+            <a:r>
+              <a:rPr lang="en-US" sz="1200" b="0" i="0" kern="1200" dirty="0" smtClean="0">
+                <a:solidFill>
+                  <a:schemeClr val="tx1"/>
+                </a:solidFill>
+                <a:effectLst/>
+                <a:latin typeface="+mn-lt"/>
+                <a:ea typeface="+mn-ea"/>
+                <a:cs typeface="+mn-cs"/>
+              </a:rPr>
+              <a:t>While chat users can type whatever they want into the channel's chat, the software that powers Twitch Plays Pokémon only parses a handful of commands: up, down, left, right, select, start, a and b, the inputs of the original Game Boy.</a:t>
+            </a:r>
             <a:endParaRPr lang="en-US" dirty="0"/>
           </a:p>
         </p:txBody>
@@ -923,6 +968,36 @@
           <a:bodyPr/>
           <a:lstStyle/>
           <a:p>
+            <a:r>
+              <a:rPr lang="en-US" baseline="0" dirty="0" smtClean="0"/>
+              <a:t>A group using low-priced lightning detectors to crowd-source foul weather, including real-time lightning strikes shown on the map.</a:t>
+            </a:r>
+          </a:p>
+          <a:p>
+            <a:endParaRPr lang="en-US" baseline="0" dirty="0" smtClean="0"/>
+          </a:p>
+          <a:p>
+            <a:r>
+              <a:rPr lang="en-US" baseline="0" dirty="0" smtClean="0"/>
+              <a:t>Almost 800 participants participating internationally.</a:t>
+            </a:r>
+          </a:p>
+          <a:p>
+            <a:endParaRPr lang="en-US" baseline="0" dirty="0" smtClean="0"/>
+          </a:p>
+          <a:p>
+            <a:r>
+              <a:rPr lang="en-US" sz="1200" b="0" i="0" kern="1200" dirty="0" smtClean="0">
+                <a:solidFill>
+                  <a:schemeClr val="tx1"/>
+                </a:solidFill>
+                <a:effectLst/>
+                <a:latin typeface="+mn-lt"/>
+                <a:ea typeface="+mn-ea"/>
+                <a:cs typeface="+mn-cs"/>
+              </a:rPr>
+              <a:t>Each strike is color-coded to show when it happened, with white being newest (within 20 minutes) and red oldest (at least two hours ago). </a:t>
+            </a:r>
             <a:endParaRPr lang="en-US" baseline="0" dirty="0" smtClean="0"/>
           </a:p>
           <a:p>
@@ -1011,6 +1086,106 @@
           <a:bodyPr/>
           <a:lstStyle/>
           <a:p>
+            <a:r>
+              <a:rPr lang="en-US" sz="1200" b="0" i="0" kern="1200" dirty="0" err="1" smtClean="0">
+                <a:solidFill>
+                  <a:schemeClr val="tx1"/>
+                </a:solidFill>
+                <a:effectLst/>
+                <a:latin typeface="+mn-lt"/>
+                <a:ea typeface="+mn-ea"/>
+                <a:cs typeface="+mn-cs"/>
+              </a:rPr>
+              <a:t>Folding@home</a:t>
+            </a:r>
+            <a:r>
+              <a:rPr lang="en-US" sz="1200" b="0" i="0" kern="1200" dirty="0" smtClean="0">
+                <a:solidFill>
+                  <a:schemeClr val="tx1"/>
+                </a:solidFill>
+                <a:effectLst/>
+                <a:latin typeface="+mn-lt"/>
+                <a:ea typeface="+mn-ea"/>
+                <a:cs typeface="+mn-cs"/>
+              </a:rPr>
+              <a:t> is a distributed computing project run out of Stanford, people from throughout the world download and run software to band together to make one of the largest supercomputers in the world. Think of it as crowdsourcing computing.</a:t>
+            </a:r>
+          </a:p>
+          <a:p>
+            <a:endParaRPr lang="en-US" sz="1200" b="0" i="0" kern="1200" baseline="0" dirty="0" smtClean="0">
+              <a:solidFill>
+                <a:schemeClr val="tx1"/>
+              </a:solidFill>
+              <a:effectLst/>
+              <a:latin typeface="+mn-lt"/>
+              <a:ea typeface="+mn-ea"/>
+              <a:cs typeface="+mn-cs"/>
+            </a:endParaRPr>
+          </a:p>
+          <a:p>
+            <a:r>
+              <a:rPr lang="en-US" sz="1200" b="0" i="0" kern="1200" dirty="0" smtClean="0">
+                <a:solidFill>
+                  <a:schemeClr val="tx1"/>
+                </a:solidFill>
+                <a:effectLst/>
+                <a:latin typeface="+mn-lt"/>
+                <a:ea typeface="+mn-ea"/>
+                <a:cs typeface="+mn-cs"/>
+              </a:rPr>
+              <a:t>Helps</a:t>
+            </a:r>
+            <a:r>
+              <a:rPr lang="en-US" sz="1200" b="0" i="0" kern="1200" baseline="0" dirty="0" smtClean="0">
+                <a:solidFill>
+                  <a:schemeClr val="tx1"/>
+                </a:solidFill>
+                <a:effectLst/>
+                <a:latin typeface="+mn-lt"/>
+                <a:ea typeface="+mn-ea"/>
+                <a:cs typeface="+mn-cs"/>
+              </a:rPr>
+              <a:t> </a:t>
+            </a:r>
+            <a:r>
+              <a:rPr lang="en-US" sz="1200" b="0" i="0" kern="1200" dirty="0" smtClean="0">
+                <a:solidFill>
+                  <a:schemeClr val="tx1"/>
+                </a:solidFill>
+                <a:effectLst/>
+                <a:latin typeface="+mn-lt"/>
+                <a:ea typeface="+mn-ea"/>
+                <a:cs typeface="+mn-cs"/>
+              </a:rPr>
+              <a:t>scientists studying Alzheimer's, Huntington's, Parkinson's, and many cancers by simply running a piece of software on your computer.</a:t>
+            </a:r>
+          </a:p>
+          <a:p>
+            <a:endParaRPr lang="en-US" sz="1200" b="0" i="0" kern="1200" baseline="0" dirty="0" smtClean="0">
+              <a:solidFill>
+                <a:schemeClr val="tx1"/>
+              </a:solidFill>
+              <a:effectLst/>
+              <a:latin typeface="+mn-lt"/>
+              <a:ea typeface="+mn-ea"/>
+              <a:cs typeface="+mn-cs"/>
+            </a:endParaRPr>
+          </a:p>
+          <a:p>
+            <a:r>
+              <a:rPr lang="en-US" sz="1200" b="0" i="0" kern="1200" baseline="0" dirty="0" smtClean="0">
+                <a:solidFill>
+                  <a:schemeClr val="tx1"/>
+                </a:solidFill>
+                <a:effectLst/>
+                <a:latin typeface="+mn-lt"/>
+                <a:ea typeface="+mn-ea"/>
+                <a:cs typeface="+mn-cs"/>
+              </a:rPr>
+              <a:t>About 174,000 people around the world participating.</a:t>
+            </a:r>
+          </a:p>
+          <a:p>
             <a:endParaRPr lang="en-US" baseline="0" dirty="0" smtClean="0"/>
           </a:p>
           <a:p>
@@ -1099,6 +1274,18 @@
           <a:bodyPr/>
           <a:lstStyle/>
           <a:p>
+            <a:r>
+              <a:rPr lang="en-US" sz="1200" b="0" i="0" kern="1200" dirty="0" smtClean="0">
+                <a:solidFill>
+                  <a:schemeClr val="tx1"/>
+                </a:solidFill>
+                <a:effectLst/>
+                <a:latin typeface="+mn-lt"/>
+                <a:ea typeface="+mn-ea"/>
+                <a:cs typeface="+mn-cs"/>
+              </a:rPr>
+              <a:t>The NCDS Data Observatory is a core element of the NCDS. It’s purpose is to create a diverse repository of very large data sets for NCDS members to use and share in support of the mission to advance data science. </a:t>
+            </a:r>
             <a:endParaRPr lang="en-US" baseline="0" dirty="0" smtClean="0"/>
           </a:p>
           <a:p>
@@ -1238,6 +1425,112 @@
 </p:notes>
 </file>
 
+<file path=ppt/notesSlides/notesSlide15.xml><?xml version="1.0" encoding="utf-8"?>
+<p:notes xmlns:a="http://schemas.openxmlformats.org/drawingml/2006/main" xmlns:r="http://schemas.openxmlformats.org/officeDocument/2006/relationships" xmlns:p="http://schemas.openxmlformats.org/presentationml/2006/main">
+  <p:cSld>
+    <p:spTree>
+      <p:nvGrpSpPr>
+        <p:cNvPr id="1" name=""/>
+        <p:cNvGrpSpPr/>
+        <p:nvPr/>
+      </p:nvGrpSpPr>
+      <p:grpSpPr>
+        <a:xfrm>
+          <a:off x="0" y="0"/>
+          <a:ext cx="0" cy="0"/>
+          <a:chOff x="0" y="0"/>
+          <a:chExt cx="0" cy="0"/>
+        </a:xfrm>
+      </p:grpSpPr>
+      <p:sp>
+        <p:nvSpPr>
+          <p:cNvPr id="2" name="Slide Image Placeholder 1"/>
+          <p:cNvSpPr>
+            <a:spLocks noGrp="1" noRot="1" noChangeAspect="1"/>
+          </p:cNvSpPr>
+          <p:nvPr>
+            <p:ph type="sldImg"/>
+          </p:nvPr>
+        </p:nvSpPr>
+        <p:spPr/>
+      </p:sp>
+      <p:sp>
+        <p:nvSpPr>
+          <p:cNvPr id="3" name="Notes Placeholder 2"/>
+          <p:cNvSpPr>
+            <a:spLocks noGrp="1"/>
+          </p:cNvSpPr>
+          <p:nvPr>
+            <p:ph type="body" idx="1"/>
+          </p:nvPr>
+        </p:nvSpPr>
+        <p:spPr/>
+        <p:txBody>
+          <a:bodyPr/>
+          <a:lstStyle/>
+          <a:p>
+            <a:r>
+              <a:rPr lang="en-US" dirty="0" smtClean="0"/>
+              <a:t>http://www.nsf.gov/awardsearch/showAward?AWD_ID=1216894</a:t>
+            </a:r>
+          </a:p>
+          <a:p>
+            <a:endParaRPr lang="en-US" dirty="0" smtClean="0"/>
+          </a:p>
+          <a:p>
+            <a:r>
+              <a:rPr lang="en-US" dirty="0" smtClean="0"/>
+              <a:t>http://www.nsf.gov/awardsearch/showAward?AWD_ID=1216817</a:t>
+            </a:r>
+          </a:p>
+          <a:p>
+            <a:endParaRPr lang="en-US" dirty="0" smtClean="0"/>
+          </a:p>
+          <a:p>
+            <a:endParaRPr lang="en-US" dirty="0" smtClean="0"/>
+          </a:p>
+          <a:p>
+            <a:endParaRPr lang="en-US" dirty="0"/>
+          </a:p>
+        </p:txBody>
+      </p:sp>
+      <p:sp>
+        <p:nvSpPr>
+          <p:cNvPr id="4" name="Slide Number Placeholder 3"/>
+          <p:cNvSpPr>
+            <a:spLocks noGrp="1"/>
+          </p:cNvSpPr>
+          <p:nvPr>
+            <p:ph type="sldNum" sz="quarter" idx="10"/>
+          </p:nvPr>
+        </p:nvSpPr>
+        <p:spPr/>
+        <p:txBody>
+          <a:bodyPr/>
+          <a:lstStyle/>
+          <a:p>
+            <a:fld id="{0396E79A-87AA-4B9C-8CA3-60BB7F8FB89E}" type="slidenum">
+              <a:rPr lang="en-US" smtClean="0"/>
+              <a:pPr/>
+              <a:t>20</a:t>
+            </a:fld>
+            <a:endParaRPr lang="en-US" dirty="0"/>
+          </a:p>
+        </p:txBody>
+      </p:sp>
+    </p:spTree>
+    <p:extLst>
+      <p:ext uri="{BB962C8B-B14F-4D97-AF65-F5344CB8AC3E}">
+        <p14:creationId xmlns:p14="http://schemas.microsoft.com/office/powerpoint/2010/main" val="627800353"/>
+      </p:ext>
+    </p:extLst>
+  </p:cSld>
+  <p:clrMapOvr>
+    <a:masterClrMapping/>
+  </p:clrMapOvr>
+</p:notes>
+</file>
+
 <file path=ppt/notesSlides/notesSlide2.xml><?xml version="1.0" encoding="utf-8"?>
 <p:notes xmlns:a="http://schemas.openxmlformats.org/drawingml/2006/main" xmlns:r="http://schemas.openxmlformats.org/officeDocument/2006/relationships" xmlns:p="http://schemas.openxmlformats.org/presentationml/2006/main">
   <p:cSld>
@@ -1312,19 +1605,7 @@
           <a:p>
             <a:r>
               <a:rPr lang="en-US" baseline="0" dirty="0" smtClean="0"/>
-              <a:t>12. When you hit a wall in development - when you find yourself hard put to think past the next patch - it's often time to ask not whether you've got the right answer, but whether you're asking the right question. </a:t>
-            </a:r>
-            <a:r>
-              <a:rPr lang="en-US" baseline="0" smtClean="0"/>
-              <a:t>Perhaps </a:t>
-            </a:r>
-            <a:r>
-              <a:rPr lang="en-US" baseline="0" dirty="0" smtClean="0"/>
-              <a:t>the problem needs to </a:t>
-            </a:r>
-            <a:r>
-              <a:rPr lang="en-US" baseline="0" smtClean="0"/>
-              <a:t>be reframed.</a:t>
+              <a:t>12. When you hit a wall in development - when you find yourself hard put to think past the next patch - it's often time to ask not whether you've got the right answer, but whether you're asking the right question. Perhaps the problem needs to be reframed.</a:t>
             </a:r>
             <a:endParaRPr lang="en-US" dirty="0"/>
           </a:p>
@@ -1455,22 +1736,46 @@
           </a:bodyPr>
           <a:lstStyle/>
           <a:p>
+            <a:r>
+              <a:rPr lang="en-US" dirty="0" smtClean="0"/>
+              <a:t>You’ve either heard or</a:t>
+            </a:r>
+            <a:r>
+              <a:rPr lang="en-US" baseline="0" dirty="0" smtClean="0"/>
+              <a:t> will hear about this community amplification effect of Open Source.  If implement and operating to its fullest, open source facilitates an ever increasing number of contributors to code that has ever increasing value to ever increasing numbers of users.</a:t>
+            </a:r>
+          </a:p>
+          <a:p>
+            <a:endParaRPr lang="en-US" baseline="0" dirty="0" smtClean="0"/>
+          </a:p>
+          <a:p>
+            <a:r>
+              <a:rPr lang="en-US" baseline="0" smtClean="0"/>
+              <a:t>So if there is one thing you’ll hear today, it’s that Open Source works.</a:t>
+            </a:r>
+            <a:endParaRPr lang="en-US" smtClean="0"/>
+          </a:p>
+          <a:p>
             <a:pPr eaLnBrk="1" hangingPunct="1">
               <a:spcBef>
                 <a:spcPct val="0"/>
               </a:spcBef>
             </a:pPr>
-            <a:r>
-              <a:rPr lang="en-US" altLang="en-US" smtClean="0"/>
+            <a:endParaRPr lang="en-US" altLang="en-US" dirty="0" smtClean="0"/>
+          </a:p>
+          <a:p>
+            <a:pPr eaLnBrk="1" hangingPunct="1">
+              <a:spcBef>
+                <a:spcPct val="0"/>
+              </a:spcBef>
+            </a:pPr>
+            <a:r>
+              <a:rPr lang="en-US" altLang="en-US" dirty="0" smtClean="0"/>
               <a:t>e.g. There</a:t>
             </a:r>
             <a:r>
-              <a:rPr lang="en-US" altLang="en-US" baseline="0" smtClean="0"/>
-              <a:t> </a:t>
-            </a:r>
-            <a:r>
               <a:rPr lang="en-US" altLang="en-US" baseline="0" dirty="0" smtClean="0"/>
-              <a:t>are lots of contributors to </a:t>
+              <a:t> are lots of contributors to </a:t>
             </a:r>
             <a:r>
               <a:rPr lang="en-US" altLang="en-US" baseline="0" dirty="0" err="1" smtClean="0"/>
@@ -2523,6 +2828,20 @@
           <a:bodyPr/>
           <a:lstStyle/>
           <a:p>
+            <a:r>
+              <a:rPr lang="en-US" sz="1200" b="0" i="0" kern="1200" dirty="0" smtClean="0">
+                <a:solidFill>
+                  <a:schemeClr val="tx1"/>
+                </a:solidFill>
+                <a:effectLst/>
+                <a:latin typeface="+mn-lt"/>
+                <a:ea typeface="+mn-ea"/>
+                <a:cs typeface="+mn-cs"/>
+              </a:rPr>
+              <a:t>An Open Community Engagement Process (OCEP) applies open source mechanics and software engineering to water science research. To operationalize OCEP, the authors conceptualize a Water Science Software Institute whose mission is to support and accelerate water science by transforming both the software and research cultures of the water science community. This article describes the OCEP open source community amplification principle as well as the authors' experiences, lessons learned, and challenges with operationalizing OCEP.</a:t>
+            </a:r>
+          </a:p>
+          <a:p>
             <a:endParaRPr lang="en-US" dirty="0"/>
           </a:p>
         </p:txBody>
@@ -2753,7 +3072,7 @@
             <a:fld id="{971973F9-422E-457B-9F92-077D34CBCE65}" type="datetimeFigureOut">
               <a:rPr lang="en-US" smtClean="0"/>
               <a:pPr/>
-              <a:t>8/4/2014</a:t>
+              <a:t>8/5/2014</a:t>
             </a:fld>
             <a:endParaRPr lang="en-US" dirty="0"/>
           </a:p>
@@ -2951,7 +3270,7 @@
             <a:fld id="{971973F9-422E-457B-9F92-077D34CBCE65}" type="datetimeFigureOut">
               <a:rPr lang="en-US" smtClean="0"/>
               <a:pPr/>
-              <a:t>8/4/2014</a:t>
+              <a:t>8/5/2014</a:t>
             </a:fld>
             <a:endParaRPr lang="en-US" dirty="0"/>
           </a:p>
@@ -3152,7 +3471,7 @@
             <a:fld id="{971973F9-422E-457B-9F92-077D34CBCE65}" type="datetimeFigureOut">
               <a:rPr lang="en-US" smtClean="0"/>
               <a:pPr/>
-              <a:t>8/4/2014</a:t>
+              <a:t>8/5/2014</a:t>
             </a:fld>
             <a:endParaRPr lang="en-US" dirty="0"/>
           </a:p>
@@ -3343,7 +3662,7 @@
             <a:fld id="{971973F9-422E-457B-9F92-077D34CBCE65}" type="datetimeFigureOut">
               <a:rPr lang="en-US" smtClean="0"/>
               <a:pPr/>
-              <a:t>8/4/2014</a:t>
+              <a:t>8/5/2014</a:t>
             </a:fld>
             <a:endParaRPr lang="en-US" dirty="0"/>
           </a:p>
@@ -3617,7 +3936,7 @@
             <a:fld id="{971973F9-422E-457B-9F92-077D34CBCE65}" type="datetimeFigureOut">
               <a:rPr lang="en-US" smtClean="0"/>
               <a:pPr/>
-              <a:t>8/4/2014</a:t>
+              <a:t>8/5/2014</a:t>
             </a:fld>
             <a:endParaRPr lang="en-US" dirty="0"/>
           </a:p>
@@ -3926,7 +4245,7 @@
             <a:fld id="{971973F9-422E-457B-9F92-077D34CBCE65}" type="datetimeFigureOut">
               <a:rPr lang="en-US" smtClean="0"/>
               <a:pPr/>
-              <a:t>8/4/2014</a:t>
+              <a:t>8/5/2014</a:t>
             </a:fld>
             <a:endParaRPr lang="en-US" dirty="0"/>
           </a:p>
@@ -4369,7 +4688,7 @@
             <a:fld id="{971973F9-422E-457B-9F92-077D34CBCE65}" type="datetimeFigureOut">
               <a:rPr lang="en-US" smtClean="0"/>
               <a:pPr/>
-              <a:t>8/4/2014</a:t>
+              <a:t>8/5/2014</a:t>
             </a:fld>
             <a:endParaRPr lang="en-US" dirty="0"/>
           </a:p>
@@ -4508,7 +4827,7 @@
             <a:fld id="{971973F9-422E-457B-9F92-077D34CBCE65}" type="datetimeFigureOut">
               <a:rPr lang="en-US" smtClean="0"/>
               <a:pPr/>
-              <a:t>8/4/2014</a:t>
+              <a:t>8/5/2014</a:t>
             </a:fld>
             <a:endParaRPr lang="en-US" dirty="0"/>
           </a:p>
@@ -4624,7 +4943,7 @@
             <a:fld id="{971973F9-422E-457B-9F92-077D34CBCE65}" type="datetimeFigureOut">
               <a:rPr lang="en-US" smtClean="0"/>
               <a:pPr/>
-              <a:t>8/4/2014</a:t>
+              <a:t>8/5/2014</a:t>
             </a:fld>
             <a:endParaRPr lang="en-US" dirty="0"/>
           </a:p>
@@ -4922,7 +5241,7 @@
             <a:fld id="{971973F9-422E-457B-9F92-077D34CBCE65}" type="datetimeFigureOut">
               <a:rPr lang="en-US" smtClean="0"/>
               <a:pPr/>
-              <a:t>8/4/2014</a:t>
+              <a:t>8/5/2014</a:t>
             </a:fld>
             <a:endParaRPr lang="en-US" dirty="0"/>
           </a:p>
@@ -5196,7 +5515,7 @@
             <a:fld id="{971973F9-422E-457B-9F92-077D34CBCE65}" type="datetimeFigureOut">
               <a:rPr lang="en-US" smtClean="0"/>
               <a:pPr/>
-              <a:t>8/4/2014</a:t>
+              <a:t>8/5/2014</a:t>
             </a:fld>
             <a:endParaRPr lang="en-US" dirty="0"/>
           </a:p>
@@ -5409,7 +5728,7 @@
         </p:blipFill>
         <p:spPr bwMode="auto">
           <a:xfrm>
-            <a:off x="7832899" y="6236416"/>
+            <a:off x="7909099" y="6236416"/>
             <a:ext cx="1164462" cy="584000"/>
           </a:xfrm>
           <a:prstGeom prst="rect">
@@ -5429,9 +5748,9 @@
       </p:pic>
       <p:pic>
         <p:nvPicPr>
-          <p:cNvPr id="9" name="Picture 4" descr="C:\Users\Ray\Dropbox\WSSI Conceptualization\SESYNC\Venture\Jan 21-23 2014\Open Source\WSSI_logo.PNG"/>
+          <p:cNvPr id="4" name="Picture 3"/>
           <p:cNvPicPr>
-            <a:picLocks noChangeAspect="1" noChangeArrowheads="1"/>
+            <a:picLocks noChangeAspect="1"/>
           </p:cNvPicPr>
           <p:nvPr userDrawn="1"/>
         </p:nvPicPr>
@@ -5443,29 +5762,18 @@
               </a:ext>
             </a:extLst>
           </a:blip>
-          <a:srcRect/>
           <a:stretch>
             <a:fillRect/>
           </a:stretch>
         </p:blipFill>
-        <p:spPr bwMode="auto">
-          <a:xfrm>
-            <a:off x="88247" y="6358974"/>
-            <a:ext cx="1998581" cy="499026"/>
+        <p:spPr>
+          <a:xfrm>
+            <a:off x="53181" y="5974750"/>
+            <a:ext cx="943548" cy="877500"/>
           </a:xfrm>
           <a:prstGeom prst="rect">
             <a:avLst/>
           </a:prstGeom>
-          <a:noFill/>
-          <a:extLst>
-            <a:ext uri="{909E8E84-426E-40DD-AFC4-6F175D3DCCD1}">
-              <a14:hiddenFill xmlns:a14="http://schemas.microsoft.com/office/drawing/2010/main">
-                <a:solidFill>
-                  <a:srgbClr val="FFFFFF"/>
-                </a:solidFill>
-              </a14:hiddenFill>
-            </a:ext>
-          </a:extLst>
         </p:spPr>
       </p:pic>
     </p:spTree>
@@ -5883,7 +6191,7 @@
                   <a:srgbClr val="0070C0"/>
                 </a:solidFill>
               </a:rPr>
-              <a:t>Open Source for Synthesis Workshop</a:t>
+              <a:t>Open Science for Synthesis Training</a:t>
             </a:r>
           </a:p>
           <a:p>
@@ -6623,7 +6931,15 @@
             </a:r>
             <a:r>
               <a:rPr lang="en-US" sz="2400" b="1" dirty="0"/>
-              <a:t>finite WSSI Institute staff with properly coordinated inputs into the community can amplify its actions by moving together and coordinating </a:t>
+              <a:t>finite </a:t>
+            </a:r>
+            <a:r>
+              <a:rPr lang="en-US" sz="2400" b="1" dirty="0" smtClean="0"/>
+              <a:t>Software Institute </a:t>
+            </a:r>
+            <a:r>
+              <a:rPr lang="en-US" sz="2400" b="1" dirty="0"/>
+              <a:t>staff with properly coordinated inputs into the community can amplify its actions by moving together and coordinating </a:t>
             </a:r>
             <a:r>
               <a:rPr lang="en-US" sz="2400" b="1" dirty="0" smtClean="0"/>
@@ -6916,6 +7232,36 @@
           <a:extLst/>
         </p:spPr>
       </p:pic>
+      <p:sp>
+        <p:nvSpPr>
+          <p:cNvPr id="2" name="TextBox 1"/>
+          <p:cNvSpPr txBox="1"/>
+          <p:nvPr/>
+        </p:nvSpPr>
+        <p:spPr>
+          <a:xfrm>
+            <a:off x="2598704" y="4586514"/>
+            <a:ext cx="3946593" cy="369332"/>
+          </a:xfrm>
+          <a:prstGeom prst="rect">
+            <a:avLst/>
+          </a:prstGeom>
+          <a:noFill/>
+        </p:spPr>
+        <p:txBody>
+          <a:bodyPr wrap="none" rtlCol="0">
+            <a:spAutoFit/>
+          </a:bodyPr>
+          <a:lstStyle/>
+          <a:p>
+            <a:pPr algn="ctr"/>
+            <a:r>
+              <a:rPr lang="en-US" dirty="0"/>
+              <a:t>http://dx.doi.org/10.1109/MCSE.2014.5</a:t>
+            </a:r>
+          </a:p>
+        </p:txBody>
+      </p:sp>
     </p:spTree>
     <p:extLst>
       <p:ext uri="{BB962C8B-B14F-4D97-AF65-F5344CB8AC3E}">
@@ -7336,16 +7682,10 @@
               <a:buNone/>
             </a:pPr>
             <a:r>
-              <a:rPr lang="en-US" sz="2400" dirty="0">
-                <a:hlinkClick r:id="rId3"/>
-              </a:rPr>
-              <a:t>http://folding.stanford.edu</a:t>
-            </a:r>
-            <a:r>
               <a:rPr lang="en-US" sz="2400" dirty="0" smtClean="0">
                 <a:hlinkClick r:id="rId3"/>
               </a:rPr>
-              <a:t>/</a:t>
+              <a:t>http://folding.stanford.edu/</a:t>
             </a:r>
             <a:r>
               <a:rPr lang="en-US" sz="2400" dirty="0" smtClean="0"/>
@@ -7369,10 +7709,16 @@
               <a:buNone/>
             </a:pPr>
             <a:r>
+              <a:rPr lang="en-US" sz="2400" dirty="0" smtClean="0">
+                <a:hlinkClick r:id="rId4"/>
+              </a:rPr>
+              <a:t>http</a:t>
+            </a:r>
+            <a:r>
               <a:rPr lang="en-US" sz="2400" dirty="0">
                 <a:hlinkClick r:id="rId4"/>
               </a:rPr>
-              <a:t>http://</a:t>
+              <a:t>://</a:t>
             </a:r>
             <a:r>
               <a:rPr lang="en-US" sz="2400" dirty="0" smtClean="0">
@@ -7721,7 +8067,7 @@
             </a:pPr>
             <a:r>
               <a:rPr lang="en-US" dirty="0" smtClean="0"/>
-              <a:t>Data, Research</a:t>
+              <a:t>Data, Research, Weather</a:t>
             </a:r>
           </a:p>
           <a:p>
@@ -7732,7 +8078,7 @@
             </a:pPr>
             <a:r>
               <a:rPr lang="en-US" dirty="0" smtClean="0"/>
-              <a:t>Amplification Effect: Create a framework where lots of little ideas can freely combine into one, or more, greater ideas</a:t>
+              <a:t>Amplification Effect: Create a framework where lots of little ideas and inputs can freely combine into one, or more, greater ideas</a:t>
             </a:r>
           </a:p>
           <a:p>
@@ -7995,6 +8341,51 @@
           </a:p>
         </p:txBody>
       </p:sp>
+      <p:sp>
+        <p:nvSpPr>
+          <p:cNvPr id="3" name="TextBox 2"/>
+          <p:cNvSpPr txBox="1"/>
+          <p:nvPr/>
+        </p:nvSpPr>
+        <p:spPr>
+          <a:xfrm>
+            <a:off x="1415687" y="3788228"/>
+            <a:ext cx="6312626" cy="1200329"/>
+          </a:xfrm>
+          <a:prstGeom prst="rect">
+            <a:avLst/>
+          </a:prstGeom>
+          <a:noFill/>
+        </p:spPr>
+        <p:txBody>
+          <a:bodyPr wrap="none" rtlCol="0">
+            <a:spAutoFit/>
+          </a:bodyPr>
+          <a:lstStyle/>
+          <a:p>
+            <a:pPr algn="ctr"/>
+            <a:r>
+              <a:rPr lang="en-US" dirty="0"/>
+              <a:t>http://www.nsf.gov/awardsearch/showAward?AWD_ID=1216894</a:t>
+            </a:r>
+          </a:p>
+          <a:p>
+            <a:pPr algn="ctr"/>
+            <a:endParaRPr lang="en-US" dirty="0"/>
+          </a:p>
+          <a:p>
+            <a:pPr algn="ctr"/>
+            <a:r>
+              <a:rPr lang="en-US" dirty="0"/>
+              <a:t>http://www.nsf.gov/awardsearch/showAward?AWD_ID=1216817</a:t>
+            </a:r>
+          </a:p>
+          <a:p>
+            <a:pPr algn="ctr"/>
+            <a:endParaRPr lang="en-US" dirty="0"/>
+          </a:p>
+        </p:txBody>
+      </p:sp>
     </p:spTree>
     <p:extLst>
       <p:ext uri="{BB962C8B-B14F-4D97-AF65-F5344CB8AC3E}">
@@ -8373,7 +8764,7 @@
         <p:spPr>
           <a:xfrm>
             <a:off x="72959" y="5078812"/>
-            <a:ext cx="2425692" cy="646331"/>
+            <a:ext cx="2425692" cy="461665"/>
           </a:xfrm>
           <a:prstGeom prst="rect">
             <a:avLst/>
@@ -8390,7 +8781,17 @@
               <a:rPr lang="en-US" sz="1200" dirty="0">
                 <a:hlinkClick r:id="rId3"/>
               </a:rPr>
-              <a:t>http://www.catb.org/~esr/writings/cathedral-bazaar/cathedral-bazaar/index.html</a:t>
+              <a:t>http://</a:t>
+            </a:r>
+            <a:r>
+              <a:rPr lang="en-US" sz="1200" dirty="0" smtClean="0">
+                <a:hlinkClick r:id="rId3"/>
+              </a:rPr>
+              <a:t>www.firstmonday.dk/ojs/index.php/fm/article/view/1472/1387</a:t>
+            </a:r>
+            <a:r>
+              <a:rPr lang="en-US" sz="1200" dirty="0" smtClean="0"/>
+              <a:t> </a:t>
             </a:r>
             <a:endParaRPr lang="en-US" sz="1200" dirty="0"/>
           </a:p>
@@ -12428,6 +12829,12 @@
 </file>
 
 <file path=customXml/item2.xml><?xml version="1.0" encoding="utf-8"?>
+<p:properties xmlns:p="http://schemas.microsoft.com/office/2006/metadata/properties" xmlns:xsi="http://www.w3.org/2001/XMLSchema-instance" xmlns:pc="http://schemas.microsoft.com/office/infopath/2007/PartnerControls">
+  <documentManagement/>
+</p:properties>
+</file>
+
+<file path=customXml/item3.xml><?xml version="1.0" encoding="utf-8"?>
 <ct:contentTypeSchema xmlns:ct="http://schemas.microsoft.com/office/2006/metadata/contentType" xmlns:ma="http://schemas.microsoft.com/office/2006/metadata/properties/metaAttributes" ct:_="" ma:_="" ma:contentTypeName="Document" ma:contentTypeID="0x0101008EB671D78AF50D499D1D6164B447FCEE" ma:contentTypeVersion="" ma:contentTypeDescription="Create a new document." ma:contentTypeScope="" ma:versionID="9c1ecbbe78b62fd719a42c922c273ca8">
   <xsd:schema xmlns:xsd="http://www.w3.org/2001/XMLSchema" xmlns:xs="http://www.w3.org/2001/XMLSchema" xmlns:p="http://schemas.microsoft.com/office/2006/metadata/properties" targetNamespace="http://schemas.microsoft.com/office/2006/metadata/properties" ma:root="true" ma:fieldsID="b2384c6cc0088fcedbaf6edaf557defa">
     <xsd:element name="properties">
@@ -12541,12 +12948,6 @@
 </ct:contentTypeSchema>
 </file>
 
-<file path=customXml/item3.xml><?xml version="1.0" encoding="utf-8"?>
-<p:properties xmlns:p="http://schemas.microsoft.com/office/2006/metadata/properties" xmlns:xsi="http://www.w3.org/2001/XMLSchema-instance" xmlns:pc="http://schemas.microsoft.com/office/infopath/2007/PartnerControls">
-  <documentManagement/>
-</p:properties>
-</file>
-
 <file path=customXml/itemProps1.xml><?xml version="1.0" encoding="utf-8"?>
 <ds:datastoreItem xmlns:ds="http://schemas.openxmlformats.org/officeDocument/2006/customXml" ds:itemID="{B81C4E31-63DB-48E4-B9E1-27749B0D8EE7}">
   <ds:schemaRefs>
@@ -12556,6 +12957,15 @@
 </file>
 
 <file path=customXml/itemProps2.xml><?xml version="1.0" encoding="utf-8"?>
+<ds:datastoreItem xmlns:ds="http://schemas.openxmlformats.org/officeDocument/2006/customXml" ds:itemID="{F5546A85-E3FF-4108-9441-5918C19E322A}">
+  <ds:schemaRefs>
+    <ds:schemaRef ds:uri="http://schemas.microsoft.com/office/2006/metadata/properties"/>
+    <ds:schemaRef ds:uri="http://schemas.microsoft.com/office/infopath/2007/PartnerControls"/>
+  </ds:schemaRefs>
+</ds:datastoreItem>
+</file>
+
+<file path=customXml/itemProps3.xml><?xml version="1.0" encoding="utf-8"?>
 <ds:datastoreItem xmlns:ds="http://schemas.openxmlformats.org/officeDocument/2006/customXml" ds:itemID="{540863D5-0138-47D7-8D34-2E5E37C4F9AD}">
   <ds:schemaRefs>
     <ds:schemaRef ds:uri="http://schemas.microsoft.com/office/2006/metadata/contentType"/>
@@ -12569,13 +12979,4 @@
     <ds:schemaRef ds:uri="http://schemas.microsoft.com/office/infopath/2007/PartnerControls"/>
   </ds:schemaRefs>
 </ds:datastoreItem>
-</file>
-
-<file path=customXml/itemProps3.xml><?xml version="1.0" encoding="utf-8"?>
-<ds:datastoreItem xmlns:ds="http://schemas.openxmlformats.org/officeDocument/2006/customXml" ds:itemID="{F5546A85-E3FF-4108-9441-5918C19E322A}">
-  <ds:schemaRefs>
-    <ds:schemaRef ds:uri="http://schemas.microsoft.com/office/2006/metadata/properties"/>
-    <ds:schemaRef ds:uri="http://schemas.microsoft.com/office/infopath/2007/PartnerControls"/>
-  </ds:schemaRefs>
-</ds:datastoreItem>
 </file>
--- a/day-18/Idaszak_OSS_OpenSource.pptx
+++ b/day-18/Idaszak_OSS_OpenSource.pptx
@@ -5,10 +5,10 @@
     <p:sldMasterId id="2147483648" r:id="rId4"/>
   </p:sldMasterIdLst>
   <p:notesMasterIdLst>
-    <p:notesMasterId r:id="rId25"/>
+    <p:notesMasterId r:id="rId26"/>
   </p:notesMasterIdLst>
   <p:handoutMasterIdLst>
-    <p:handoutMasterId r:id="rId26"/>
+    <p:handoutMasterId r:id="rId27"/>
   </p:handoutMasterIdLst>
   <p:sldIdLst>
     <p:sldId id="342" r:id="rId5"/>
@@ -22,15 +22,16 @@
     <p:sldId id="799" r:id="rId13"/>
     <p:sldId id="797" r:id="rId14"/>
     <p:sldId id="798" r:id="rId15"/>
-    <p:sldId id="788" r:id="rId16"/>
-    <p:sldId id="791" r:id="rId17"/>
-    <p:sldId id="802" r:id="rId18"/>
-    <p:sldId id="800" r:id="rId19"/>
+    <p:sldId id="800" r:id="rId16"/>
+    <p:sldId id="788" r:id="rId17"/>
+    <p:sldId id="791" r:id="rId18"/>
+    <p:sldId id="802" r:id="rId19"/>
     <p:sldId id="803" r:id="rId20"/>
     <p:sldId id="804" r:id="rId21"/>
     <p:sldId id="801" r:id="rId22"/>
     <p:sldId id="795" r:id="rId23"/>
-    <p:sldId id="785" r:id="rId24"/>
+    <p:sldId id="805" r:id="rId24"/>
+    <p:sldId id="785" r:id="rId25"/>
   </p:sldIdLst>
   <p:sldSz cx="9144000" cy="6858000" type="screen4x3"/>
   <p:notesSz cx="7019925" cy="9305925"/>
@@ -230,7 +231,7 @@
           <a:p>
             <a:fld id="{9246E736-8DF2-4A67-8AD5-413DE77FF67A}" type="datetimeFigureOut">
               <a:rPr lang="en-US" smtClean="0"/>
-              <a:t>8/5/2014</a:t>
+              <a:t>8/6/2014</a:t>
             </a:fld>
             <a:endParaRPr lang="en-US" dirty="0"/>
           </a:p>
@@ -396,7 +397,7 @@
             <a:fld id="{6F706718-8F9B-4714-BDCA-44544253309B}" type="datetimeFigureOut">
               <a:rPr lang="en-US" smtClean="0"/>
               <a:pPr/>
-              <a:t>8/5/2014</a:t>
+              <a:t>8/6/2014</a:t>
             </a:fld>
             <a:endParaRPr lang="en-US" dirty="0"/>
           </a:p>
@@ -711,40 +712,7 @@
           <a:bodyPr/>
           <a:lstStyle/>
           <a:p>
-            <a:r>
-              <a:rPr lang="en-US" sz="1200" dirty="0" smtClean="0"/>
-              <a:t>2. While I don't claim to be a great programmer, I try to imitate one. An important trait of the great ones is constructive laziness. They know that  you get an A not for effort but for results, and that it's almost always easier to start from a good partial solution than from nothing at all.</a:t>
-            </a:r>
-          </a:p>
-          <a:p>
-            <a:endParaRPr lang="en-US" sz="1200" dirty="0" smtClean="0"/>
-          </a:p>
-          <a:p>
-            <a:r>
-              <a:rPr lang="en-US" sz="1200" dirty="0" smtClean="0"/>
-              <a:t>3. Or, to put it another way, you often don't really understand the problem until after the first time you implement a solution. The second time, maybe you know enough to do it right. So if you want to get it right, be ready to start over at least once.</a:t>
-            </a:r>
-          </a:p>
-          <a:p>
-            <a:endParaRPr lang="en-US" sz="1200" dirty="0" smtClean="0"/>
-          </a:p>
-          <a:p>
-            <a:r>
-              <a:rPr lang="en-US" sz="1200" dirty="0" smtClean="0"/>
-              <a:t>6. “Linus' cleverest and most consequential hack was not the construction of the Linux kernel but rather his invention of the Linux development model.”</a:t>
-            </a:r>
-          </a:p>
-          <a:p>
-            <a:endParaRPr lang="en-US" sz="1200" dirty="0" smtClean="0"/>
-          </a:p>
-          <a:p>
-            <a:r>
-              <a:rPr lang="en-US" sz="1200" dirty="0" smtClean="0"/>
-              <a:t>7. Linus Torvalds's model that is opposite of the Cathedral model. Linus was keeping his hacker/users constantly stimulated and rewarded - stimulated by the prospect of having an ego-satisfying piece of the action, rewarded by the sight of constant (even daily) improvement in their work. </a:t>
-            </a:r>
-          </a:p>
-          <a:p>
-            <a:endParaRPr lang="en-US" sz="1200" dirty="0"/>
+            <a:endParaRPr lang="en-US" dirty="0"/>
           </a:p>
         </p:txBody>
       </p:sp>
@@ -766,7 +734,7 @@
             <a:fld id="{0396E79A-87AA-4B9C-8CA3-60BB7F8FB89E}" type="slidenum">
               <a:rPr lang="en-US" smtClean="0"/>
               <a:pPr/>
-              <a:t>5</a:t>
+              <a:t>1</a:t>
             </a:fld>
             <a:endParaRPr lang="en-US" dirty="0"/>
           </a:p>
@@ -775,7 +743,7 @@
     </p:spTree>
     <p:extLst>
       <p:ext uri="{BB962C8B-B14F-4D97-AF65-F5344CB8AC3E}">
-        <p14:creationId xmlns:p14="http://schemas.microsoft.com/office/powerpoint/2010/main" val="2965720216"/>
+        <p14:creationId xmlns:p14="http://schemas.microsoft.com/office/powerpoint/2010/main" val="1587298720"/>
       </p:ext>
     </p:extLst>
   </p:cSld>
@@ -905,7 +873,7 @@
             <a:fld id="{0396E79A-87AA-4B9C-8CA3-60BB7F8FB89E}" type="slidenum">
               <a:rPr lang="en-US" smtClean="0"/>
               <a:pPr/>
-              <a:t>15</a:t>
+              <a:t>12</a:t>
             </a:fld>
             <a:endParaRPr lang="en-US" dirty="0"/>
           </a:p>
@@ -969,8 +937,12 @@
           <a:lstStyle/>
           <a:p>
             <a:r>
+              <a:rPr lang="en-US" dirty="0" smtClean="0"/>
+              <a:t>An example</a:t>
+            </a:r>
+            <a:r>
               <a:rPr lang="en-US" baseline="0" dirty="0" smtClean="0"/>
-              <a:t>A group using low-priced lightning detectors to crowd-source foul weather, including real-time lightning strikes shown on the map.</a:t>
+              <a:t> of “collective invention”</a:t>
             </a:r>
           </a:p>
           <a:p>
@@ -979,7 +951,15 @@
           <a:p>
             <a:r>
               <a:rPr lang="en-US" baseline="0" dirty="0" smtClean="0"/>
-              <a:t>Almost 800 participants participating internationally.</a:t>
+              <a:t>James Watt improves upon the </a:t>
+            </a:r>
+            <a:r>
+              <a:rPr lang="en-US" baseline="0" dirty="0" err="1" smtClean="0"/>
+              <a:t>Newcomen</a:t>
+            </a:r>
+            <a:r>
+              <a:rPr lang="en-US" baseline="0" dirty="0" smtClean="0"/>
+              <a:t> steam engine in 1769 and later patents it.</a:t>
             </a:r>
           </a:p>
           <a:p>
@@ -987,17 +967,29 @@
           </a:p>
           <a:p>
             <a:r>
-              <a:rPr lang="en-US" sz="1200" b="0" i="0" kern="1200" dirty="0" smtClean="0">
-                <a:solidFill>
-                  <a:schemeClr val="tx1"/>
-                </a:solidFill>
-                <a:effectLst/>
-                <a:latin typeface="+mn-lt"/>
-                <a:ea typeface="+mn-ea"/>
-                <a:cs typeface="+mn-cs"/>
-              </a:rPr>
-              <a:t>Each strike is color-coded to show when it happened, with white being newest (within 20 minutes) and red oldest (at least two hours ago). </a:t>
-            </a:r>
+              <a:rPr lang="en-US" baseline="0" dirty="0" smtClean="0"/>
+              <a:t>The patent runs out in 1800, and the efficiency greatly improves</a:t>
+            </a:r>
+          </a:p>
+          <a:p>
+            <a:endParaRPr lang="en-US" baseline="0" dirty="0" smtClean="0"/>
+          </a:p>
+          <a:p>
+            <a:r>
+              <a:rPr lang="en-US" baseline="0" dirty="0" smtClean="0"/>
+              <a:t>Shows that open better than closed for innovation</a:t>
+            </a:r>
+          </a:p>
+          <a:p>
+            <a:endParaRPr lang="en-US" baseline="0" dirty="0" smtClean="0"/>
+          </a:p>
+          <a:p>
+            <a:r>
+              <a:rPr lang="en-US" baseline="0" dirty="0" smtClean="0"/>
+              <a:t>http://ojphi.org/ojs/index.php/fm/article/view/1284/1204</a:t>
+            </a:r>
+          </a:p>
+          <a:p>
             <a:endParaRPr lang="en-US" baseline="0" dirty="0" smtClean="0"/>
           </a:p>
           <a:p>
@@ -1023,7 +1015,7 @@
             <a:fld id="{0396E79A-87AA-4B9C-8CA3-60BB7F8FB89E}" type="slidenum">
               <a:rPr lang="en-US" smtClean="0"/>
               <a:pPr/>
-              <a:t>16</a:t>
+              <a:t>13</a:t>
             </a:fld>
             <a:endParaRPr lang="en-US" dirty="0"/>
           </a:p>
@@ -1032,7 +1024,7 @@
     </p:spTree>
     <p:extLst>
       <p:ext uri="{BB962C8B-B14F-4D97-AF65-F5344CB8AC3E}">
-        <p14:creationId xmlns:p14="http://schemas.microsoft.com/office/powerpoint/2010/main" val="2169131031"/>
+        <p14:creationId xmlns:p14="http://schemas.microsoft.com/office/powerpoint/2010/main" val="3571203646"/>
       </p:ext>
     </p:extLst>
   </p:cSld>
@@ -1087,108 +1079,13 @@
           <a:lstStyle/>
           <a:p>
             <a:r>
-              <a:rPr lang="en-US" sz="1200" b="0" i="0" kern="1200" dirty="0" err="1" smtClean="0">
-                <a:solidFill>
-                  <a:schemeClr val="tx1"/>
-                </a:solidFill>
-                <a:effectLst/>
-                <a:latin typeface="+mn-lt"/>
-                <a:ea typeface="+mn-ea"/>
-                <a:cs typeface="+mn-cs"/>
-              </a:rPr>
-              <a:t>Folding@home</a:t>
-            </a:r>
-            <a:r>
-              <a:rPr lang="en-US" sz="1200" b="0" i="0" kern="1200" dirty="0" smtClean="0">
-                <a:solidFill>
-                  <a:schemeClr val="tx1"/>
-                </a:solidFill>
-                <a:effectLst/>
-                <a:latin typeface="+mn-lt"/>
-                <a:ea typeface="+mn-ea"/>
-                <a:cs typeface="+mn-cs"/>
-              </a:rPr>
-              <a:t> is a distributed computing project run out of Stanford, people from throughout the world download and run software to band together to make one of the largest supercomputers in the world. Think of it as crowdsourcing computing.</a:t>
-            </a:r>
-          </a:p>
-          <a:p>
-            <a:endParaRPr lang="en-US" sz="1200" b="0" i="0" kern="1200" baseline="0" dirty="0" smtClean="0">
-              <a:solidFill>
-                <a:schemeClr val="tx1"/>
-              </a:solidFill>
-              <a:effectLst/>
-              <a:latin typeface="+mn-lt"/>
-              <a:ea typeface="+mn-ea"/>
-              <a:cs typeface="+mn-cs"/>
-            </a:endParaRPr>
-          </a:p>
-          <a:p>
-            <a:r>
-              <a:rPr lang="en-US" sz="1200" b="0" i="0" kern="1200" dirty="0" smtClean="0">
-                <a:solidFill>
-                  <a:schemeClr val="tx1"/>
-                </a:solidFill>
-                <a:effectLst/>
-                <a:latin typeface="+mn-lt"/>
-                <a:ea typeface="+mn-ea"/>
-                <a:cs typeface="+mn-cs"/>
-              </a:rPr>
-              <a:t>Helps</a:t>
-            </a:r>
-            <a:r>
-              <a:rPr lang="en-US" sz="1200" b="0" i="0" kern="1200" baseline="0" dirty="0" smtClean="0">
-                <a:solidFill>
-                  <a:schemeClr val="tx1"/>
-                </a:solidFill>
-                <a:effectLst/>
-                <a:latin typeface="+mn-lt"/>
-                <a:ea typeface="+mn-ea"/>
-                <a:cs typeface="+mn-cs"/>
-              </a:rPr>
-              <a:t> </a:t>
-            </a:r>
-            <a:r>
-              <a:rPr lang="en-US" sz="1200" b="0" i="0" kern="1200" dirty="0" smtClean="0">
-                <a:solidFill>
-                  <a:schemeClr val="tx1"/>
-                </a:solidFill>
-                <a:effectLst/>
-                <a:latin typeface="+mn-lt"/>
-                <a:ea typeface="+mn-ea"/>
-                <a:cs typeface="+mn-cs"/>
-              </a:rPr>
-              <a:t>scientists studying Alzheimer's, Huntington's, Parkinson's, and many cancers by simply running a piece of software on your computer.</a:t>
-            </a:r>
-          </a:p>
-          <a:p>
-            <a:endParaRPr lang="en-US" sz="1200" b="0" i="0" kern="1200" baseline="0" dirty="0" smtClean="0">
-              <a:solidFill>
-                <a:schemeClr val="tx1"/>
-              </a:solidFill>
-              <a:effectLst/>
-              <a:latin typeface="+mn-lt"/>
-              <a:ea typeface="+mn-ea"/>
-              <a:cs typeface="+mn-cs"/>
-            </a:endParaRPr>
-          </a:p>
-          <a:p>
-            <a:r>
-              <a:rPr lang="en-US" sz="1200" b="0" i="0" kern="1200" baseline="0" dirty="0" smtClean="0">
-                <a:solidFill>
-                  <a:schemeClr val="tx1"/>
-                </a:solidFill>
-                <a:effectLst/>
-                <a:latin typeface="+mn-lt"/>
-                <a:ea typeface="+mn-ea"/>
-                <a:cs typeface="+mn-cs"/>
-              </a:rPr>
-              <a:t>About 174,000 people around the world participating.</a:t>
-            </a:r>
-          </a:p>
-          <a:p>
-            <a:endParaRPr lang="en-US" baseline="0" dirty="0" smtClean="0"/>
-          </a:p>
-          <a:p>
+              <a:rPr lang="en-US" dirty="0" smtClean="0"/>
+              <a:t>Emphasize</a:t>
+            </a:r>
+            <a:r>
+              <a:rPr lang="en-US" baseline="0" dirty="0" smtClean="0"/>
+              <a:t> open source amplification principle.</a:t>
+            </a:r>
             <a:endParaRPr lang="en-US" dirty="0"/>
           </a:p>
         </p:txBody>
@@ -1208,10 +1105,9 @@
           <a:bodyPr/>
           <a:lstStyle/>
           <a:p>
-            <a:fld id="{0396E79A-87AA-4B9C-8CA3-60BB7F8FB89E}" type="slidenum">
+            <a:fld id="{8766C89F-A36F-4759-BBDC-55CC802FFEED}" type="slidenum">
               <a:rPr lang="en-US" smtClean="0"/>
-              <a:pPr/>
-              <a:t>17</a:t>
+              <a:t>14</a:t>
             </a:fld>
             <a:endParaRPr lang="en-US" dirty="0"/>
           </a:p>
@@ -1220,7 +1116,7 @@
     </p:spTree>
     <p:extLst>
       <p:ext uri="{BB962C8B-B14F-4D97-AF65-F5344CB8AC3E}">
-        <p14:creationId xmlns:p14="http://schemas.microsoft.com/office/powerpoint/2010/main" val="3081801580"/>
+        <p14:creationId xmlns:p14="http://schemas.microsoft.com/office/powerpoint/2010/main" val="3795170612"/>
       </p:ext>
     </p:extLst>
   </p:cSld>
@@ -1284,9 +1180,8 @@
                 <a:ea typeface="+mn-ea"/>
                 <a:cs typeface="+mn-cs"/>
               </a:rPr>
-              <a:t>The NCDS Data Observatory is a core element of the NCDS. It’s purpose is to create a diverse repository of very large data sets for NCDS members to use and share in support of the mission to advance data science. </a:t>
-            </a:r>
-            <a:endParaRPr lang="en-US" baseline="0" dirty="0" smtClean="0"/>
+              <a:t>An Open Community Engagement Process (OCEP) applies open source mechanics and software engineering to water science research. This article describes the OCEP open source community amplification principle as well as the authors' experiences, lessons learned, and challenges with operationalizing OCEP.</a:t>
+            </a:r>
           </a:p>
           <a:p>
             <a:endParaRPr lang="en-US" dirty="0"/>
@@ -1308,19 +1203,18 @@
           <a:bodyPr/>
           <a:lstStyle/>
           <a:p>
-            <a:fld id="{0396E79A-87AA-4B9C-8CA3-60BB7F8FB89E}" type="slidenum">
+            <a:fld id="{AACFAEC2-E579-024E-846F-FBDD15F99C0C}" type="slidenum">
               <a:rPr lang="en-US" smtClean="0"/>
-              <a:pPr/>
-              <a:t>18</a:t>
+              <a:t>15</a:t>
             </a:fld>
-            <a:endParaRPr lang="en-US" dirty="0"/>
+            <a:endParaRPr lang="en-US"/>
           </a:p>
         </p:txBody>
       </p:sp>
     </p:spTree>
     <p:extLst>
       <p:ext uri="{BB962C8B-B14F-4D97-AF65-F5344CB8AC3E}">
-        <p14:creationId xmlns:p14="http://schemas.microsoft.com/office/powerpoint/2010/main" val="3571203646"/>
+        <p14:creationId xmlns:p14="http://schemas.microsoft.com/office/powerpoint/2010/main" val="3820775282"/>
       </p:ext>
     </p:extLst>
   </p:cSld>
@@ -1375,16 +1269,39 @@
           <a:lstStyle/>
           <a:p>
             <a:r>
-              <a:rPr lang="en-US" dirty="0" smtClean="0"/>
-              <a:t>Transparent</a:t>
-            </a:r>
-            <a:r>
-              <a:rPr lang="en-US" smtClean="0"/>
-              <a:t>, user-friendly way</a:t>
-            </a:r>
-          </a:p>
-          <a:p>
-            <a:endParaRPr lang="en-US"/>
+              <a:rPr lang="en-US" baseline="0" dirty="0" smtClean="0"/>
+              <a:t>A group using low-priced lightning detectors to crowd-source foul weather, including real-time lightning strikes shown on the map.</a:t>
+            </a:r>
+          </a:p>
+          <a:p>
+            <a:endParaRPr lang="en-US" baseline="0" dirty="0" smtClean="0"/>
+          </a:p>
+          <a:p>
+            <a:r>
+              <a:rPr lang="en-US" baseline="0" dirty="0" smtClean="0"/>
+              <a:t>Almost 800 participants participating internationally.</a:t>
+            </a:r>
+          </a:p>
+          <a:p>
+            <a:endParaRPr lang="en-US" baseline="0" dirty="0" smtClean="0"/>
+          </a:p>
+          <a:p>
+            <a:r>
+              <a:rPr lang="en-US" sz="1200" b="0" i="0" kern="1200" dirty="0" smtClean="0">
+                <a:solidFill>
+                  <a:schemeClr val="tx1"/>
+                </a:solidFill>
+                <a:effectLst/>
+                <a:latin typeface="+mn-lt"/>
+                <a:ea typeface="+mn-ea"/>
+                <a:cs typeface="+mn-cs"/>
+              </a:rPr>
+              <a:t>Each strike is color-coded to show when it happened, with white being newest (within 20 minutes) and red oldest (at least two hours ago). </a:t>
+            </a:r>
+            <a:endParaRPr lang="en-US" baseline="0" dirty="0" smtClean="0"/>
+          </a:p>
+          <a:p>
+            <a:endParaRPr lang="en-US" dirty="0"/>
           </a:p>
         </p:txBody>
       </p:sp>
@@ -1406,7 +1323,7 @@
             <a:fld id="{0396E79A-87AA-4B9C-8CA3-60BB7F8FB89E}" type="slidenum">
               <a:rPr lang="en-US" smtClean="0"/>
               <a:pPr/>
-              <a:t>19</a:t>
+              <a:t>16</a:t>
             </a:fld>
             <a:endParaRPr lang="en-US" dirty="0"/>
           </a:p>
@@ -1415,7 +1332,7 @@
     </p:spTree>
     <p:extLst>
       <p:ext uri="{BB962C8B-B14F-4D97-AF65-F5344CB8AC3E}">
-        <p14:creationId xmlns:p14="http://schemas.microsoft.com/office/powerpoint/2010/main" val="2992149004"/>
+        <p14:creationId xmlns:p14="http://schemas.microsoft.com/office/powerpoint/2010/main" val="2169131031"/>
       </p:ext>
     </p:extLst>
   </p:cSld>
@@ -1470,27 +1387,399 @@
           <a:lstStyle/>
           <a:p>
             <a:r>
+              <a:rPr lang="en-US" sz="1200" b="0" i="0" kern="1200" dirty="0" err="1" smtClean="0">
+                <a:solidFill>
+                  <a:schemeClr val="tx1"/>
+                </a:solidFill>
+                <a:effectLst/>
+                <a:latin typeface="+mn-lt"/>
+                <a:ea typeface="+mn-ea"/>
+                <a:cs typeface="+mn-cs"/>
+              </a:rPr>
+              <a:t>Folding@home</a:t>
+            </a:r>
+            <a:r>
+              <a:rPr lang="en-US" sz="1200" b="0" i="0" kern="1200" dirty="0" smtClean="0">
+                <a:solidFill>
+                  <a:schemeClr val="tx1"/>
+                </a:solidFill>
+                <a:effectLst/>
+                <a:latin typeface="+mn-lt"/>
+                <a:ea typeface="+mn-ea"/>
+                <a:cs typeface="+mn-cs"/>
+              </a:rPr>
+              <a:t> is a distributed computing project run out of Stanford, people from throughout the world download and run software to band together to make one of the largest supercomputers in the world. Think of it as crowdsourcing computing.</a:t>
+            </a:r>
+          </a:p>
+          <a:p>
+            <a:endParaRPr lang="en-US" sz="1200" b="0" i="0" kern="1200" baseline="0" dirty="0" smtClean="0">
+              <a:solidFill>
+                <a:schemeClr val="tx1"/>
+              </a:solidFill>
+              <a:effectLst/>
+              <a:latin typeface="+mn-lt"/>
+              <a:ea typeface="+mn-ea"/>
+              <a:cs typeface="+mn-cs"/>
+            </a:endParaRPr>
+          </a:p>
+          <a:p>
+            <a:r>
+              <a:rPr lang="en-US" sz="1200" b="0" i="0" kern="1200" dirty="0" smtClean="0">
+                <a:solidFill>
+                  <a:schemeClr val="tx1"/>
+                </a:solidFill>
+                <a:effectLst/>
+                <a:latin typeface="+mn-lt"/>
+                <a:ea typeface="+mn-ea"/>
+                <a:cs typeface="+mn-cs"/>
+              </a:rPr>
+              <a:t>Helps</a:t>
+            </a:r>
+            <a:r>
+              <a:rPr lang="en-US" sz="1200" b="0" i="0" kern="1200" baseline="0" dirty="0" smtClean="0">
+                <a:solidFill>
+                  <a:schemeClr val="tx1"/>
+                </a:solidFill>
+                <a:effectLst/>
+                <a:latin typeface="+mn-lt"/>
+                <a:ea typeface="+mn-ea"/>
+                <a:cs typeface="+mn-cs"/>
+              </a:rPr>
+              <a:t> </a:t>
+            </a:r>
+            <a:r>
+              <a:rPr lang="en-US" sz="1200" b="0" i="0" kern="1200" dirty="0" smtClean="0">
+                <a:solidFill>
+                  <a:schemeClr val="tx1"/>
+                </a:solidFill>
+                <a:effectLst/>
+                <a:latin typeface="+mn-lt"/>
+                <a:ea typeface="+mn-ea"/>
+                <a:cs typeface="+mn-cs"/>
+              </a:rPr>
+              <a:t>scientists studying Alzheimer's, Huntington's, Parkinson's, and many cancers by simply running a piece of software on your computer.</a:t>
+            </a:r>
+          </a:p>
+          <a:p>
+            <a:endParaRPr lang="en-US" sz="1200" b="0" i="0" kern="1200" baseline="0" dirty="0" smtClean="0">
+              <a:solidFill>
+                <a:schemeClr val="tx1"/>
+              </a:solidFill>
+              <a:effectLst/>
+              <a:latin typeface="+mn-lt"/>
+              <a:ea typeface="+mn-ea"/>
+              <a:cs typeface="+mn-cs"/>
+            </a:endParaRPr>
+          </a:p>
+          <a:p>
+            <a:r>
+              <a:rPr lang="en-US" sz="1200" b="0" i="0" kern="1200" baseline="0" dirty="0" smtClean="0">
+                <a:solidFill>
+                  <a:schemeClr val="tx1"/>
+                </a:solidFill>
+                <a:effectLst/>
+                <a:latin typeface="+mn-lt"/>
+                <a:ea typeface="+mn-ea"/>
+                <a:cs typeface="+mn-cs"/>
+              </a:rPr>
+              <a:t>About 174,000 people around the world participating.</a:t>
+            </a:r>
+          </a:p>
+          <a:p>
+            <a:endParaRPr lang="en-US" baseline="0" dirty="0" smtClean="0"/>
+          </a:p>
+          <a:p>
+            <a:endParaRPr lang="en-US" dirty="0"/>
+          </a:p>
+        </p:txBody>
+      </p:sp>
+      <p:sp>
+        <p:nvSpPr>
+          <p:cNvPr id="4" name="Slide Number Placeholder 3"/>
+          <p:cNvSpPr>
+            <a:spLocks noGrp="1"/>
+          </p:cNvSpPr>
+          <p:nvPr>
+            <p:ph type="sldNum" sz="quarter" idx="10"/>
+          </p:nvPr>
+        </p:nvSpPr>
+        <p:spPr/>
+        <p:txBody>
+          <a:bodyPr/>
+          <a:lstStyle/>
+          <a:p>
+            <a:fld id="{0396E79A-87AA-4B9C-8CA3-60BB7F8FB89E}" type="slidenum">
+              <a:rPr lang="en-US" smtClean="0"/>
+              <a:pPr/>
+              <a:t>17</a:t>
+            </a:fld>
+            <a:endParaRPr lang="en-US" dirty="0"/>
+          </a:p>
+        </p:txBody>
+      </p:sp>
+    </p:spTree>
+    <p:extLst>
+      <p:ext uri="{BB962C8B-B14F-4D97-AF65-F5344CB8AC3E}">
+        <p14:creationId xmlns:p14="http://schemas.microsoft.com/office/powerpoint/2010/main" val="3081801580"/>
+      </p:ext>
+    </p:extLst>
+  </p:cSld>
+  <p:clrMapOvr>
+    <a:masterClrMapping/>
+  </p:clrMapOvr>
+</p:notes>
+</file>
+
+<file path=ppt/notesSlides/notesSlide16.xml><?xml version="1.0" encoding="utf-8"?>
+<p:notes xmlns:a="http://schemas.openxmlformats.org/drawingml/2006/main" xmlns:r="http://schemas.openxmlformats.org/officeDocument/2006/relationships" xmlns:p="http://schemas.openxmlformats.org/presentationml/2006/main">
+  <p:cSld>
+    <p:spTree>
+      <p:nvGrpSpPr>
+        <p:cNvPr id="1" name=""/>
+        <p:cNvGrpSpPr/>
+        <p:nvPr/>
+      </p:nvGrpSpPr>
+      <p:grpSpPr>
+        <a:xfrm>
+          <a:off x="0" y="0"/>
+          <a:ext cx="0" cy="0"/>
+          <a:chOff x="0" y="0"/>
+          <a:chExt cx="0" cy="0"/>
+        </a:xfrm>
+      </p:grpSpPr>
+      <p:sp>
+        <p:nvSpPr>
+          <p:cNvPr id="2" name="Slide Image Placeholder 1"/>
+          <p:cNvSpPr>
+            <a:spLocks noGrp="1" noRot="1" noChangeAspect="1"/>
+          </p:cNvSpPr>
+          <p:nvPr>
+            <p:ph type="sldImg"/>
+          </p:nvPr>
+        </p:nvSpPr>
+        <p:spPr/>
+      </p:sp>
+      <p:sp>
+        <p:nvSpPr>
+          <p:cNvPr id="3" name="Notes Placeholder 2"/>
+          <p:cNvSpPr>
+            <a:spLocks noGrp="1"/>
+          </p:cNvSpPr>
+          <p:nvPr>
+            <p:ph type="body" idx="1"/>
+          </p:nvPr>
+        </p:nvSpPr>
+        <p:spPr/>
+        <p:txBody>
+          <a:bodyPr/>
+          <a:lstStyle/>
+          <a:p>
+            <a:r>
+              <a:rPr lang="en-US" sz="1200" b="0" i="0" kern="1200" dirty="0" smtClean="0">
+                <a:solidFill>
+                  <a:schemeClr val="tx1"/>
+                </a:solidFill>
+                <a:effectLst/>
+                <a:latin typeface="+mn-lt"/>
+                <a:ea typeface="+mn-ea"/>
+                <a:cs typeface="+mn-cs"/>
+              </a:rPr>
+              <a:t>The NCDS Data Observatory is a core element of the NCDS. It’s purpose is to create a diverse repository of very large data sets for NCDS members to use and share in support of the mission to advance data science. </a:t>
+            </a:r>
+            <a:endParaRPr lang="en-US" baseline="0" dirty="0" smtClean="0"/>
+          </a:p>
+          <a:p>
+            <a:endParaRPr lang="en-US" dirty="0"/>
+          </a:p>
+        </p:txBody>
+      </p:sp>
+      <p:sp>
+        <p:nvSpPr>
+          <p:cNvPr id="4" name="Slide Number Placeholder 3"/>
+          <p:cNvSpPr>
+            <a:spLocks noGrp="1"/>
+          </p:cNvSpPr>
+          <p:nvPr>
+            <p:ph type="sldNum" sz="quarter" idx="10"/>
+          </p:nvPr>
+        </p:nvSpPr>
+        <p:spPr/>
+        <p:txBody>
+          <a:bodyPr/>
+          <a:lstStyle/>
+          <a:p>
+            <a:fld id="{0396E79A-87AA-4B9C-8CA3-60BB7F8FB89E}" type="slidenum">
+              <a:rPr lang="en-US" smtClean="0"/>
+              <a:pPr/>
+              <a:t>18</a:t>
+            </a:fld>
+            <a:endParaRPr lang="en-US" dirty="0"/>
+          </a:p>
+        </p:txBody>
+      </p:sp>
+    </p:spTree>
+    <p:extLst>
+      <p:ext uri="{BB962C8B-B14F-4D97-AF65-F5344CB8AC3E}">
+        <p14:creationId xmlns:p14="http://schemas.microsoft.com/office/powerpoint/2010/main" val="3571203646"/>
+      </p:ext>
+    </p:extLst>
+  </p:cSld>
+  <p:clrMapOvr>
+    <a:masterClrMapping/>
+  </p:clrMapOvr>
+</p:notes>
+</file>
+
+<file path=ppt/notesSlides/notesSlide17.xml><?xml version="1.0" encoding="utf-8"?>
+<p:notes xmlns:a="http://schemas.openxmlformats.org/drawingml/2006/main" xmlns:r="http://schemas.openxmlformats.org/officeDocument/2006/relationships" xmlns:p="http://schemas.openxmlformats.org/presentationml/2006/main">
+  <p:cSld>
+    <p:spTree>
+      <p:nvGrpSpPr>
+        <p:cNvPr id="1" name=""/>
+        <p:cNvGrpSpPr/>
+        <p:nvPr/>
+      </p:nvGrpSpPr>
+      <p:grpSpPr>
+        <a:xfrm>
+          <a:off x="0" y="0"/>
+          <a:ext cx="0" cy="0"/>
+          <a:chOff x="0" y="0"/>
+          <a:chExt cx="0" cy="0"/>
+        </a:xfrm>
+      </p:grpSpPr>
+      <p:sp>
+        <p:nvSpPr>
+          <p:cNvPr id="2" name="Slide Image Placeholder 1"/>
+          <p:cNvSpPr>
+            <a:spLocks noGrp="1" noRot="1" noChangeAspect="1"/>
+          </p:cNvSpPr>
+          <p:nvPr>
+            <p:ph type="sldImg"/>
+          </p:nvPr>
+        </p:nvSpPr>
+        <p:spPr/>
+      </p:sp>
+      <p:sp>
+        <p:nvSpPr>
+          <p:cNvPr id="3" name="Notes Placeholder 2"/>
+          <p:cNvSpPr>
+            <a:spLocks noGrp="1"/>
+          </p:cNvSpPr>
+          <p:nvPr>
+            <p:ph type="body" idx="1"/>
+          </p:nvPr>
+        </p:nvSpPr>
+        <p:spPr/>
+        <p:txBody>
+          <a:bodyPr/>
+          <a:lstStyle/>
+          <a:p>
+            <a:r>
               <a:rPr lang="en-US" dirty="0" smtClean="0"/>
-              <a:t>http://www.nsf.gov/awardsearch/showAward?AWD_ID=1216894</a:t>
-            </a:r>
-          </a:p>
-          <a:p>
-            <a:endParaRPr lang="en-US" dirty="0" smtClean="0"/>
-          </a:p>
+              <a:t>Transparent</a:t>
+            </a:r>
+            <a:r>
+              <a:rPr lang="en-US" smtClean="0"/>
+              <a:t>, user-friendly way</a:t>
+            </a:r>
+          </a:p>
+          <a:p>
+            <a:endParaRPr lang="en-US"/>
+          </a:p>
+        </p:txBody>
+      </p:sp>
+      <p:sp>
+        <p:nvSpPr>
+          <p:cNvPr id="4" name="Slide Number Placeholder 3"/>
+          <p:cNvSpPr>
+            <a:spLocks noGrp="1"/>
+          </p:cNvSpPr>
+          <p:nvPr>
+            <p:ph type="sldNum" sz="quarter" idx="10"/>
+          </p:nvPr>
+        </p:nvSpPr>
+        <p:spPr/>
+        <p:txBody>
+          <a:bodyPr/>
+          <a:lstStyle/>
+          <a:p>
+            <a:fld id="{0396E79A-87AA-4B9C-8CA3-60BB7F8FB89E}" type="slidenum">
+              <a:rPr lang="en-US" smtClean="0"/>
+              <a:pPr/>
+              <a:t>19</a:t>
+            </a:fld>
+            <a:endParaRPr lang="en-US" dirty="0"/>
+          </a:p>
+        </p:txBody>
+      </p:sp>
+    </p:spTree>
+    <p:extLst>
+      <p:ext uri="{BB962C8B-B14F-4D97-AF65-F5344CB8AC3E}">
+        <p14:creationId xmlns:p14="http://schemas.microsoft.com/office/powerpoint/2010/main" val="2992149004"/>
+      </p:ext>
+    </p:extLst>
+  </p:cSld>
+  <p:clrMapOvr>
+    <a:masterClrMapping/>
+  </p:clrMapOvr>
+</p:notes>
+</file>
+
+<file path=ppt/notesSlides/notesSlide18.xml><?xml version="1.0" encoding="utf-8"?>
+<p:notes xmlns:a="http://schemas.openxmlformats.org/drawingml/2006/main" xmlns:r="http://schemas.openxmlformats.org/officeDocument/2006/relationships" xmlns:p="http://schemas.openxmlformats.org/presentationml/2006/main">
+  <p:cSld>
+    <p:spTree>
+      <p:nvGrpSpPr>
+        <p:cNvPr id="1" name=""/>
+        <p:cNvGrpSpPr/>
+        <p:nvPr/>
+      </p:nvGrpSpPr>
+      <p:grpSpPr>
+        <a:xfrm>
+          <a:off x="0" y="0"/>
+          <a:ext cx="0" cy="0"/>
+          <a:chOff x="0" y="0"/>
+          <a:chExt cx="0" cy="0"/>
+        </a:xfrm>
+      </p:grpSpPr>
+      <p:sp>
+        <p:nvSpPr>
+          <p:cNvPr id="2" name="Slide Image Placeholder 1"/>
+          <p:cNvSpPr>
+            <a:spLocks noGrp="1" noRot="1" noChangeAspect="1"/>
+          </p:cNvSpPr>
+          <p:nvPr>
+            <p:ph type="sldImg"/>
+          </p:nvPr>
+        </p:nvSpPr>
+        <p:spPr/>
+      </p:sp>
+      <p:sp>
+        <p:nvSpPr>
+          <p:cNvPr id="3" name="Notes Placeholder 2"/>
+          <p:cNvSpPr>
+            <a:spLocks noGrp="1"/>
+          </p:cNvSpPr>
+          <p:nvPr>
+            <p:ph type="body" idx="1"/>
+          </p:nvPr>
+        </p:nvSpPr>
+        <p:spPr/>
+        <p:txBody>
+          <a:bodyPr/>
+          <a:lstStyle/>
           <a:p>
             <a:r>
               <a:rPr lang="en-US" dirty="0" smtClean="0"/>
-              <a:t>http://www.nsf.gov/awardsearch/showAward?AWD_ID=1216817</a:t>
-            </a:r>
-          </a:p>
-          <a:p>
-            <a:endParaRPr lang="en-US" dirty="0" smtClean="0"/>
-          </a:p>
-          <a:p>
-            <a:endParaRPr lang="en-US" dirty="0" smtClean="0"/>
-          </a:p>
-          <a:p>
-            <a:endParaRPr lang="en-US" dirty="0"/>
+              <a:t>Transparent</a:t>
+            </a:r>
+            <a:r>
+              <a:rPr lang="en-US" smtClean="0"/>
+              <a:t>, user-friendly way</a:t>
+            </a:r>
+          </a:p>
+          <a:p>
+            <a:endParaRPr lang="en-US"/>
           </a:p>
         </p:txBody>
       </p:sp>
@@ -1513,6 +1802,112 @@
               <a:rPr lang="en-US" smtClean="0"/>
               <a:pPr/>
               <a:t>20</a:t>
+            </a:fld>
+            <a:endParaRPr lang="en-US" dirty="0"/>
+          </a:p>
+        </p:txBody>
+      </p:sp>
+    </p:spTree>
+    <p:extLst>
+      <p:ext uri="{BB962C8B-B14F-4D97-AF65-F5344CB8AC3E}">
+        <p14:creationId xmlns:p14="http://schemas.microsoft.com/office/powerpoint/2010/main" val="3032711460"/>
+      </p:ext>
+    </p:extLst>
+  </p:cSld>
+  <p:clrMapOvr>
+    <a:masterClrMapping/>
+  </p:clrMapOvr>
+</p:notes>
+</file>
+
+<file path=ppt/notesSlides/notesSlide19.xml><?xml version="1.0" encoding="utf-8"?>
+<p:notes xmlns:a="http://schemas.openxmlformats.org/drawingml/2006/main" xmlns:r="http://schemas.openxmlformats.org/officeDocument/2006/relationships" xmlns:p="http://schemas.openxmlformats.org/presentationml/2006/main">
+  <p:cSld>
+    <p:spTree>
+      <p:nvGrpSpPr>
+        <p:cNvPr id="1" name=""/>
+        <p:cNvGrpSpPr/>
+        <p:nvPr/>
+      </p:nvGrpSpPr>
+      <p:grpSpPr>
+        <a:xfrm>
+          <a:off x="0" y="0"/>
+          <a:ext cx="0" cy="0"/>
+          <a:chOff x="0" y="0"/>
+          <a:chExt cx="0" cy="0"/>
+        </a:xfrm>
+      </p:grpSpPr>
+      <p:sp>
+        <p:nvSpPr>
+          <p:cNvPr id="2" name="Slide Image Placeholder 1"/>
+          <p:cNvSpPr>
+            <a:spLocks noGrp="1" noRot="1" noChangeAspect="1"/>
+          </p:cNvSpPr>
+          <p:nvPr>
+            <p:ph type="sldImg"/>
+          </p:nvPr>
+        </p:nvSpPr>
+        <p:spPr/>
+      </p:sp>
+      <p:sp>
+        <p:nvSpPr>
+          <p:cNvPr id="3" name="Notes Placeholder 2"/>
+          <p:cNvSpPr>
+            <a:spLocks noGrp="1"/>
+          </p:cNvSpPr>
+          <p:nvPr>
+            <p:ph type="body" idx="1"/>
+          </p:nvPr>
+        </p:nvSpPr>
+        <p:spPr/>
+        <p:txBody>
+          <a:bodyPr/>
+          <a:lstStyle/>
+          <a:p>
+            <a:r>
+              <a:rPr lang="en-US" dirty="0" smtClean="0"/>
+              <a:t>http://www.nsf.gov/awardsearch/showAward?AWD_ID=1216894</a:t>
+            </a:r>
+          </a:p>
+          <a:p>
+            <a:endParaRPr lang="en-US" dirty="0" smtClean="0"/>
+          </a:p>
+          <a:p>
+            <a:r>
+              <a:rPr lang="en-US" dirty="0" smtClean="0"/>
+              <a:t>http://www.nsf.gov/awardsearch/showAward?AWD_ID=1216817</a:t>
+            </a:r>
+          </a:p>
+          <a:p>
+            <a:endParaRPr lang="en-US" dirty="0" smtClean="0"/>
+          </a:p>
+          <a:p>
+            <a:endParaRPr lang="en-US" dirty="0" smtClean="0"/>
+          </a:p>
+          <a:p>
+            <a:endParaRPr lang="en-US" dirty="0"/>
+          </a:p>
+        </p:txBody>
+      </p:sp>
+      <p:sp>
+        <p:nvSpPr>
+          <p:cNvPr id="4" name="Slide Number Placeholder 3"/>
+          <p:cNvSpPr>
+            <a:spLocks noGrp="1"/>
+          </p:cNvSpPr>
+          <p:nvPr>
+            <p:ph type="sldNum" sz="quarter" idx="10"/>
+          </p:nvPr>
+        </p:nvSpPr>
+        <p:spPr/>
+        <p:txBody>
+          <a:bodyPr/>
+          <a:lstStyle/>
+          <a:p>
+            <a:fld id="{0396E79A-87AA-4B9C-8CA3-60BB7F8FB89E}" type="slidenum">
+              <a:rPr lang="en-US" smtClean="0"/>
+              <a:pPr/>
+              <a:t>21</a:t>
             </a:fld>
             <a:endParaRPr lang="en-US" dirty="0"/>
           </a:p>
@@ -1575,38 +1970,6 @@
           <a:bodyPr/>
           <a:lstStyle/>
           <a:p>
-            <a:r>
-              <a:rPr lang="en-US" dirty="0" smtClean="0"/>
-              <a:t>8. Or, less formally, "Given enough eyeballs, all bugs are shallow.“ </a:t>
-            </a:r>
-            <a:r>
-              <a:rPr lang="en-US" baseline="0" dirty="0" smtClean="0"/>
-              <a:t>Linus stated that the person who understands and fixes the problem is not</a:t>
-            </a:r>
-          </a:p>
-          <a:p>
-            <a:r>
-              <a:rPr lang="en-US" baseline="0" dirty="0" smtClean="0"/>
-              <a:t>necessarily or even usually the person who first characterizes it.</a:t>
-            </a:r>
-          </a:p>
-          <a:p>
-            <a:endParaRPr lang="en-US" baseline="0" dirty="0" smtClean="0"/>
-          </a:p>
-          <a:p>
-            <a:r>
-              <a:rPr lang="en-US" baseline="0" dirty="0" smtClean="0"/>
-              <a:t>11. </a:t>
-            </a:r>
-          </a:p>
-          <a:p>
-            <a:endParaRPr lang="en-US" baseline="0" dirty="0" smtClean="0"/>
-          </a:p>
-          <a:p>
-            <a:r>
-              <a:rPr lang="en-US" baseline="0" dirty="0" smtClean="0"/>
-              <a:t>12. When you hit a wall in development - when you find yourself hard put to think past the next patch - it's often time to ask not whether you've got the right answer, but whether you're asking the right question. Perhaps the problem needs to be reframed.</a:t>
-            </a:r>
             <a:endParaRPr lang="en-US" dirty="0"/>
           </a:p>
         </p:txBody>
@@ -1629,7 +1992,7 @@
             <a:fld id="{0396E79A-87AA-4B9C-8CA3-60BB7F8FB89E}" type="slidenum">
               <a:rPr lang="en-US" smtClean="0"/>
               <a:pPr/>
-              <a:t>6</a:t>
+              <a:t>3</a:t>
             </a:fld>
             <a:endParaRPr lang="en-US" dirty="0"/>
           </a:p>
@@ -1638,7 +2001,7 @@
     </p:spTree>
     <p:extLst>
       <p:ext uri="{BB962C8B-B14F-4D97-AF65-F5344CB8AC3E}">
-        <p14:creationId xmlns:p14="http://schemas.microsoft.com/office/powerpoint/2010/main" val="2909942282"/>
+        <p14:creationId xmlns:p14="http://schemas.microsoft.com/office/powerpoint/2010/main" val="1422516436"/>
       </p:ext>
     </p:extLst>
   </p:cSld>
@@ -1667,38 +2030,19 @@
       </p:grpSpPr>
       <p:sp>
         <p:nvSpPr>
-          <p:cNvPr id="16386" name="Slide Image Placeholder 1"/>
-          <p:cNvSpPr>
-            <a:spLocks noGrp="1" noRot="1" noChangeAspect="1" noTextEdit="1"/>
+          <p:cNvPr id="2" name="Slide Image Placeholder 1"/>
+          <p:cNvSpPr>
+            <a:spLocks noGrp="1" noRot="1" noChangeAspect="1"/>
           </p:cNvSpPr>
           <p:nvPr>
             <p:ph type="sldImg"/>
           </p:nvPr>
         </p:nvSpPr>
-        <p:spPr bwMode="auto">
-          <a:noFill/>
-          <a:ln>
-            <a:solidFill>
-              <a:srgbClr val="000000"/>
-            </a:solidFill>
-            <a:miter lim="800000"/>
-            <a:headEnd/>
-            <a:tailEnd/>
-          </a:ln>
-          <a:extLst>
-            <a:ext uri="{909E8E84-426E-40DD-AFC4-6F175D3DCCD1}">
-              <a14:hiddenFill xmlns:a14="http://schemas.microsoft.com/office/drawing/2010/main">
-                <a:solidFill>
-                  <a:srgbClr val="FFFFFF"/>
-                </a:solidFill>
-              </a14:hiddenFill>
-            </a:ext>
-          </a:extLst>
-        </p:spPr>
-      </p:sp>
-      <p:sp>
-        <p:nvSpPr>
-          <p:cNvPr id="16387" name="Notes Placeholder 2"/>
+        <p:spPr/>
+      </p:sp>
+      <p:sp>
+        <p:nvSpPr>
+          <p:cNvPr id="3" name="Notes Placeholder 2"/>
           <p:cNvSpPr>
             <a:spLocks noGrp="1"/>
           </p:cNvSpPr>
@@ -1706,255 +2050,76 @@
             <p:ph type="body" idx="1"/>
           </p:nvPr>
         </p:nvSpPr>
-        <p:spPr bwMode="auto">
-          <a:noFill/>
-          <a:extLst>
-            <a:ext uri="{909E8E84-426E-40DD-AFC4-6F175D3DCCD1}">
-              <a14:hiddenFill xmlns:a14="http://schemas.microsoft.com/office/drawing/2010/main">
-                <a:solidFill>
-                  <a:srgbClr val="FFFFFF"/>
-                </a:solidFill>
-              </a14:hiddenFill>
-            </a:ext>
-            <a:ext uri="{91240B29-F687-4F45-9708-019B960494DF}">
-              <a14:hiddenLine xmlns:a14="http://schemas.microsoft.com/office/drawing/2010/main" w="9525">
-                <a:solidFill>
-                  <a:srgbClr val="000000"/>
-                </a:solidFill>
-                <a:miter lim="800000"/>
-                <a:headEnd/>
-                <a:tailEnd/>
-              </a14:hiddenLine>
-            </a:ext>
-          </a:extLst>
-        </p:spPr>
-        <p:txBody>
-          <a:bodyPr wrap="square" numCol="1" anchor="t" anchorCtr="0" compatLnSpc="1">
-            <a:prstTxWarp prst="textNoShape">
-              <a:avLst/>
-            </a:prstTxWarp>
-          </a:bodyPr>
+        <p:spPr/>
+        <p:txBody>
+          <a:bodyPr/>
           <a:lstStyle/>
           <a:p>
             <a:r>
-              <a:rPr lang="en-US" dirty="0" smtClean="0"/>
-              <a:t>You’ve either heard or</a:t>
-            </a:r>
-            <a:r>
-              <a:rPr lang="en-US" baseline="0" dirty="0" smtClean="0"/>
-              <a:t> will hear about this community amplification effect of Open Source.  If implement and operating to its fullest, open source facilitates an ever increasing number of contributors to code that has ever increasing value to ever increasing numbers of users.</a:t>
-            </a:r>
-          </a:p>
-          <a:p>
-            <a:endParaRPr lang="en-US" baseline="0" dirty="0" smtClean="0"/>
-          </a:p>
-          <a:p>
-            <a:r>
-              <a:rPr lang="en-US" baseline="0" smtClean="0"/>
-              <a:t>So if there is one thing you’ll hear today, it’s that Open Source works.</a:t>
-            </a:r>
-            <a:endParaRPr lang="en-US" smtClean="0"/>
-          </a:p>
-          <a:p>
-            <a:pPr eaLnBrk="1" hangingPunct="1">
-              <a:spcBef>
-                <a:spcPct val="0"/>
-              </a:spcBef>
-            </a:pPr>
-            <a:endParaRPr lang="en-US" altLang="en-US" dirty="0" smtClean="0"/>
-          </a:p>
-          <a:p>
-            <a:pPr eaLnBrk="1" hangingPunct="1">
-              <a:spcBef>
-                <a:spcPct val="0"/>
-              </a:spcBef>
-            </a:pPr>
-            <a:r>
-              <a:rPr lang="en-US" altLang="en-US" dirty="0" smtClean="0"/>
-              <a:t>e.g. There</a:t>
-            </a:r>
-            <a:r>
-              <a:rPr lang="en-US" altLang="en-US" baseline="0" dirty="0" smtClean="0"/>
-              <a:t> are lots of contributors to </a:t>
-            </a:r>
-            <a:r>
-              <a:rPr lang="en-US" altLang="en-US" baseline="0" dirty="0" err="1" smtClean="0"/>
-              <a:t>linux</a:t>
-            </a:r>
-            <a:r>
-              <a:rPr lang="en-US" altLang="en-US" baseline="0" dirty="0" smtClean="0"/>
-              <a:t>, even more users.</a:t>
-            </a:r>
-            <a:endParaRPr lang="en-US" altLang="en-US" dirty="0" smtClean="0"/>
-          </a:p>
-        </p:txBody>
-      </p:sp>
-      <p:sp>
-        <p:nvSpPr>
-          <p:cNvPr id="16388" name="Slide Number Placeholder 3"/>
-          <p:cNvSpPr>
-            <a:spLocks noGrp="1"/>
-          </p:cNvSpPr>
-          <p:nvPr>
-            <p:ph type="sldNum" sz="quarter" idx="5"/>
-          </p:nvPr>
-        </p:nvSpPr>
-        <p:spPr bwMode="auto">
-          <a:extLst>
-            <a:ext uri="{909E8E84-426E-40DD-AFC4-6F175D3DCCD1}">
-              <a14:hiddenFill xmlns:a14="http://schemas.microsoft.com/office/drawing/2010/main">
-                <a:solidFill>
-                  <a:srgbClr val="FFFFFF"/>
-                </a:solidFill>
-              </a14:hiddenFill>
-            </a:ext>
-            <a:ext uri="{91240B29-F687-4F45-9708-019B960494DF}">
-              <a14:hiddenLine xmlns:a14="http://schemas.microsoft.com/office/drawing/2010/main" w="9525">
-                <a:solidFill>
-                  <a:srgbClr val="000000"/>
-                </a:solidFill>
-                <a:miter lim="800000"/>
-                <a:headEnd/>
-                <a:tailEnd/>
-              </a14:hiddenLine>
-            </a:ext>
-          </a:extLst>
-        </p:spPr>
-        <p:txBody>
-          <a:bodyPr wrap="square" numCol="1" anchorCtr="0" compatLnSpc="1">
-            <a:prstTxWarp prst="textNoShape">
-              <a:avLst/>
-            </a:prstTxWarp>
-          </a:bodyPr>
-          <a:lstStyle>
-            <a:lvl1pPr>
-              <a:defRPr>
-                <a:solidFill>
-                  <a:schemeClr val="tx1"/>
-                </a:solidFill>
-                <a:latin typeface="Calibri" pitchFamily="34" charset="0"/>
-              </a:defRPr>
-            </a:lvl1pPr>
-            <a:lvl2pPr marL="757958" indent="-291522">
-              <a:defRPr>
-                <a:solidFill>
-                  <a:schemeClr val="tx1"/>
-                </a:solidFill>
-                <a:latin typeface="Calibri" pitchFamily="34" charset="0"/>
-              </a:defRPr>
-            </a:lvl2pPr>
-            <a:lvl3pPr marL="1166089" indent="-233218">
-              <a:defRPr>
-                <a:solidFill>
-                  <a:schemeClr val="tx1"/>
-                </a:solidFill>
-                <a:latin typeface="Calibri" pitchFamily="34" charset="0"/>
-              </a:defRPr>
-            </a:lvl3pPr>
-            <a:lvl4pPr marL="1632524" indent="-233218">
-              <a:defRPr>
-                <a:solidFill>
-                  <a:schemeClr val="tx1"/>
-                </a:solidFill>
-                <a:latin typeface="Calibri" pitchFamily="34" charset="0"/>
-              </a:defRPr>
-            </a:lvl4pPr>
-            <a:lvl5pPr marL="2098959" indent="-233218">
-              <a:defRPr>
-                <a:solidFill>
-                  <a:schemeClr val="tx1"/>
-                </a:solidFill>
-                <a:latin typeface="Calibri" pitchFamily="34" charset="0"/>
-              </a:defRPr>
-            </a:lvl5pPr>
-            <a:lvl6pPr marL="2565395" indent="-233218" defTabSz="466435" fontAlgn="base">
-              <a:spcBef>
-                <a:spcPct val="0"/>
-              </a:spcBef>
-              <a:spcAft>
-                <a:spcPct val="0"/>
-              </a:spcAft>
-              <a:defRPr>
-                <a:solidFill>
-                  <a:schemeClr val="tx1"/>
-                </a:solidFill>
-                <a:latin typeface="Calibri" pitchFamily="34" charset="0"/>
-              </a:defRPr>
-            </a:lvl6pPr>
-            <a:lvl7pPr marL="3031830" indent="-233218" defTabSz="466435" fontAlgn="base">
-              <a:spcBef>
-                <a:spcPct val="0"/>
-              </a:spcBef>
-              <a:spcAft>
-                <a:spcPct val="0"/>
-              </a:spcAft>
-              <a:defRPr>
-                <a:solidFill>
-                  <a:schemeClr val="tx1"/>
-                </a:solidFill>
-                <a:latin typeface="Calibri" pitchFamily="34" charset="0"/>
-              </a:defRPr>
-            </a:lvl7pPr>
-            <a:lvl8pPr marL="3498266" indent="-233218" defTabSz="466435" fontAlgn="base">
-              <a:spcBef>
-                <a:spcPct val="0"/>
-              </a:spcBef>
-              <a:spcAft>
-                <a:spcPct val="0"/>
-              </a:spcAft>
-              <a:defRPr>
-                <a:solidFill>
-                  <a:schemeClr val="tx1"/>
-                </a:solidFill>
-                <a:latin typeface="Calibri" pitchFamily="34" charset="0"/>
-              </a:defRPr>
-            </a:lvl8pPr>
-            <a:lvl9pPr marL="3964701" indent="-233218" defTabSz="466435" fontAlgn="base">
-              <a:spcBef>
-                <a:spcPct val="0"/>
-              </a:spcBef>
-              <a:spcAft>
-                <a:spcPct val="0"/>
-              </a:spcAft>
-              <a:defRPr>
-                <a:solidFill>
-                  <a:schemeClr val="tx1"/>
-                </a:solidFill>
-                <a:latin typeface="Calibri" pitchFamily="34" charset="0"/>
-              </a:defRPr>
-            </a:lvl9pPr>
-          </a:lstStyle>
-          <a:p>
-            <a:pPr fontAlgn="base">
-              <a:spcBef>
-                <a:spcPct val="0"/>
-              </a:spcBef>
-              <a:spcAft>
-                <a:spcPct val="0"/>
-              </a:spcAft>
-              <a:defRPr/>
-            </a:pPr>
-            <a:fld id="{5DE714DC-D757-4819-BD88-0AF62D8D944C}" type="slidenum">
-              <a:rPr lang="en-US" altLang="en-US" smtClean="0"/>
-              <a:pPr fontAlgn="base">
-                <a:spcBef>
-                  <a:spcPct val="0"/>
-                </a:spcBef>
-                <a:spcAft>
-                  <a:spcPct val="0"/>
-                </a:spcAft>
-                <a:defRPr/>
-              </a:pPr>
-              <a:t>7</a:t>
+              <a:rPr lang="en-US" sz="1200" dirty="0" smtClean="0"/>
+              <a:t>2. While I don't claim to be a great programmer, I try to imitate one. An important trait of the great ones is constructive laziness. They know that  you get an A not for effort but for results, and that it's almost always easier to start from a good partial solution than from nothing at all.</a:t>
+            </a:r>
+          </a:p>
+          <a:p>
+            <a:endParaRPr lang="en-US" sz="1200" dirty="0" smtClean="0"/>
+          </a:p>
+          <a:p>
+            <a:r>
+              <a:rPr lang="en-US" sz="1200" dirty="0" smtClean="0"/>
+              <a:t>3. Or, to put it another way, you often don't really understand the problem until after the first time you implement a solution. The second time, maybe you know enough to do it right. So if you want to get it right, be ready to start over at least once.</a:t>
+            </a:r>
+          </a:p>
+          <a:p>
+            <a:endParaRPr lang="en-US" sz="1200" dirty="0" smtClean="0"/>
+          </a:p>
+          <a:p>
+            <a:r>
+              <a:rPr lang="en-US" sz="1200" dirty="0" smtClean="0"/>
+              <a:t>6. “Linus' cleverest and most consequential hack was not the construction of the Linux kernel but rather his invention of the Linux development model.”</a:t>
+            </a:r>
+          </a:p>
+          <a:p>
+            <a:endParaRPr lang="en-US" sz="1200" dirty="0" smtClean="0"/>
+          </a:p>
+          <a:p>
+            <a:r>
+              <a:rPr lang="en-US" sz="1200" dirty="0" smtClean="0"/>
+              <a:t>7. Linus Torvalds's model that is opposite of the Cathedral model. Linus was keeping his hacker/users constantly stimulated and rewarded - stimulated by the prospect of having an ego-satisfying piece of the action, rewarded by the sight of constant (even daily) improvement in their work. </a:t>
+            </a:r>
+          </a:p>
+          <a:p>
+            <a:endParaRPr lang="en-US" sz="1200" dirty="0"/>
+          </a:p>
+        </p:txBody>
+      </p:sp>
+      <p:sp>
+        <p:nvSpPr>
+          <p:cNvPr id="4" name="Slide Number Placeholder 3"/>
+          <p:cNvSpPr>
+            <a:spLocks noGrp="1"/>
+          </p:cNvSpPr>
+          <p:nvPr>
+            <p:ph type="sldNum" sz="quarter" idx="10"/>
+          </p:nvPr>
+        </p:nvSpPr>
+        <p:spPr/>
+        <p:txBody>
+          <a:bodyPr/>
+          <a:lstStyle/>
+          <a:p>
+            <a:fld id="{0396E79A-87AA-4B9C-8CA3-60BB7F8FB89E}" type="slidenum">
+              <a:rPr lang="en-US" smtClean="0"/>
+              <a:pPr/>
+              <a:t>5</a:t>
             </a:fld>
-            <a:endParaRPr lang="en-US" altLang="en-US" smtClean="0"/>
+            <a:endParaRPr lang="en-US" dirty="0"/>
           </a:p>
         </p:txBody>
       </p:sp>
     </p:spTree>
     <p:extLst>
       <p:ext uri="{BB962C8B-B14F-4D97-AF65-F5344CB8AC3E}">
-        <p14:creationId xmlns:p14="http://schemas.microsoft.com/office/powerpoint/2010/main" val="1238847098"/>
+        <p14:creationId xmlns:p14="http://schemas.microsoft.com/office/powerpoint/2010/main" val="2965720216"/>
       </p:ext>
     </p:extLst>
   </p:cSld>
@@ -1983,38 +2148,19 @@
       </p:grpSpPr>
       <p:sp>
         <p:nvSpPr>
-          <p:cNvPr id="16386" name="Slide Image Placeholder 1"/>
-          <p:cNvSpPr>
-            <a:spLocks noGrp="1" noRot="1" noChangeAspect="1" noTextEdit="1"/>
+          <p:cNvPr id="2" name="Slide Image Placeholder 1"/>
+          <p:cNvSpPr>
+            <a:spLocks noGrp="1" noRot="1" noChangeAspect="1"/>
           </p:cNvSpPr>
           <p:nvPr>
             <p:ph type="sldImg"/>
           </p:nvPr>
         </p:nvSpPr>
-        <p:spPr bwMode="auto">
-          <a:noFill/>
-          <a:ln>
-            <a:solidFill>
-              <a:srgbClr val="000000"/>
-            </a:solidFill>
-            <a:miter lim="800000"/>
-            <a:headEnd/>
-            <a:tailEnd/>
-          </a:ln>
-          <a:extLst>
-            <a:ext uri="{909E8E84-426E-40DD-AFC4-6F175D3DCCD1}">
-              <a14:hiddenFill xmlns:a14="http://schemas.microsoft.com/office/drawing/2010/main">
-                <a:solidFill>
-                  <a:srgbClr val="FFFFFF"/>
-                </a:solidFill>
-              </a14:hiddenFill>
-            </a:ext>
-          </a:extLst>
-        </p:spPr>
-      </p:sp>
-      <p:sp>
-        <p:nvSpPr>
-          <p:cNvPr id="16387" name="Notes Placeholder 2"/>
+        <p:spPr/>
+      </p:sp>
+      <p:sp>
+        <p:nvSpPr>
+          <p:cNvPr id="3" name="Notes Placeholder 2"/>
           <p:cNvSpPr>
             <a:spLocks noGrp="1"/>
           </p:cNvSpPr>
@@ -2022,211 +2168,75 @@
             <p:ph type="body" idx="1"/>
           </p:nvPr>
         </p:nvSpPr>
-        <p:spPr bwMode="auto">
-          <a:noFill/>
-          <a:extLst>
-            <a:ext uri="{909E8E84-426E-40DD-AFC4-6F175D3DCCD1}">
-              <a14:hiddenFill xmlns:a14="http://schemas.microsoft.com/office/drawing/2010/main">
-                <a:solidFill>
-                  <a:srgbClr val="FFFFFF"/>
-                </a:solidFill>
-              </a14:hiddenFill>
-            </a:ext>
-            <a:ext uri="{91240B29-F687-4F45-9708-019B960494DF}">
-              <a14:hiddenLine xmlns:a14="http://schemas.microsoft.com/office/drawing/2010/main" w="9525">
-                <a:solidFill>
-                  <a:srgbClr val="000000"/>
-                </a:solidFill>
-                <a:miter lim="800000"/>
-                <a:headEnd/>
-                <a:tailEnd/>
-              </a14:hiddenLine>
-            </a:ext>
-          </a:extLst>
-        </p:spPr>
-        <p:txBody>
-          <a:bodyPr wrap="square" numCol="1" anchor="t" anchorCtr="0" compatLnSpc="1">
-            <a:prstTxWarp prst="textNoShape">
-              <a:avLst/>
-            </a:prstTxWarp>
-          </a:bodyPr>
+        <p:spPr/>
+        <p:txBody>
+          <a:bodyPr/>
           <a:lstStyle/>
           <a:p>
-            <a:pPr eaLnBrk="1" hangingPunct="1">
-              <a:spcBef>
-                <a:spcPct val="0"/>
-              </a:spcBef>
-            </a:pPr>
-            <a:endParaRPr lang="en-US" altLang="en-US" smtClean="0"/>
-          </a:p>
-        </p:txBody>
-      </p:sp>
-      <p:sp>
-        <p:nvSpPr>
-          <p:cNvPr id="16388" name="Slide Number Placeholder 3"/>
-          <p:cNvSpPr>
-            <a:spLocks noGrp="1"/>
-          </p:cNvSpPr>
-          <p:nvPr>
-            <p:ph type="sldNum" sz="quarter" idx="5"/>
-          </p:nvPr>
-        </p:nvSpPr>
-        <p:spPr bwMode="auto">
-          <a:extLst>
-            <a:ext uri="{909E8E84-426E-40DD-AFC4-6F175D3DCCD1}">
-              <a14:hiddenFill xmlns:a14="http://schemas.microsoft.com/office/drawing/2010/main">
-                <a:solidFill>
-                  <a:srgbClr val="FFFFFF"/>
-                </a:solidFill>
-              </a14:hiddenFill>
-            </a:ext>
-            <a:ext uri="{91240B29-F687-4F45-9708-019B960494DF}">
-              <a14:hiddenLine xmlns:a14="http://schemas.microsoft.com/office/drawing/2010/main" w="9525">
-                <a:solidFill>
-                  <a:srgbClr val="000000"/>
-                </a:solidFill>
-                <a:miter lim="800000"/>
-                <a:headEnd/>
-                <a:tailEnd/>
-              </a14:hiddenLine>
-            </a:ext>
-          </a:extLst>
-        </p:spPr>
-        <p:txBody>
-          <a:bodyPr wrap="square" numCol="1" anchorCtr="0" compatLnSpc="1">
-            <a:prstTxWarp prst="textNoShape">
-              <a:avLst/>
-            </a:prstTxWarp>
-          </a:bodyPr>
-          <a:lstStyle>
-            <a:lvl1pPr>
-              <a:defRPr>
-                <a:solidFill>
-                  <a:schemeClr val="tx1"/>
-                </a:solidFill>
-                <a:latin typeface="Calibri" pitchFamily="34" charset="0"/>
-              </a:defRPr>
-            </a:lvl1pPr>
-            <a:lvl2pPr marL="757958" indent="-291522">
-              <a:defRPr>
-                <a:solidFill>
-                  <a:schemeClr val="tx1"/>
-                </a:solidFill>
-                <a:latin typeface="Calibri" pitchFamily="34" charset="0"/>
-              </a:defRPr>
-            </a:lvl2pPr>
-            <a:lvl3pPr marL="1166089" indent="-233218">
-              <a:defRPr>
-                <a:solidFill>
-                  <a:schemeClr val="tx1"/>
-                </a:solidFill>
-                <a:latin typeface="Calibri" pitchFamily="34" charset="0"/>
-              </a:defRPr>
-            </a:lvl3pPr>
-            <a:lvl4pPr marL="1632524" indent="-233218">
-              <a:defRPr>
-                <a:solidFill>
-                  <a:schemeClr val="tx1"/>
-                </a:solidFill>
-                <a:latin typeface="Calibri" pitchFamily="34" charset="0"/>
-              </a:defRPr>
-            </a:lvl4pPr>
-            <a:lvl5pPr marL="2098959" indent="-233218">
-              <a:defRPr>
-                <a:solidFill>
-                  <a:schemeClr val="tx1"/>
-                </a:solidFill>
-                <a:latin typeface="Calibri" pitchFamily="34" charset="0"/>
-              </a:defRPr>
-            </a:lvl5pPr>
-            <a:lvl6pPr marL="2565395" indent="-233218" defTabSz="466435" fontAlgn="base">
-              <a:spcBef>
-                <a:spcPct val="0"/>
-              </a:spcBef>
-              <a:spcAft>
-                <a:spcPct val="0"/>
-              </a:spcAft>
-              <a:defRPr>
-                <a:solidFill>
-                  <a:schemeClr val="tx1"/>
-                </a:solidFill>
-                <a:latin typeface="Calibri" pitchFamily="34" charset="0"/>
-              </a:defRPr>
-            </a:lvl6pPr>
-            <a:lvl7pPr marL="3031830" indent="-233218" defTabSz="466435" fontAlgn="base">
-              <a:spcBef>
-                <a:spcPct val="0"/>
-              </a:spcBef>
-              <a:spcAft>
-                <a:spcPct val="0"/>
-              </a:spcAft>
-              <a:defRPr>
-                <a:solidFill>
-                  <a:schemeClr val="tx1"/>
-                </a:solidFill>
-                <a:latin typeface="Calibri" pitchFamily="34" charset="0"/>
-              </a:defRPr>
-            </a:lvl7pPr>
-            <a:lvl8pPr marL="3498266" indent="-233218" defTabSz="466435" fontAlgn="base">
-              <a:spcBef>
-                <a:spcPct val="0"/>
-              </a:spcBef>
-              <a:spcAft>
-                <a:spcPct val="0"/>
-              </a:spcAft>
-              <a:defRPr>
-                <a:solidFill>
-                  <a:schemeClr val="tx1"/>
-                </a:solidFill>
-                <a:latin typeface="Calibri" pitchFamily="34" charset="0"/>
-              </a:defRPr>
-            </a:lvl8pPr>
-            <a:lvl9pPr marL="3964701" indent="-233218" defTabSz="466435" fontAlgn="base">
-              <a:spcBef>
-                <a:spcPct val="0"/>
-              </a:spcBef>
-              <a:spcAft>
-                <a:spcPct val="0"/>
-              </a:spcAft>
-              <a:defRPr>
-                <a:solidFill>
-                  <a:schemeClr val="tx1"/>
-                </a:solidFill>
-                <a:latin typeface="Calibri" pitchFamily="34" charset="0"/>
-              </a:defRPr>
-            </a:lvl9pPr>
-          </a:lstStyle>
-          <a:p>
-            <a:pPr fontAlgn="base">
-              <a:spcBef>
-                <a:spcPct val="0"/>
-              </a:spcBef>
-              <a:spcAft>
-                <a:spcPct val="0"/>
-              </a:spcAft>
-              <a:defRPr/>
-            </a:pPr>
-            <a:fld id="{5DE714DC-D757-4819-BD88-0AF62D8D944C}" type="slidenum">
-              <a:rPr lang="en-US" altLang="en-US" smtClean="0"/>
-              <a:pPr fontAlgn="base">
-                <a:spcBef>
-                  <a:spcPct val="0"/>
-                </a:spcBef>
-                <a:spcAft>
-                  <a:spcPct val="0"/>
-                </a:spcAft>
-                <a:defRPr/>
-              </a:pPr>
-              <a:t>8</a:t>
+            <a:r>
+              <a:rPr lang="en-US" dirty="0" smtClean="0"/>
+              <a:t>8. Or, less formally, "Given enough eyeballs, all bugs are shallow.“ </a:t>
+            </a:r>
+            <a:r>
+              <a:rPr lang="en-US" baseline="0" dirty="0" smtClean="0"/>
+              <a:t>Linus stated that the person who understands and fixes the problem is not</a:t>
+            </a:r>
+          </a:p>
+          <a:p>
+            <a:r>
+              <a:rPr lang="en-US" baseline="0" dirty="0" smtClean="0"/>
+              <a:t>necessarily or even usually the person who first characterizes it.</a:t>
+            </a:r>
+          </a:p>
+          <a:p>
+            <a:endParaRPr lang="en-US" baseline="0" dirty="0" smtClean="0"/>
+          </a:p>
+          <a:p>
+            <a:r>
+              <a:rPr lang="en-US" baseline="0" dirty="0" smtClean="0"/>
+              <a:t>11. </a:t>
+            </a:r>
+          </a:p>
+          <a:p>
+            <a:endParaRPr lang="en-US" baseline="0" dirty="0" smtClean="0"/>
+          </a:p>
+          <a:p>
+            <a:r>
+              <a:rPr lang="en-US" baseline="0" dirty="0" smtClean="0"/>
+              <a:t>12. When you hit a wall in development - when you find yourself hard put to think past the next patch - it's often time to ask not whether you've got the right answer, but whether you're asking the right question. Perhaps the problem needs to be reframed.</a:t>
+            </a:r>
+            <a:endParaRPr lang="en-US" dirty="0"/>
+          </a:p>
+        </p:txBody>
+      </p:sp>
+      <p:sp>
+        <p:nvSpPr>
+          <p:cNvPr id="4" name="Slide Number Placeholder 3"/>
+          <p:cNvSpPr>
+            <a:spLocks noGrp="1"/>
+          </p:cNvSpPr>
+          <p:nvPr>
+            <p:ph type="sldNum" sz="quarter" idx="10"/>
+          </p:nvPr>
+        </p:nvSpPr>
+        <p:spPr/>
+        <p:txBody>
+          <a:bodyPr/>
+          <a:lstStyle/>
+          <a:p>
+            <a:fld id="{0396E79A-87AA-4B9C-8CA3-60BB7F8FB89E}" type="slidenum">
+              <a:rPr lang="en-US" smtClean="0"/>
+              <a:pPr/>
+              <a:t>6</a:t>
             </a:fld>
-            <a:endParaRPr lang="en-US" altLang="en-US" smtClean="0"/>
+            <a:endParaRPr lang="en-US" dirty="0"/>
           </a:p>
         </p:txBody>
       </p:sp>
     </p:spTree>
     <p:extLst>
       <p:ext uri="{BB962C8B-B14F-4D97-AF65-F5344CB8AC3E}">
-        <p14:creationId xmlns:p14="http://schemas.microsoft.com/office/powerpoint/2010/main" val="1212612273"/>
+        <p14:creationId xmlns:p14="http://schemas.microsoft.com/office/powerpoint/2010/main" val="2909942282"/>
       </p:ext>
     </p:extLst>
   </p:cSld>
@@ -2255,19 +2265,38 @@
       </p:grpSpPr>
       <p:sp>
         <p:nvSpPr>
-          <p:cNvPr id="2" name="Slide Image Placeholder 1"/>
-          <p:cNvSpPr>
-            <a:spLocks noGrp="1" noRot="1" noChangeAspect="1"/>
+          <p:cNvPr id="16386" name="Slide Image Placeholder 1"/>
+          <p:cNvSpPr>
+            <a:spLocks noGrp="1" noRot="1" noChangeAspect="1" noTextEdit="1"/>
           </p:cNvSpPr>
           <p:nvPr>
             <p:ph type="sldImg"/>
           </p:nvPr>
         </p:nvSpPr>
-        <p:spPr/>
-      </p:sp>
-      <p:sp>
-        <p:nvSpPr>
-          <p:cNvPr id="3" name="Notes Placeholder 2"/>
+        <p:spPr bwMode="auto">
+          <a:noFill/>
+          <a:ln>
+            <a:solidFill>
+              <a:srgbClr val="000000"/>
+            </a:solidFill>
+            <a:miter lim="800000"/>
+            <a:headEnd/>
+            <a:tailEnd/>
+          </a:ln>
+          <a:extLst>
+            <a:ext uri="{909E8E84-426E-40DD-AFC4-6F175D3DCCD1}">
+              <a14:hiddenFill xmlns:a14="http://schemas.microsoft.com/office/drawing/2010/main">
+                <a:solidFill>
+                  <a:srgbClr val="FFFFFF"/>
+                </a:solidFill>
+              </a14:hiddenFill>
+            </a:ext>
+          </a:extLst>
+        </p:spPr>
+      </p:sp>
+      <p:sp>
+        <p:nvSpPr>
+          <p:cNvPr id="16387" name="Notes Placeholder 2"/>
           <p:cNvSpPr>
             <a:spLocks noGrp="1"/>
           </p:cNvSpPr>
@@ -2275,46 +2304,43 @@
             <p:ph type="body" idx="1"/>
           </p:nvPr>
         </p:nvSpPr>
-        <p:spPr/>
-        <p:txBody>
-          <a:bodyPr/>
+        <p:spPr bwMode="auto">
+          <a:noFill/>
+          <a:extLst>
+            <a:ext uri="{909E8E84-426E-40DD-AFC4-6F175D3DCCD1}">
+              <a14:hiddenFill xmlns:a14="http://schemas.microsoft.com/office/drawing/2010/main">
+                <a:solidFill>
+                  <a:srgbClr val="FFFFFF"/>
+                </a:solidFill>
+              </a14:hiddenFill>
+            </a:ext>
+            <a:ext uri="{91240B29-F687-4F45-9708-019B960494DF}">
+              <a14:hiddenLine xmlns:a14="http://schemas.microsoft.com/office/drawing/2010/main" w="9525">
+                <a:solidFill>
+                  <a:srgbClr val="000000"/>
+                </a:solidFill>
+                <a:miter lim="800000"/>
+                <a:headEnd/>
+                <a:tailEnd/>
+              </a14:hiddenLine>
+            </a:ext>
+          </a:extLst>
+        </p:spPr>
+        <p:txBody>
+          <a:bodyPr wrap="square" numCol="1" anchor="t" anchorCtr="0" compatLnSpc="1">
+            <a:prstTxWarp prst="textNoShape">
+              <a:avLst/>
+            </a:prstTxWarp>
+          </a:bodyPr>
           <a:lstStyle/>
           <a:p>
             <a:r>
+              <a:rPr lang="en-US" dirty="0" smtClean="0"/>
+              <a:t>You’ve either heard or</a:t>
+            </a:r>
+            <a:r>
               <a:rPr lang="en-US" baseline="0" dirty="0" smtClean="0"/>
-              <a:t>&lt;Discuss Polymath&gt;</a:t>
-            </a:r>
-          </a:p>
-          <a:p>
-            <a:r>
-              <a:rPr lang="en-US" baseline="0" dirty="0" smtClean="0"/>
-              <a:t>Tim </a:t>
-            </a:r>
-            <a:r>
-              <a:rPr lang="en-US" baseline="0" dirty="0" err="1" smtClean="0"/>
-              <a:t>Gowers</a:t>
-            </a:r>
-            <a:r>
-              <a:rPr lang="en-US" baseline="0" dirty="0" smtClean="0"/>
-              <a:t>, a math professor at Cambridge </a:t>
-            </a:r>
-          </a:p>
-          <a:p>
-            <a:r>
-              <a:rPr lang="en-US" baseline="0" dirty="0" smtClean="0"/>
-              <a:t>In Jan 2009 he used his blog to post a difficult unsolved math problem</a:t>
-            </a:r>
-          </a:p>
-          <a:p>
-            <a:r>
-              <a:rPr lang="en-US" baseline="0" dirty="0" smtClean="0"/>
-              <a:t>It started somewhat slowly, but after 6 weeks and 800 posts, the problem was solved along with a special case</a:t>
-            </a:r>
-          </a:p>
-          <a:p>
-            <a:r>
-              <a:rPr lang="en-US" baseline="0" dirty="0" smtClean="0"/>
-              <a:t>And since then there have been similar Polymath-like endeavors.</a:t>
+              <a:t> will hear about this community amplification effect of Open Source.  If implement and operating to its fullest, open source facilitates an ever increasing number of contributors to code that has ever increasing value to ever increasing numbers of users.</a:t>
             </a:r>
           </a:p>
           <a:p>
@@ -2322,48 +2348,211 @@
           </a:p>
           <a:p>
             <a:r>
-              <a:rPr lang="en-US" baseline="0" dirty="0" smtClean="0"/>
-              <a:t>Emphasize approach used was open </a:t>
-            </a:r>
-            <a:r>
               <a:rPr lang="en-US" baseline="0" smtClean="0"/>
-              <a:t>blog with goal.</a:t>
-            </a:r>
-            <a:endParaRPr lang="en-US" dirty="0" smtClean="0"/>
-          </a:p>
-          <a:p>
-            <a:endParaRPr lang="en-US" dirty="0"/>
-          </a:p>
-        </p:txBody>
-      </p:sp>
-      <p:sp>
-        <p:nvSpPr>
-          <p:cNvPr id="4" name="Slide Number Placeholder 3"/>
-          <p:cNvSpPr>
-            <a:spLocks noGrp="1"/>
-          </p:cNvSpPr>
-          <p:nvPr>
-            <p:ph type="sldNum" sz="quarter" idx="10"/>
-          </p:nvPr>
-        </p:nvSpPr>
-        <p:spPr/>
-        <p:txBody>
-          <a:bodyPr/>
-          <a:lstStyle/>
-          <a:p>
-            <a:fld id="{0396E79A-87AA-4B9C-8CA3-60BB7F8FB89E}" type="slidenum">
-              <a:rPr lang="en-US" smtClean="0"/>
-              <a:pPr/>
-              <a:t>10</a:t>
+              <a:t>So if there is one thing you’ll hear today, it’s that Open Source works.</a:t>
+            </a:r>
+            <a:endParaRPr lang="en-US" smtClean="0"/>
+          </a:p>
+          <a:p>
+            <a:pPr eaLnBrk="1" hangingPunct="1">
+              <a:spcBef>
+                <a:spcPct val="0"/>
+              </a:spcBef>
+            </a:pPr>
+            <a:endParaRPr lang="en-US" altLang="en-US" dirty="0" smtClean="0"/>
+          </a:p>
+          <a:p>
+            <a:pPr eaLnBrk="1" hangingPunct="1">
+              <a:spcBef>
+                <a:spcPct val="0"/>
+              </a:spcBef>
+            </a:pPr>
+            <a:r>
+              <a:rPr lang="en-US" altLang="en-US" dirty="0" smtClean="0"/>
+              <a:t>e.g. There</a:t>
+            </a:r>
+            <a:r>
+              <a:rPr lang="en-US" altLang="en-US" baseline="0" dirty="0" smtClean="0"/>
+              <a:t> are lots of contributors to </a:t>
+            </a:r>
+            <a:r>
+              <a:rPr lang="en-US" altLang="en-US" baseline="0" dirty="0" err="1" smtClean="0"/>
+              <a:t>linux</a:t>
+            </a:r>
+            <a:r>
+              <a:rPr lang="en-US" altLang="en-US" baseline="0" dirty="0" smtClean="0"/>
+              <a:t>, even more users.</a:t>
+            </a:r>
+            <a:endParaRPr lang="en-US" altLang="en-US" dirty="0" smtClean="0"/>
+          </a:p>
+        </p:txBody>
+      </p:sp>
+      <p:sp>
+        <p:nvSpPr>
+          <p:cNvPr id="16388" name="Slide Number Placeholder 3"/>
+          <p:cNvSpPr>
+            <a:spLocks noGrp="1"/>
+          </p:cNvSpPr>
+          <p:nvPr>
+            <p:ph type="sldNum" sz="quarter" idx="5"/>
+          </p:nvPr>
+        </p:nvSpPr>
+        <p:spPr bwMode="auto">
+          <a:extLst>
+            <a:ext uri="{909E8E84-426E-40DD-AFC4-6F175D3DCCD1}">
+              <a14:hiddenFill xmlns:a14="http://schemas.microsoft.com/office/drawing/2010/main">
+                <a:solidFill>
+                  <a:srgbClr val="FFFFFF"/>
+                </a:solidFill>
+              </a14:hiddenFill>
+            </a:ext>
+            <a:ext uri="{91240B29-F687-4F45-9708-019B960494DF}">
+              <a14:hiddenLine xmlns:a14="http://schemas.microsoft.com/office/drawing/2010/main" w="9525">
+                <a:solidFill>
+                  <a:srgbClr val="000000"/>
+                </a:solidFill>
+                <a:miter lim="800000"/>
+                <a:headEnd/>
+                <a:tailEnd/>
+              </a14:hiddenLine>
+            </a:ext>
+          </a:extLst>
+        </p:spPr>
+        <p:txBody>
+          <a:bodyPr wrap="square" numCol="1" anchorCtr="0" compatLnSpc="1">
+            <a:prstTxWarp prst="textNoShape">
+              <a:avLst/>
+            </a:prstTxWarp>
+          </a:bodyPr>
+          <a:lstStyle>
+            <a:lvl1pPr>
+              <a:defRPr>
+                <a:solidFill>
+                  <a:schemeClr val="tx1"/>
+                </a:solidFill>
+                <a:latin typeface="Calibri" pitchFamily="34" charset="0"/>
+              </a:defRPr>
+            </a:lvl1pPr>
+            <a:lvl2pPr marL="757958" indent="-291522">
+              <a:defRPr>
+                <a:solidFill>
+                  <a:schemeClr val="tx1"/>
+                </a:solidFill>
+                <a:latin typeface="Calibri" pitchFamily="34" charset="0"/>
+              </a:defRPr>
+            </a:lvl2pPr>
+            <a:lvl3pPr marL="1166089" indent="-233218">
+              <a:defRPr>
+                <a:solidFill>
+                  <a:schemeClr val="tx1"/>
+                </a:solidFill>
+                <a:latin typeface="Calibri" pitchFamily="34" charset="0"/>
+              </a:defRPr>
+            </a:lvl3pPr>
+            <a:lvl4pPr marL="1632524" indent="-233218">
+              <a:defRPr>
+                <a:solidFill>
+                  <a:schemeClr val="tx1"/>
+                </a:solidFill>
+                <a:latin typeface="Calibri" pitchFamily="34" charset="0"/>
+              </a:defRPr>
+            </a:lvl4pPr>
+            <a:lvl5pPr marL="2098959" indent="-233218">
+              <a:defRPr>
+                <a:solidFill>
+                  <a:schemeClr val="tx1"/>
+                </a:solidFill>
+                <a:latin typeface="Calibri" pitchFamily="34" charset="0"/>
+              </a:defRPr>
+            </a:lvl5pPr>
+            <a:lvl6pPr marL="2565395" indent="-233218" defTabSz="466435" fontAlgn="base">
+              <a:spcBef>
+                <a:spcPct val="0"/>
+              </a:spcBef>
+              <a:spcAft>
+                <a:spcPct val="0"/>
+              </a:spcAft>
+              <a:defRPr>
+                <a:solidFill>
+                  <a:schemeClr val="tx1"/>
+                </a:solidFill>
+                <a:latin typeface="Calibri" pitchFamily="34" charset="0"/>
+              </a:defRPr>
+            </a:lvl6pPr>
+            <a:lvl7pPr marL="3031830" indent="-233218" defTabSz="466435" fontAlgn="base">
+              <a:spcBef>
+                <a:spcPct val="0"/>
+              </a:spcBef>
+              <a:spcAft>
+                <a:spcPct val="0"/>
+              </a:spcAft>
+              <a:defRPr>
+                <a:solidFill>
+                  <a:schemeClr val="tx1"/>
+                </a:solidFill>
+                <a:latin typeface="Calibri" pitchFamily="34" charset="0"/>
+              </a:defRPr>
+            </a:lvl7pPr>
+            <a:lvl8pPr marL="3498266" indent="-233218" defTabSz="466435" fontAlgn="base">
+              <a:spcBef>
+                <a:spcPct val="0"/>
+              </a:spcBef>
+              <a:spcAft>
+                <a:spcPct val="0"/>
+              </a:spcAft>
+              <a:defRPr>
+                <a:solidFill>
+                  <a:schemeClr val="tx1"/>
+                </a:solidFill>
+                <a:latin typeface="Calibri" pitchFamily="34" charset="0"/>
+              </a:defRPr>
+            </a:lvl8pPr>
+            <a:lvl9pPr marL="3964701" indent="-233218" defTabSz="466435" fontAlgn="base">
+              <a:spcBef>
+                <a:spcPct val="0"/>
+              </a:spcBef>
+              <a:spcAft>
+                <a:spcPct val="0"/>
+              </a:spcAft>
+              <a:defRPr>
+                <a:solidFill>
+                  <a:schemeClr val="tx1"/>
+                </a:solidFill>
+                <a:latin typeface="Calibri" pitchFamily="34" charset="0"/>
+              </a:defRPr>
+            </a:lvl9pPr>
+          </a:lstStyle>
+          <a:p>
+            <a:pPr fontAlgn="base">
+              <a:spcBef>
+                <a:spcPct val="0"/>
+              </a:spcBef>
+              <a:spcAft>
+                <a:spcPct val="0"/>
+              </a:spcAft>
+              <a:defRPr/>
+            </a:pPr>
+            <a:fld id="{5DE714DC-D757-4819-BD88-0AF62D8D944C}" type="slidenum">
+              <a:rPr lang="en-US" altLang="en-US" smtClean="0"/>
+              <a:pPr fontAlgn="base">
+                <a:spcBef>
+                  <a:spcPct val="0"/>
+                </a:spcBef>
+                <a:spcAft>
+                  <a:spcPct val="0"/>
+                </a:spcAft>
+                <a:defRPr/>
+              </a:pPr>
+              <a:t>7</a:t>
             </a:fld>
-            <a:endParaRPr lang="en-US" dirty="0"/>
+            <a:endParaRPr lang="en-US" altLang="en-US" smtClean="0"/>
           </a:p>
         </p:txBody>
       </p:sp>
     </p:spTree>
     <p:extLst>
       <p:ext uri="{BB962C8B-B14F-4D97-AF65-F5344CB8AC3E}">
-        <p14:creationId xmlns:p14="http://schemas.microsoft.com/office/powerpoint/2010/main" val="3496196339"/>
+        <p14:creationId xmlns:p14="http://schemas.microsoft.com/office/powerpoint/2010/main" val="1238847098"/>
       </p:ext>
     </p:extLst>
   </p:cSld>
@@ -2392,19 +2581,38 @@
       </p:grpSpPr>
       <p:sp>
         <p:nvSpPr>
-          <p:cNvPr id="2" name="Slide Image Placeholder 1"/>
-          <p:cNvSpPr>
-            <a:spLocks noGrp="1" noRot="1" noChangeAspect="1"/>
+          <p:cNvPr id="16386" name="Slide Image Placeholder 1"/>
+          <p:cNvSpPr>
+            <a:spLocks noGrp="1" noRot="1" noChangeAspect="1" noTextEdit="1"/>
           </p:cNvSpPr>
           <p:nvPr>
             <p:ph type="sldImg"/>
           </p:nvPr>
         </p:nvSpPr>
-        <p:spPr/>
-      </p:sp>
-      <p:sp>
-        <p:nvSpPr>
-          <p:cNvPr id="3" name="Notes Placeholder 2"/>
+        <p:spPr bwMode="auto">
+          <a:noFill/>
+          <a:ln>
+            <a:solidFill>
+              <a:srgbClr val="000000"/>
+            </a:solidFill>
+            <a:miter lim="800000"/>
+            <a:headEnd/>
+            <a:tailEnd/>
+          </a:ln>
+          <a:extLst>
+            <a:ext uri="{909E8E84-426E-40DD-AFC4-6F175D3DCCD1}">
+              <a14:hiddenFill xmlns:a14="http://schemas.microsoft.com/office/drawing/2010/main">
+                <a:solidFill>
+                  <a:srgbClr val="FFFFFF"/>
+                </a:solidFill>
+              </a14:hiddenFill>
+            </a:ext>
+          </a:extLst>
+        </p:spPr>
+      </p:sp>
+      <p:sp>
+        <p:nvSpPr>
+          <p:cNvPr id="16387" name="Notes Placeholder 2"/>
           <p:cNvSpPr>
             <a:spLocks noGrp="1"/>
           </p:cNvSpPr>
@@ -2412,143 +2620,211 @@
             <p:ph type="body" idx="1"/>
           </p:nvPr>
         </p:nvSpPr>
-        <p:spPr/>
-        <p:txBody>
-          <a:bodyPr>
-            <a:normAutofit lnSpcReduction="10000"/>
+        <p:spPr bwMode="auto">
+          <a:noFill/>
+          <a:extLst>
+            <a:ext uri="{909E8E84-426E-40DD-AFC4-6F175D3DCCD1}">
+              <a14:hiddenFill xmlns:a14="http://schemas.microsoft.com/office/drawing/2010/main">
+                <a:solidFill>
+                  <a:srgbClr val="FFFFFF"/>
+                </a:solidFill>
+              </a14:hiddenFill>
+            </a:ext>
+            <a:ext uri="{91240B29-F687-4F45-9708-019B960494DF}">
+              <a14:hiddenLine xmlns:a14="http://schemas.microsoft.com/office/drawing/2010/main" w="9525">
+                <a:solidFill>
+                  <a:srgbClr val="000000"/>
+                </a:solidFill>
+                <a:miter lim="800000"/>
+                <a:headEnd/>
+                <a:tailEnd/>
+              </a14:hiddenLine>
+            </a:ext>
+          </a:extLst>
+        </p:spPr>
+        <p:txBody>
+          <a:bodyPr wrap="square" numCol="1" anchor="t" anchorCtr="0" compatLnSpc="1">
+            <a:prstTxWarp prst="textNoShape">
+              <a:avLst/>
+            </a:prstTxWarp>
           </a:bodyPr>
           <a:lstStyle/>
           <a:p>
-            <a:r>
-              <a:rPr lang="en-US" baseline="0" dirty="0" smtClean="0"/>
-              <a:t>1999, world chess champion Garry Kasparov played a game of chess </a:t>
-            </a:r>
-            <a:r>
-              <a:rPr lang="en-US" baseline="0" dirty="0" err="1" smtClean="0"/>
-              <a:t>agains</a:t>
-            </a:r>
-            <a:r>
-              <a:rPr lang="en-US" baseline="0" dirty="0" smtClean="0"/>
-              <a:t> “The World”</a:t>
-            </a:r>
-          </a:p>
-          <a:p>
-            <a:endParaRPr lang="en-US" baseline="0" dirty="0" smtClean="0"/>
-          </a:p>
-          <a:p>
-            <a:r>
-              <a:rPr lang="en-US" baseline="0" dirty="0" smtClean="0"/>
-              <a:t>Organized by Microsoft, anyone could go to the game website and vote on what move should be taken next</a:t>
-            </a:r>
-          </a:p>
-          <a:p>
-            <a:endParaRPr lang="en-US" baseline="0" dirty="0" smtClean="0"/>
-          </a:p>
-          <a:p>
-            <a:r>
-              <a:rPr lang="en-US" baseline="0" dirty="0" smtClean="0"/>
-              <a:t>On a typical move, more than 5000 people voted</a:t>
-            </a:r>
-          </a:p>
-          <a:p>
-            <a:endParaRPr lang="en-US" baseline="0" dirty="0" smtClean="0"/>
-          </a:p>
-          <a:p>
-            <a:r>
-              <a:rPr lang="en-US" baseline="0" dirty="0" smtClean="0"/>
-              <a:t>Over the entire game, more than 50,000 people from 75 countries voted</a:t>
-            </a:r>
-          </a:p>
-          <a:p>
-            <a:endParaRPr lang="en-US" baseline="0" dirty="0" smtClean="0"/>
-          </a:p>
-          <a:p>
-            <a:r>
-              <a:rPr lang="en-US" baseline="0" dirty="0" smtClean="0"/>
-              <a:t>The world team decided a new move every 24 hours; move taken was the one that got the most votes</a:t>
-            </a:r>
-          </a:p>
-          <a:p>
-            <a:endParaRPr lang="en-US" baseline="0" dirty="0" smtClean="0"/>
-          </a:p>
-          <a:p>
-            <a:r>
-              <a:rPr lang="en-US" baseline="0" dirty="0" smtClean="0"/>
-              <a:t>Kasparov won after 62 moves.</a:t>
-            </a:r>
-          </a:p>
-          <a:p>
-            <a:endParaRPr lang="en-US" baseline="0" dirty="0" smtClean="0"/>
-          </a:p>
-          <a:p>
-            <a:r>
-              <a:rPr lang="en-US" baseline="0" dirty="0" smtClean="0"/>
-              <a:t>But the point was that the average quality of player was far below Kasparov, yet collectively the world team played a far stronger game than any of the individuals normally would</a:t>
-            </a:r>
-          </a:p>
-          <a:p>
-            <a:endParaRPr lang="en-US" baseline="0" dirty="0" smtClean="0"/>
-          </a:p>
-          <a:p>
-            <a:r>
-              <a:rPr lang="en-US" baseline="0" dirty="0" smtClean="0"/>
-              <a:t>Kasparov commented that he expended more energy on this game than any other in his career, including all his world championship games.</a:t>
-            </a:r>
-          </a:p>
-          <a:p>
-            <a:endParaRPr lang="en-US" baseline="0" dirty="0" smtClean="0"/>
-          </a:p>
-          <a:p>
-            <a:r>
-              <a:rPr lang="en-US" baseline="0" dirty="0" smtClean="0"/>
-              <a:t>Emphasize that method used was votes.</a:t>
-            </a:r>
-          </a:p>
-          <a:p>
-            <a:r>
-              <a:rPr lang="en-US" baseline="0" dirty="0" smtClean="0"/>
-              <a:t> </a:t>
-            </a:r>
-          </a:p>
-          <a:p>
-            <a:endParaRPr lang="en-US" baseline="0" dirty="0" smtClean="0"/>
-          </a:p>
-          <a:p>
-            <a:endParaRPr lang="en-US" dirty="0" smtClean="0"/>
-          </a:p>
-          <a:p>
-            <a:endParaRPr lang="en-US" dirty="0"/>
-          </a:p>
-        </p:txBody>
-      </p:sp>
-      <p:sp>
-        <p:nvSpPr>
-          <p:cNvPr id="4" name="Slide Number Placeholder 3"/>
-          <p:cNvSpPr>
-            <a:spLocks noGrp="1"/>
-          </p:cNvSpPr>
-          <p:nvPr>
-            <p:ph type="sldNum" sz="quarter" idx="10"/>
-          </p:nvPr>
-        </p:nvSpPr>
-        <p:spPr/>
-        <p:txBody>
-          <a:bodyPr/>
-          <a:lstStyle/>
-          <a:p>
-            <a:fld id="{0396E79A-87AA-4B9C-8CA3-60BB7F8FB89E}" type="slidenum">
-              <a:rPr lang="en-US" smtClean="0"/>
-              <a:pPr/>
-              <a:t>11</a:t>
+            <a:pPr eaLnBrk="1" hangingPunct="1">
+              <a:spcBef>
+                <a:spcPct val="0"/>
+              </a:spcBef>
+            </a:pPr>
+            <a:endParaRPr lang="en-US" altLang="en-US" smtClean="0"/>
+          </a:p>
+        </p:txBody>
+      </p:sp>
+      <p:sp>
+        <p:nvSpPr>
+          <p:cNvPr id="16388" name="Slide Number Placeholder 3"/>
+          <p:cNvSpPr>
+            <a:spLocks noGrp="1"/>
+          </p:cNvSpPr>
+          <p:nvPr>
+            <p:ph type="sldNum" sz="quarter" idx="5"/>
+          </p:nvPr>
+        </p:nvSpPr>
+        <p:spPr bwMode="auto">
+          <a:extLst>
+            <a:ext uri="{909E8E84-426E-40DD-AFC4-6F175D3DCCD1}">
+              <a14:hiddenFill xmlns:a14="http://schemas.microsoft.com/office/drawing/2010/main">
+                <a:solidFill>
+                  <a:srgbClr val="FFFFFF"/>
+                </a:solidFill>
+              </a14:hiddenFill>
+            </a:ext>
+            <a:ext uri="{91240B29-F687-4F45-9708-019B960494DF}">
+              <a14:hiddenLine xmlns:a14="http://schemas.microsoft.com/office/drawing/2010/main" w="9525">
+                <a:solidFill>
+                  <a:srgbClr val="000000"/>
+                </a:solidFill>
+                <a:miter lim="800000"/>
+                <a:headEnd/>
+                <a:tailEnd/>
+              </a14:hiddenLine>
+            </a:ext>
+          </a:extLst>
+        </p:spPr>
+        <p:txBody>
+          <a:bodyPr wrap="square" numCol="1" anchorCtr="0" compatLnSpc="1">
+            <a:prstTxWarp prst="textNoShape">
+              <a:avLst/>
+            </a:prstTxWarp>
+          </a:bodyPr>
+          <a:lstStyle>
+            <a:lvl1pPr>
+              <a:defRPr>
+                <a:solidFill>
+                  <a:schemeClr val="tx1"/>
+                </a:solidFill>
+                <a:latin typeface="Calibri" pitchFamily="34" charset="0"/>
+              </a:defRPr>
+            </a:lvl1pPr>
+            <a:lvl2pPr marL="757958" indent="-291522">
+              <a:defRPr>
+                <a:solidFill>
+                  <a:schemeClr val="tx1"/>
+                </a:solidFill>
+                <a:latin typeface="Calibri" pitchFamily="34" charset="0"/>
+              </a:defRPr>
+            </a:lvl2pPr>
+            <a:lvl3pPr marL="1166089" indent="-233218">
+              <a:defRPr>
+                <a:solidFill>
+                  <a:schemeClr val="tx1"/>
+                </a:solidFill>
+                <a:latin typeface="Calibri" pitchFamily="34" charset="0"/>
+              </a:defRPr>
+            </a:lvl3pPr>
+            <a:lvl4pPr marL="1632524" indent="-233218">
+              <a:defRPr>
+                <a:solidFill>
+                  <a:schemeClr val="tx1"/>
+                </a:solidFill>
+                <a:latin typeface="Calibri" pitchFamily="34" charset="0"/>
+              </a:defRPr>
+            </a:lvl4pPr>
+            <a:lvl5pPr marL="2098959" indent="-233218">
+              <a:defRPr>
+                <a:solidFill>
+                  <a:schemeClr val="tx1"/>
+                </a:solidFill>
+                <a:latin typeface="Calibri" pitchFamily="34" charset="0"/>
+              </a:defRPr>
+            </a:lvl5pPr>
+            <a:lvl6pPr marL="2565395" indent="-233218" defTabSz="466435" fontAlgn="base">
+              <a:spcBef>
+                <a:spcPct val="0"/>
+              </a:spcBef>
+              <a:spcAft>
+                <a:spcPct val="0"/>
+              </a:spcAft>
+              <a:defRPr>
+                <a:solidFill>
+                  <a:schemeClr val="tx1"/>
+                </a:solidFill>
+                <a:latin typeface="Calibri" pitchFamily="34" charset="0"/>
+              </a:defRPr>
+            </a:lvl6pPr>
+            <a:lvl7pPr marL="3031830" indent="-233218" defTabSz="466435" fontAlgn="base">
+              <a:spcBef>
+                <a:spcPct val="0"/>
+              </a:spcBef>
+              <a:spcAft>
+                <a:spcPct val="0"/>
+              </a:spcAft>
+              <a:defRPr>
+                <a:solidFill>
+                  <a:schemeClr val="tx1"/>
+                </a:solidFill>
+                <a:latin typeface="Calibri" pitchFamily="34" charset="0"/>
+              </a:defRPr>
+            </a:lvl7pPr>
+            <a:lvl8pPr marL="3498266" indent="-233218" defTabSz="466435" fontAlgn="base">
+              <a:spcBef>
+                <a:spcPct val="0"/>
+              </a:spcBef>
+              <a:spcAft>
+                <a:spcPct val="0"/>
+              </a:spcAft>
+              <a:defRPr>
+                <a:solidFill>
+                  <a:schemeClr val="tx1"/>
+                </a:solidFill>
+                <a:latin typeface="Calibri" pitchFamily="34" charset="0"/>
+              </a:defRPr>
+            </a:lvl8pPr>
+            <a:lvl9pPr marL="3964701" indent="-233218" defTabSz="466435" fontAlgn="base">
+              <a:spcBef>
+                <a:spcPct val="0"/>
+              </a:spcBef>
+              <a:spcAft>
+                <a:spcPct val="0"/>
+              </a:spcAft>
+              <a:defRPr>
+                <a:solidFill>
+                  <a:schemeClr val="tx1"/>
+                </a:solidFill>
+                <a:latin typeface="Calibri" pitchFamily="34" charset="0"/>
+              </a:defRPr>
+            </a:lvl9pPr>
+          </a:lstStyle>
+          <a:p>
+            <a:pPr fontAlgn="base">
+              <a:spcBef>
+                <a:spcPct val="0"/>
+              </a:spcBef>
+              <a:spcAft>
+                <a:spcPct val="0"/>
+              </a:spcAft>
+              <a:defRPr/>
+            </a:pPr>
+            <a:fld id="{5DE714DC-D757-4819-BD88-0AF62D8D944C}" type="slidenum">
+              <a:rPr lang="en-US" altLang="en-US" smtClean="0"/>
+              <a:pPr fontAlgn="base">
+                <a:spcBef>
+                  <a:spcPct val="0"/>
+                </a:spcBef>
+                <a:spcAft>
+                  <a:spcPct val="0"/>
+                </a:spcAft>
+                <a:defRPr/>
+              </a:pPr>
+              <a:t>8</a:t>
             </a:fld>
-            <a:endParaRPr lang="en-US" dirty="0"/>
+            <a:endParaRPr lang="en-US" altLang="en-US" smtClean="0"/>
           </a:p>
         </p:txBody>
       </p:sp>
     </p:spTree>
     <p:extLst>
       <p:ext uri="{BB962C8B-B14F-4D97-AF65-F5344CB8AC3E}">
-        <p14:creationId xmlns:p14="http://schemas.microsoft.com/office/powerpoint/2010/main" val="3496196339"/>
+        <p14:creationId xmlns:p14="http://schemas.microsoft.com/office/powerpoint/2010/main" val="1212612273"/>
       </p:ext>
     </p:extLst>
   </p:cSld>
@@ -2604,59 +2880,32 @@
           <a:p>
             <a:r>
               <a:rPr lang="en-US" dirty="0" smtClean="0"/>
-              <a:t>An example</a:t>
-            </a:r>
-            <a:r>
-              <a:rPr lang="en-US" baseline="0" dirty="0" smtClean="0"/>
-              <a:t> of “collective invention”</a:t>
-            </a:r>
-          </a:p>
-          <a:p>
-            <a:endParaRPr lang="en-US" baseline="0" dirty="0" smtClean="0"/>
-          </a:p>
-          <a:p>
-            <a:r>
-              <a:rPr lang="en-US" baseline="0" dirty="0" smtClean="0"/>
-              <a:t>James Watt improves upon the </a:t>
-            </a:r>
-            <a:r>
-              <a:rPr lang="en-US" baseline="0" dirty="0" err="1" smtClean="0"/>
-              <a:t>Newcomen</a:t>
-            </a:r>
-            <a:r>
-              <a:rPr lang="en-US" baseline="0" dirty="0" smtClean="0"/>
-              <a:t> steam engine in 1769 and later patents it.</a:t>
-            </a:r>
-          </a:p>
-          <a:p>
-            <a:endParaRPr lang="en-US" baseline="0" dirty="0" smtClean="0"/>
-          </a:p>
-          <a:p>
-            <a:r>
-              <a:rPr lang="en-US" baseline="0" dirty="0" smtClean="0"/>
-              <a:t>The patent runs out in 1800, and the efficiency greatly improves</a:t>
-            </a:r>
-          </a:p>
-          <a:p>
-            <a:endParaRPr lang="en-US" baseline="0" dirty="0" smtClean="0"/>
-          </a:p>
-          <a:p>
-            <a:r>
-              <a:rPr lang="en-US" baseline="0" dirty="0" smtClean="0"/>
-              <a:t>Shows that open better than closed for innovation</a:t>
-            </a:r>
-          </a:p>
-          <a:p>
-            <a:endParaRPr lang="en-US" baseline="0" dirty="0" smtClean="0"/>
-          </a:p>
-          <a:p>
-            <a:r>
-              <a:rPr lang="en-US" baseline="0" dirty="0" smtClean="0"/>
-              <a:t>http://ojphi.org/ojs/index.php/fm/article/view/1284/1204</a:t>
-            </a:r>
-          </a:p>
-          <a:p>
-            <a:endParaRPr lang="en-US" baseline="0" dirty="0" smtClean="0"/>
+              <a:t>http://en.wikipedia.org/wiki/Crowdsourcing</a:t>
+            </a:r>
+          </a:p>
+          <a:p>
+            <a:r>
+              <a:rPr lang="en-US" dirty="0" smtClean="0"/>
+              <a:t>http://en.wikipedia.org/wiki/Open_innovation</a:t>
+            </a:r>
+          </a:p>
+          <a:p>
+            <a:r>
+              <a:rPr lang="en-US" dirty="0" smtClean="0"/>
+              <a:t>http://en.wikipedia.org/wiki/Open_source_hardware</a:t>
+            </a:r>
+          </a:p>
+          <a:p>
+            <a:r>
+              <a:rPr lang="en-US" dirty="0" smtClean="0"/>
+              <a:t>http://en.wikipedia.org/wiki/Open_research</a:t>
+            </a:r>
+          </a:p>
+          <a:p>
+            <a:r>
+              <a:rPr lang="en-US" dirty="0" smtClean="0"/>
+              <a:t>http://en.wikipedia.org/wiki/Open_data</a:t>
+            </a:r>
           </a:p>
           <a:p>
             <a:endParaRPr lang="en-US" dirty="0"/>
@@ -2681,7 +2930,7 @@
             <a:fld id="{0396E79A-87AA-4B9C-8CA3-60BB7F8FB89E}" type="slidenum">
               <a:rPr lang="en-US" smtClean="0"/>
               <a:pPr/>
-              <a:t>12</a:t>
+              <a:t>9</a:t>
             </a:fld>
             <a:endParaRPr lang="en-US" dirty="0"/>
           </a:p>
@@ -2690,7 +2939,7 @@
     </p:spTree>
     <p:extLst>
       <p:ext uri="{BB962C8B-B14F-4D97-AF65-F5344CB8AC3E}">
-        <p14:creationId xmlns:p14="http://schemas.microsoft.com/office/powerpoint/2010/main" val="3571203646"/>
+        <p14:creationId xmlns:p14="http://schemas.microsoft.com/office/powerpoint/2010/main" val="3890927180"/>
       </p:ext>
     </p:extLst>
   </p:cSld>
@@ -2744,6 +2993,54 @@
           <a:bodyPr/>
           <a:lstStyle/>
           <a:p>
+            <a:r>
+              <a:rPr lang="en-US" baseline="0" dirty="0" smtClean="0"/>
+              <a:t>&lt;Discuss Polymath&gt;</a:t>
+            </a:r>
+          </a:p>
+          <a:p>
+            <a:r>
+              <a:rPr lang="en-US" baseline="0" dirty="0" smtClean="0"/>
+              <a:t>Tim </a:t>
+            </a:r>
+            <a:r>
+              <a:rPr lang="en-US" baseline="0" dirty="0" err="1" smtClean="0"/>
+              <a:t>Gowers</a:t>
+            </a:r>
+            <a:r>
+              <a:rPr lang="en-US" baseline="0" dirty="0" smtClean="0"/>
+              <a:t>, a math professor at Cambridge </a:t>
+            </a:r>
+          </a:p>
+          <a:p>
+            <a:r>
+              <a:rPr lang="en-US" baseline="0" dirty="0" smtClean="0"/>
+              <a:t>In Jan 2009 he used his blog to post a difficult unsolved math problem</a:t>
+            </a:r>
+          </a:p>
+          <a:p>
+            <a:r>
+              <a:rPr lang="en-US" baseline="0" dirty="0" smtClean="0"/>
+              <a:t>It started somewhat slowly, but after 6 weeks and 800 posts, the problem was solved along with a special case</a:t>
+            </a:r>
+          </a:p>
+          <a:p>
+            <a:r>
+              <a:rPr lang="en-US" baseline="0" dirty="0" smtClean="0"/>
+              <a:t>And since then there have been similar Polymath-like endeavors.</a:t>
+            </a:r>
+          </a:p>
+          <a:p>
+            <a:endParaRPr lang="en-US" baseline="0" dirty="0" smtClean="0"/>
+          </a:p>
+          <a:p>
+            <a:r>
+              <a:rPr lang="en-US" baseline="0" dirty="0" smtClean="0"/>
+              <a:t>Emphasize approach used was open blog with goal.</a:t>
+            </a:r>
+            <a:endParaRPr lang="en-US" dirty="0" smtClean="0"/>
+          </a:p>
+          <a:p>
             <a:endParaRPr lang="en-US" dirty="0"/>
           </a:p>
         </p:txBody>
@@ -2763,9 +3060,10 @@
           <a:bodyPr/>
           <a:lstStyle/>
           <a:p>
-            <a:fld id="{8766C89F-A36F-4759-BBDC-55CC802FFEED}" type="slidenum">
+            <a:fld id="{0396E79A-87AA-4B9C-8CA3-60BB7F8FB89E}" type="slidenum">
               <a:rPr lang="en-US" smtClean="0"/>
-              <a:t>13</a:t>
+              <a:pPr/>
+              <a:t>10</a:t>
             </a:fld>
             <a:endParaRPr lang="en-US" dirty="0"/>
           </a:p>
@@ -2774,7 +3072,7 @@
     </p:spTree>
     <p:extLst>
       <p:ext uri="{BB962C8B-B14F-4D97-AF65-F5344CB8AC3E}">
-        <p14:creationId xmlns:p14="http://schemas.microsoft.com/office/powerpoint/2010/main" val="3795170612"/>
+        <p14:creationId xmlns:p14="http://schemas.microsoft.com/office/powerpoint/2010/main" val="3496196339"/>
       </p:ext>
     </p:extLst>
   </p:cSld>
@@ -2825,54 +3123,141 @@
         </p:nvSpPr>
         <p:spPr/>
         <p:txBody>
+          <a:bodyPr>
+            <a:normAutofit lnSpcReduction="10000"/>
+          </a:bodyPr>
+          <a:lstStyle/>
+          <a:p>
+            <a:r>
+              <a:rPr lang="en-US" baseline="0" dirty="0" smtClean="0"/>
+              <a:t>1999, world chess champion Garry Kasparov played a game of chess </a:t>
+            </a:r>
+            <a:r>
+              <a:rPr lang="en-US" baseline="0" dirty="0" err="1" smtClean="0"/>
+              <a:t>agains</a:t>
+            </a:r>
+            <a:r>
+              <a:rPr lang="en-US" baseline="0" dirty="0" smtClean="0"/>
+              <a:t> “The World”</a:t>
+            </a:r>
+          </a:p>
+          <a:p>
+            <a:endParaRPr lang="en-US" baseline="0" dirty="0" smtClean="0"/>
+          </a:p>
+          <a:p>
+            <a:r>
+              <a:rPr lang="en-US" baseline="0" dirty="0" smtClean="0"/>
+              <a:t>Organized by Microsoft, anyone could go to the game website and vote on what move should be taken next</a:t>
+            </a:r>
+          </a:p>
+          <a:p>
+            <a:endParaRPr lang="en-US" baseline="0" dirty="0" smtClean="0"/>
+          </a:p>
+          <a:p>
+            <a:r>
+              <a:rPr lang="en-US" baseline="0" dirty="0" smtClean="0"/>
+              <a:t>On a typical move, more than 5000 people voted</a:t>
+            </a:r>
+          </a:p>
+          <a:p>
+            <a:endParaRPr lang="en-US" baseline="0" dirty="0" smtClean="0"/>
+          </a:p>
+          <a:p>
+            <a:r>
+              <a:rPr lang="en-US" baseline="0" dirty="0" smtClean="0"/>
+              <a:t>Over the entire game, more than 50,000 people from 75 countries voted</a:t>
+            </a:r>
+          </a:p>
+          <a:p>
+            <a:endParaRPr lang="en-US" baseline="0" dirty="0" smtClean="0"/>
+          </a:p>
+          <a:p>
+            <a:r>
+              <a:rPr lang="en-US" baseline="0" dirty="0" smtClean="0"/>
+              <a:t>The world team decided a new move every 24 hours; move taken was the one that got the most votes</a:t>
+            </a:r>
+          </a:p>
+          <a:p>
+            <a:endParaRPr lang="en-US" baseline="0" dirty="0" smtClean="0"/>
+          </a:p>
+          <a:p>
+            <a:r>
+              <a:rPr lang="en-US" baseline="0" dirty="0" smtClean="0"/>
+              <a:t>Kasparov won after 62 moves.</a:t>
+            </a:r>
+          </a:p>
+          <a:p>
+            <a:endParaRPr lang="en-US" baseline="0" dirty="0" smtClean="0"/>
+          </a:p>
+          <a:p>
+            <a:r>
+              <a:rPr lang="en-US" baseline="0" dirty="0" smtClean="0"/>
+              <a:t>But the point was that the average quality of player was far below Kasparov, yet collectively the world team played a far stronger game than any of the individuals normally would</a:t>
+            </a:r>
+          </a:p>
+          <a:p>
+            <a:endParaRPr lang="en-US" baseline="0" dirty="0" smtClean="0"/>
+          </a:p>
+          <a:p>
+            <a:r>
+              <a:rPr lang="en-US" baseline="0" dirty="0" smtClean="0"/>
+              <a:t>Kasparov commented that he expended more energy on this game than any other in his career, including all his world championship games.</a:t>
+            </a:r>
+          </a:p>
+          <a:p>
+            <a:endParaRPr lang="en-US" baseline="0" dirty="0" smtClean="0"/>
+          </a:p>
+          <a:p>
+            <a:r>
+              <a:rPr lang="en-US" baseline="0" dirty="0" smtClean="0"/>
+              <a:t>Emphasize that method used was votes.</a:t>
+            </a:r>
+          </a:p>
+          <a:p>
+            <a:r>
+              <a:rPr lang="en-US" baseline="0" dirty="0" smtClean="0"/>
+              <a:t> </a:t>
+            </a:r>
+          </a:p>
+          <a:p>
+            <a:endParaRPr lang="en-US" baseline="0" dirty="0" smtClean="0"/>
+          </a:p>
+          <a:p>
+            <a:endParaRPr lang="en-US" dirty="0" smtClean="0"/>
+          </a:p>
+          <a:p>
+            <a:endParaRPr lang="en-US" dirty="0"/>
+          </a:p>
+        </p:txBody>
+      </p:sp>
+      <p:sp>
+        <p:nvSpPr>
+          <p:cNvPr id="4" name="Slide Number Placeholder 3"/>
+          <p:cNvSpPr>
+            <a:spLocks noGrp="1"/>
+          </p:cNvSpPr>
+          <p:nvPr>
+            <p:ph type="sldNum" sz="quarter" idx="10"/>
+          </p:nvPr>
+        </p:nvSpPr>
+        <p:spPr/>
+        <p:txBody>
           <a:bodyPr/>
           <a:lstStyle/>
           <a:p>
-            <a:r>
-              <a:rPr lang="en-US" sz="1200" b="0" i="0" kern="1200" dirty="0" smtClean="0">
-                <a:solidFill>
-                  <a:schemeClr val="tx1"/>
-                </a:solidFill>
-                <a:effectLst/>
-                <a:latin typeface="+mn-lt"/>
-                <a:ea typeface="+mn-ea"/>
-                <a:cs typeface="+mn-cs"/>
-              </a:rPr>
-              <a:t>An Open Community Engagement Process (OCEP) applies open source mechanics and software engineering to water science research. To operationalize OCEP, the authors conceptualize a Water Science Software Institute whose mission is to support and accelerate water science by transforming both the software and research cultures of the water science community. This article describes the OCEP open source community amplification principle as well as the authors' experiences, lessons learned, and challenges with operationalizing OCEP.</a:t>
-            </a:r>
-          </a:p>
-          <a:p>
+            <a:fld id="{0396E79A-87AA-4B9C-8CA3-60BB7F8FB89E}" type="slidenum">
+              <a:rPr lang="en-US" smtClean="0"/>
+              <a:pPr/>
+              <a:t>11</a:t>
+            </a:fld>
             <a:endParaRPr lang="en-US" dirty="0"/>
-          </a:p>
-        </p:txBody>
-      </p:sp>
-      <p:sp>
-        <p:nvSpPr>
-          <p:cNvPr id="4" name="Slide Number Placeholder 3"/>
-          <p:cNvSpPr>
-            <a:spLocks noGrp="1"/>
-          </p:cNvSpPr>
-          <p:nvPr>
-            <p:ph type="sldNum" sz="quarter" idx="10"/>
-          </p:nvPr>
-        </p:nvSpPr>
-        <p:spPr/>
-        <p:txBody>
-          <a:bodyPr/>
-          <a:lstStyle/>
-          <a:p>
-            <a:fld id="{AACFAEC2-E579-024E-846F-FBDD15F99C0C}" type="slidenum">
-              <a:rPr lang="en-US" smtClean="0"/>
-              <a:t>14</a:t>
-            </a:fld>
-            <a:endParaRPr lang="en-US"/>
           </a:p>
         </p:txBody>
       </p:sp>
     </p:spTree>
     <p:extLst>
       <p:ext uri="{BB962C8B-B14F-4D97-AF65-F5344CB8AC3E}">
-        <p14:creationId xmlns:p14="http://schemas.microsoft.com/office/powerpoint/2010/main" val="3820775282"/>
+        <p14:creationId xmlns:p14="http://schemas.microsoft.com/office/powerpoint/2010/main" val="3496196339"/>
       </p:ext>
     </p:extLst>
   </p:cSld>
@@ -3072,7 +3457,7 @@
             <a:fld id="{971973F9-422E-457B-9F92-077D34CBCE65}" type="datetimeFigureOut">
               <a:rPr lang="en-US" smtClean="0"/>
               <a:pPr/>
-              <a:t>8/5/2014</a:t>
+              <a:t>8/6/2014</a:t>
             </a:fld>
             <a:endParaRPr lang="en-US" dirty="0"/>
           </a:p>
@@ -3270,7 +3655,7 @@
             <a:fld id="{971973F9-422E-457B-9F92-077D34CBCE65}" type="datetimeFigureOut">
               <a:rPr lang="en-US" smtClean="0"/>
               <a:pPr/>
-              <a:t>8/5/2014</a:t>
+              <a:t>8/6/2014</a:t>
             </a:fld>
             <a:endParaRPr lang="en-US" dirty="0"/>
           </a:p>
@@ -3471,7 +3856,7 @@
             <a:fld id="{971973F9-422E-457B-9F92-077D34CBCE65}" type="datetimeFigureOut">
               <a:rPr lang="en-US" smtClean="0"/>
               <a:pPr/>
-              <a:t>8/5/2014</a:t>
+              <a:t>8/6/2014</a:t>
             </a:fld>
             <a:endParaRPr lang="en-US" dirty="0"/>
           </a:p>
@@ -3662,7 +4047,7 @@
             <a:fld id="{971973F9-422E-457B-9F92-077D34CBCE65}" type="datetimeFigureOut">
               <a:rPr lang="en-US" smtClean="0"/>
               <a:pPr/>
-              <a:t>8/5/2014</a:t>
+              <a:t>8/6/2014</a:t>
             </a:fld>
             <a:endParaRPr lang="en-US" dirty="0"/>
           </a:p>
@@ -3936,7 +4321,7 @@
             <a:fld id="{971973F9-422E-457B-9F92-077D34CBCE65}" type="datetimeFigureOut">
               <a:rPr lang="en-US" smtClean="0"/>
               <a:pPr/>
-              <a:t>8/5/2014</a:t>
+              <a:t>8/6/2014</a:t>
             </a:fld>
             <a:endParaRPr lang="en-US" dirty="0"/>
           </a:p>
@@ -4245,7 +4630,7 @@
             <a:fld id="{971973F9-422E-457B-9F92-077D34CBCE65}" type="datetimeFigureOut">
               <a:rPr lang="en-US" smtClean="0"/>
               <a:pPr/>
-              <a:t>8/5/2014</a:t>
+              <a:t>8/6/2014</a:t>
             </a:fld>
             <a:endParaRPr lang="en-US" dirty="0"/>
           </a:p>
@@ -4688,7 +5073,7 @@
             <a:fld id="{971973F9-422E-457B-9F92-077D34CBCE65}" type="datetimeFigureOut">
               <a:rPr lang="en-US" smtClean="0"/>
               <a:pPr/>
-              <a:t>8/5/2014</a:t>
+              <a:t>8/6/2014</a:t>
             </a:fld>
             <a:endParaRPr lang="en-US" dirty="0"/>
           </a:p>
@@ -4827,7 +5212,7 @@
             <a:fld id="{971973F9-422E-457B-9F92-077D34CBCE65}" type="datetimeFigureOut">
               <a:rPr lang="en-US" smtClean="0"/>
               <a:pPr/>
-              <a:t>8/5/2014</a:t>
+              <a:t>8/6/2014</a:t>
             </a:fld>
             <a:endParaRPr lang="en-US" dirty="0"/>
           </a:p>
@@ -4943,7 +5328,7 @@
             <a:fld id="{971973F9-422E-457B-9F92-077D34CBCE65}" type="datetimeFigureOut">
               <a:rPr lang="en-US" smtClean="0"/>
               <a:pPr/>
-              <a:t>8/5/2014</a:t>
+              <a:t>8/6/2014</a:t>
             </a:fld>
             <a:endParaRPr lang="en-US" dirty="0"/>
           </a:p>
@@ -5241,7 +5626,7 @@
             <a:fld id="{971973F9-422E-457B-9F92-077D34CBCE65}" type="datetimeFigureOut">
               <a:rPr lang="en-US" smtClean="0"/>
               <a:pPr/>
-              <a:t>8/5/2014</a:t>
+              <a:t>8/6/2014</a:t>
             </a:fld>
             <a:endParaRPr lang="en-US" dirty="0"/>
           </a:p>
@@ -5515,7 +5900,7 @@
             <a:fld id="{971973F9-422E-457B-9F92-077D34CBCE65}" type="datetimeFigureOut">
               <a:rPr lang="en-US" smtClean="0"/>
               <a:pPr/>
-              <a:t>8/5/2014</a:t>
+              <a:t>8/6/2014</a:t>
             </a:fld>
             <a:endParaRPr lang="en-US" dirty="0"/>
           </a:p>
@@ -6570,6 +6955,185 @@
           <a:lstStyle/>
           <a:p>
             <a:r>
+              <a:rPr lang="en-US" dirty="0"/>
+              <a:t>Twitch Plays </a:t>
+            </a:r>
+            <a:r>
+              <a:rPr lang="en-US" dirty="0" smtClean="0"/>
+              <a:t>Pokémon</a:t>
+            </a:r>
+            <a:endParaRPr lang="en-US" dirty="0"/>
+          </a:p>
+        </p:txBody>
+      </p:sp>
+      <p:sp>
+        <p:nvSpPr>
+          <p:cNvPr id="3" name="Content Placeholder 2"/>
+          <p:cNvSpPr>
+            <a:spLocks noGrp="1"/>
+          </p:cNvSpPr>
+          <p:nvPr>
+            <p:ph idx="1"/>
+          </p:nvPr>
+        </p:nvSpPr>
+        <p:spPr>
+          <a:xfrm>
+            <a:off x="457200" y="4871150"/>
+            <a:ext cx="8566484" cy="1658824"/>
+          </a:xfrm>
+        </p:spPr>
+        <p:txBody>
+          <a:bodyPr>
+            <a:noAutofit/>
+          </a:bodyPr>
+          <a:lstStyle/>
+          <a:p>
+            <a:pPr marL="457200" lvl="1" indent="0">
+              <a:spcBef>
+                <a:spcPts val="0"/>
+              </a:spcBef>
+              <a:buNone/>
+            </a:pPr>
+            <a:r>
+              <a:rPr lang="en-US" sz="2400" dirty="0">
+                <a:hlinkClick r:id="rId3"/>
+              </a:rPr>
+              <a:t>http://</a:t>
+            </a:r>
+            <a:r>
+              <a:rPr lang="en-US" sz="2400" dirty="0" smtClean="0">
+                <a:hlinkClick r:id="rId3"/>
+              </a:rPr>
+              <a:t>www.polygon.com/2014/2/14/5411790/twitch-plays-pokemon-creator-interview-twitchplayspokemon</a:t>
+            </a:r>
+            <a:endParaRPr lang="en-US" sz="2400" dirty="0" smtClean="0"/>
+          </a:p>
+          <a:p>
+            <a:pPr marL="457200" lvl="1" indent="0">
+              <a:spcBef>
+                <a:spcPts val="0"/>
+              </a:spcBef>
+              <a:buNone/>
+            </a:pPr>
+            <a:endParaRPr lang="en-US" sz="2400" dirty="0" smtClean="0"/>
+          </a:p>
+          <a:p>
+            <a:pPr marL="457200" lvl="1" indent="0">
+              <a:spcBef>
+                <a:spcPts val="0"/>
+              </a:spcBef>
+              <a:buNone/>
+            </a:pPr>
+            <a:r>
+              <a:rPr lang="en-US" sz="2400" dirty="0">
+                <a:hlinkClick r:id="rId4"/>
+              </a:rPr>
+              <a:t>http://</a:t>
+            </a:r>
+            <a:r>
+              <a:rPr lang="en-US" sz="2400" dirty="0" smtClean="0">
+                <a:hlinkClick r:id="rId4"/>
+              </a:rPr>
+              <a:t>en.wikipedia.org/wiki/Twitch_Plays_Pok%C3%A9mon</a:t>
+            </a:r>
+            <a:r>
+              <a:rPr lang="en-US" sz="2400" dirty="0" smtClean="0"/>
+              <a:t> </a:t>
+            </a:r>
+            <a:endParaRPr lang="en-US" sz="2400" dirty="0"/>
+          </a:p>
+        </p:txBody>
+      </p:sp>
+      <p:pic>
+        <p:nvPicPr>
+          <p:cNvPr id="6" name="Picture 5"/>
+          <p:cNvPicPr>
+            <a:picLocks noChangeAspect="1"/>
+          </p:cNvPicPr>
+          <p:nvPr/>
+        </p:nvPicPr>
+        <p:blipFill>
+          <a:blip r:embed="rId5">
+            <a:extLst>
+              <a:ext uri="{28A0092B-C50C-407E-A947-70E740481C1C}">
+                <a14:useLocalDpi xmlns:a14="http://schemas.microsoft.com/office/drawing/2010/main" val="0"/>
+              </a:ext>
+            </a:extLst>
+          </a:blip>
+          <a:stretch>
+            <a:fillRect/>
+          </a:stretch>
+        </p:blipFill>
+        <p:spPr>
+          <a:xfrm>
+            <a:off x="1280160" y="998621"/>
+            <a:ext cx="6583680" cy="3703320"/>
+          </a:xfrm>
+          <a:prstGeom prst="rect">
+            <a:avLst/>
+          </a:prstGeom>
+        </p:spPr>
+      </p:pic>
+    </p:spTree>
+    <p:extLst>
+      <p:ext uri="{BB962C8B-B14F-4D97-AF65-F5344CB8AC3E}">
+        <p14:creationId xmlns:p14="http://schemas.microsoft.com/office/powerpoint/2010/main" val="2509086425"/>
+      </p:ext>
+    </p:extLst>
+  </p:cSld>
+  <p:clrMapOvr>
+    <a:masterClrMapping/>
+  </p:clrMapOvr>
+  <p:timing>
+    <p:tnLst>
+      <p:par>
+        <p:cTn id="1" dur="indefinite" restart="never" nodeType="tmRoot"/>
+      </p:par>
+    </p:tnLst>
+  </p:timing>
+</p:sld>
+</file>
+
+<file path=ppt/slides/slide13.xml><?xml version="1.0" encoding="utf-8"?>
+<p:sld xmlns:a="http://schemas.openxmlformats.org/drawingml/2006/main" xmlns:r="http://schemas.openxmlformats.org/officeDocument/2006/relationships" xmlns:p="http://schemas.openxmlformats.org/presentationml/2006/main">
+  <p:cSld>
+    <p:spTree>
+      <p:nvGrpSpPr>
+        <p:cNvPr id="1" name=""/>
+        <p:cNvGrpSpPr/>
+        <p:nvPr/>
+      </p:nvGrpSpPr>
+      <p:grpSpPr>
+        <a:xfrm>
+          <a:off x="0" y="0"/>
+          <a:ext cx="0" cy="0"/>
+          <a:chOff x="0" y="0"/>
+          <a:chExt cx="0" cy="0"/>
+        </a:xfrm>
+      </p:grpSpPr>
+      <p:sp>
+        <p:nvSpPr>
+          <p:cNvPr id="2" name="Title 1"/>
+          <p:cNvSpPr>
+            <a:spLocks noGrp="1"/>
+          </p:cNvSpPr>
+          <p:nvPr>
+            <p:ph type="title"/>
+          </p:nvPr>
+        </p:nvSpPr>
+        <p:spPr>
+          <a:xfrm>
+            <a:off x="457200" y="0"/>
+            <a:ext cx="8229600" cy="1143000"/>
+          </a:xfrm>
+        </p:spPr>
+        <p:txBody>
+          <a:bodyPr>
+            <a:normAutofit/>
+          </a:bodyPr>
+          <a:lstStyle/>
+          <a:p>
+            <a:r>
               <a:rPr lang="en-US" dirty="0" smtClean="0"/>
               <a:t>Open Steam Engine</a:t>
             </a:r>
@@ -6680,7 +7244,7 @@
 </p:sld>
 </file>
 
-<file path=ppt/slides/slide13.xml><?xml version="1.0" encoding="utf-8"?>
+<file path=ppt/slides/slide14.xml><?xml version="1.0" encoding="utf-8"?>
 <p:sld xmlns:a="http://schemas.openxmlformats.org/drawingml/2006/main" xmlns:r="http://schemas.openxmlformats.org/officeDocument/2006/relationships" xmlns:p="http://schemas.openxmlformats.org/presentationml/2006/main">
   <p:cSld>
     <p:spTree>
@@ -7018,7 +7582,7 @@
 </p:sld>
 </file>
 
-<file path=ppt/slides/slide14.xml><?xml version="1.0" encoding="utf-8"?>
+<file path=ppt/slides/slide15.xml><?xml version="1.0" encoding="utf-8"?>
 <p:sld xmlns:a="http://schemas.openxmlformats.org/drawingml/2006/main" xmlns:r="http://schemas.openxmlformats.org/officeDocument/2006/relationships" xmlns:p="http://schemas.openxmlformats.org/presentationml/2006/main">
   <p:cSld>
     <p:spTree>
@@ -7266,185 +7830,6 @@
     <p:extLst>
       <p:ext uri="{BB962C8B-B14F-4D97-AF65-F5344CB8AC3E}">
         <p14:creationId xmlns:p14="http://schemas.microsoft.com/office/powerpoint/2010/main" val="3631481406"/>
-      </p:ext>
-    </p:extLst>
-  </p:cSld>
-  <p:clrMapOvr>
-    <a:masterClrMapping/>
-  </p:clrMapOvr>
-  <p:timing>
-    <p:tnLst>
-      <p:par>
-        <p:cTn id="1" dur="indefinite" restart="never" nodeType="tmRoot"/>
-      </p:par>
-    </p:tnLst>
-  </p:timing>
-</p:sld>
-</file>
-
-<file path=ppt/slides/slide15.xml><?xml version="1.0" encoding="utf-8"?>
-<p:sld xmlns:a="http://schemas.openxmlformats.org/drawingml/2006/main" xmlns:r="http://schemas.openxmlformats.org/officeDocument/2006/relationships" xmlns:p="http://schemas.openxmlformats.org/presentationml/2006/main">
-  <p:cSld>
-    <p:spTree>
-      <p:nvGrpSpPr>
-        <p:cNvPr id="1" name=""/>
-        <p:cNvGrpSpPr/>
-        <p:nvPr/>
-      </p:nvGrpSpPr>
-      <p:grpSpPr>
-        <a:xfrm>
-          <a:off x="0" y="0"/>
-          <a:ext cx="0" cy="0"/>
-          <a:chOff x="0" y="0"/>
-          <a:chExt cx="0" cy="0"/>
-        </a:xfrm>
-      </p:grpSpPr>
-      <p:sp>
-        <p:nvSpPr>
-          <p:cNvPr id="2" name="Title 1"/>
-          <p:cNvSpPr>
-            <a:spLocks noGrp="1"/>
-          </p:cNvSpPr>
-          <p:nvPr>
-            <p:ph type="title"/>
-          </p:nvPr>
-        </p:nvSpPr>
-        <p:spPr>
-          <a:xfrm>
-            <a:off x="457200" y="0"/>
-            <a:ext cx="8229600" cy="1143000"/>
-          </a:xfrm>
-        </p:spPr>
-        <p:txBody>
-          <a:bodyPr>
-            <a:normAutofit/>
-          </a:bodyPr>
-          <a:lstStyle/>
-          <a:p>
-            <a:r>
-              <a:rPr lang="en-US" dirty="0"/>
-              <a:t>Twitch Plays </a:t>
-            </a:r>
-            <a:r>
-              <a:rPr lang="en-US" dirty="0" smtClean="0"/>
-              <a:t>Pokémon</a:t>
-            </a:r>
-            <a:endParaRPr lang="en-US" dirty="0"/>
-          </a:p>
-        </p:txBody>
-      </p:sp>
-      <p:sp>
-        <p:nvSpPr>
-          <p:cNvPr id="3" name="Content Placeholder 2"/>
-          <p:cNvSpPr>
-            <a:spLocks noGrp="1"/>
-          </p:cNvSpPr>
-          <p:nvPr>
-            <p:ph idx="1"/>
-          </p:nvPr>
-        </p:nvSpPr>
-        <p:spPr>
-          <a:xfrm>
-            <a:off x="457200" y="4871150"/>
-            <a:ext cx="8566484" cy="1658824"/>
-          </a:xfrm>
-        </p:spPr>
-        <p:txBody>
-          <a:bodyPr>
-            <a:noAutofit/>
-          </a:bodyPr>
-          <a:lstStyle/>
-          <a:p>
-            <a:pPr marL="457200" lvl="1" indent="0">
-              <a:spcBef>
-                <a:spcPts val="0"/>
-              </a:spcBef>
-              <a:buNone/>
-            </a:pPr>
-            <a:r>
-              <a:rPr lang="en-US" sz="2400" dirty="0">
-                <a:hlinkClick r:id="rId3"/>
-              </a:rPr>
-              <a:t>http://</a:t>
-            </a:r>
-            <a:r>
-              <a:rPr lang="en-US" sz="2400" dirty="0" smtClean="0">
-                <a:hlinkClick r:id="rId3"/>
-              </a:rPr>
-              <a:t>www.polygon.com/2014/2/14/5411790/twitch-plays-pokemon-creator-interview-twitchplayspokemon</a:t>
-            </a:r>
-            <a:endParaRPr lang="en-US" sz="2400" dirty="0" smtClean="0"/>
-          </a:p>
-          <a:p>
-            <a:pPr marL="457200" lvl="1" indent="0">
-              <a:spcBef>
-                <a:spcPts val="0"/>
-              </a:spcBef>
-              <a:buNone/>
-            </a:pPr>
-            <a:endParaRPr lang="en-US" sz="2400" dirty="0" smtClean="0"/>
-          </a:p>
-          <a:p>
-            <a:pPr marL="457200" lvl="1" indent="0">
-              <a:spcBef>
-                <a:spcPts val="0"/>
-              </a:spcBef>
-              <a:buNone/>
-            </a:pPr>
-            <a:r>
-              <a:rPr lang="en-US" sz="2400" dirty="0">
-                <a:hlinkClick r:id="rId4"/>
-              </a:rPr>
-              <a:t>http://</a:t>
-            </a:r>
-            <a:r>
-              <a:rPr lang="en-US" sz="2400" dirty="0" smtClean="0">
-                <a:hlinkClick r:id="rId4"/>
-              </a:rPr>
-              <a:t>en.wikipedia.org/wiki/Twitch_Plays_Pok%C3%A9mon</a:t>
-            </a:r>
-            <a:r>
-              <a:rPr lang="en-US" sz="2400" dirty="0" smtClean="0"/>
-              <a:t> </a:t>
-            </a:r>
-            <a:endParaRPr lang="en-US" sz="2400" dirty="0"/>
-          </a:p>
-        </p:txBody>
-      </p:sp>
-      <p:pic>
-        <p:nvPicPr>
-          <p:cNvPr id="6" name="Picture 5"/>
-          <p:cNvPicPr>
-            <a:picLocks noChangeAspect="1"/>
-          </p:cNvPicPr>
-          <p:nvPr/>
-        </p:nvPicPr>
-        <p:blipFill>
-          <a:blip r:embed="rId5">
-            <a:extLst>
-              <a:ext uri="{28A0092B-C50C-407E-A947-70E740481C1C}">
-                <a14:useLocalDpi xmlns:a14="http://schemas.microsoft.com/office/drawing/2010/main" val="0"/>
-              </a:ext>
-            </a:extLst>
-          </a:blip>
-          <a:stretch>
-            <a:fillRect/>
-          </a:stretch>
-        </p:blipFill>
-        <p:spPr>
-          <a:xfrm>
-            <a:off x="1280160" y="998621"/>
-            <a:ext cx="6583680" cy="3703320"/>
-          </a:xfrm>
-          <a:prstGeom prst="rect">
-            <a:avLst/>
-          </a:prstGeom>
-        </p:spPr>
-      </p:pic>
-    </p:spTree>
-    <p:extLst>
-      <p:ext uri="{BB962C8B-B14F-4D97-AF65-F5344CB8AC3E}">
-        <p14:creationId xmlns:p14="http://schemas.microsoft.com/office/powerpoint/2010/main" val="2509086425"/>
       </p:ext>
     </p:extLst>
   </p:cSld>
@@ -7992,52 +8377,55 @@
         </p:spPr>
         <p:txBody>
           <a:bodyPr>
+            <a:normAutofit fontScale="90000"/>
+          </a:bodyPr>
+          <a:lstStyle/>
+          <a:p>
+            <a:r>
+              <a:rPr lang="en-US" dirty="0" smtClean="0"/>
+              <a:t>Open Data: </a:t>
+            </a:r>
+            <a:br>
+              <a:rPr lang="en-US" dirty="0" smtClean="0"/>
+            </a:br>
+            <a:r>
+              <a:rPr lang="en-US" dirty="0" smtClean="0"/>
+              <a:t>Data Citation and Attribution</a:t>
+            </a:r>
+            <a:endParaRPr lang="en-US" dirty="0"/>
+          </a:p>
+        </p:txBody>
+      </p:sp>
+      <p:sp>
+        <p:nvSpPr>
+          <p:cNvPr id="3" name="Content Placeholder 2"/>
+          <p:cNvSpPr>
+            <a:spLocks noGrp="1"/>
+          </p:cNvSpPr>
+          <p:nvPr>
+            <p:ph idx="1"/>
+          </p:nvPr>
+        </p:nvSpPr>
+        <p:spPr>
+          <a:xfrm>
+            <a:off x="457200" y="1358282"/>
+            <a:ext cx="8503920" cy="5290168"/>
+          </a:xfrm>
+        </p:spPr>
+        <p:txBody>
+          <a:bodyPr>
             <a:normAutofit/>
           </a:bodyPr>
           <a:lstStyle/>
           <a:p>
-            <a:r>
-              <a:rPr lang="en-US" dirty="0" smtClean="0"/>
-              <a:t>Take </a:t>
-            </a:r>
-            <a:r>
-              <a:rPr lang="en-US" dirty="0" err="1" smtClean="0"/>
-              <a:t>Aways</a:t>
-            </a:r>
-            <a:endParaRPr lang="en-US" dirty="0"/>
-          </a:p>
-        </p:txBody>
-      </p:sp>
-      <p:sp>
-        <p:nvSpPr>
-          <p:cNvPr id="3" name="Content Placeholder 2"/>
-          <p:cNvSpPr>
-            <a:spLocks noGrp="1"/>
-          </p:cNvSpPr>
-          <p:nvPr>
-            <p:ph idx="1"/>
-          </p:nvPr>
-        </p:nvSpPr>
-        <p:spPr>
-          <a:xfrm>
-            <a:off x="457200" y="1143000"/>
-            <a:ext cx="8503920" cy="5257800"/>
-          </a:xfrm>
-        </p:spPr>
-        <p:txBody>
-          <a:bodyPr>
-            <a:noAutofit/>
-          </a:bodyPr>
-          <a:lstStyle/>
-          <a:p>
             <a:pPr>
               <a:spcBef>
                 <a:spcPts val="0"/>
               </a:spcBef>
             </a:pPr>
             <a:r>
-              <a:rPr lang="en-US" dirty="0" smtClean="0"/>
-              <a:t>Open Source mechanics works for more than just software, and with a variety of approaches</a:t>
+              <a:rPr lang="en-US" sz="2800" dirty="0" smtClean="0"/>
+              <a:t>When to publish your data?</a:t>
             </a:r>
           </a:p>
           <a:p>
@@ -8047,16 +8435,8 @@
               </a:spcBef>
             </a:pPr>
             <a:r>
-              <a:rPr lang="en-US" dirty="0" smtClean="0"/>
-              <a:t>Math, </a:t>
-            </a:r>
-            <a:r>
-              <a:rPr lang="en-US" dirty="0"/>
-              <a:t>Chess, Steam </a:t>
-            </a:r>
-            <a:r>
-              <a:rPr lang="en-US" dirty="0" smtClean="0"/>
-              <a:t>Engines</a:t>
+              <a:rPr lang="en-US" sz="2400" dirty="0" smtClean="0"/>
+              <a:t>Onset of project</a:t>
             </a:r>
           </a:p>
           <a:p>
@@ -8066,8 +8446,19 @@
               </a:spcBef>
             </a:pPr>
             <a:r>
-              <a:rPr lang="en-US" dirty="0" smtClean="0"/>
-              <a:t>Data, Research, Weather</a:t>
+              <a:rPr lang="en-US" sz="2400" dirty="0" smtClean="0"/>
+              <a:t>After you’ve published one or more initial papers referencing the data?</a:t>
+            </a:r>
+          </a:p>
+          <a:p>
+            <a:pPr lvl="1">
+              <a:spcBef>
+                <a:spcPts val="0"/>
+              </a:spcBef>
+            </a:pPr>
+            <a:r>
+              <a:rPr lang="en-US" sz="2400" dirty="0" smtClean="0"/>
+              <a:t>Never – always hold data “close to the vest?”</a:t>
             </a:r>
           </a:p>
           <a:p>
@@ -8077,8 +8468,8 @@
               </a:spcBef>
             </a:pPr>
             <a:r>
-              <a:rPr lang="en-US" dirty="0" smtClean="0"/>
-              <a:t>Amplification Effect: Create a framework where lots of little ideas and inputs can freely combine into one, or more, greater ideas</a:t>
+              <a:rPr lang="en-US" sz="2800" dirty="0" smtClean="0"/>
+              <a:t>Incentives, culture</a:t>
             </a:r>
           </a:p>
           <a:p>
@@ -8088,8 +8479,8 @@
               </a:spcBef>
             </a:pPr>
             <a:r>
-              <a:rPr lang="en-US" dirty="0" smtClean="0"/>
-              <a:t>Innovation</a:t>
+              <a:rPr lang="en-US" sz="2400" dirty="0" smtClean="0"/>
+              <a:t>How do we affect culture change so that data citation and attribution leads to one’s tenure and promotion?</a:t>
             </a:r>
           </a:p>
           <a:p>
@@ -8099,8 +8490,19 @@
               </a:spcBef>
             </a:pPr>
             <a:r>
-              <a:rPr lang="en-US" dirty="0" smtClean="0"/>
-              <a:t>Collaboration</a:t>
+              <a:rPr lang="en-US" sz="2400" dirty="0" smtClean="0"/>
+              <a:t>How do we facilitate peer-review of data?</a:t>
+            </a:r>
+          </a:p>
+          <a:p>
+            <a:pPr>
+              <a:spcBef>
+                <a:spcPts val="0"/>
+              </a:spcBef>
+            </a:pPr>
+            <a:r>
+              <a:rPr lang="en-US" sz="2800" dirty="0" smtClean="0"/>
+              <a:t>Infrastructure to publish data </a:t>
             </a:r>
           </a:p>
           <a:p>
@@ -8110,21 +8512,9 @@
               </a:spcBef>
             </a:pPr>
             <a:r>
-              <a:rPr lang="en-US" dirty="0" smtClean="0"/>
-              <a:t>Solutions to problems</a:t>
-            </a:r>
-          </a:p>
-          <a:p>
-            <a:pPr lvl="2">
-              <a:spcBef>
-                <a:spcPts val="0"/>
-              </a:spcBef>
-            </a:pPr>
-            <a:r>
-              <a:rPr lang="en-US" dirty="0" smtClean="0"/>
-              <a:t>From bug fixes to research solutions</a:t>
-            </a:r>
-            <a:endParaRPr lang="en-US" dirty="0"/>
+              <a:rPr lang="en-US" sz="2400" dirty="0" smtClean="0"/>
+              <a:t>Is open data infrastructure conducive to protecting and promoting proper citation?</a:t>
+            </a:r>
           </a:p>
         </p:txBody>
       </p:sp>
@@ -8315,6 +8705,205 @@
             <a:spLocks noGrp="1"/>
           </p:cNvSpPr>
           <p:nvPr>
+            <p:ph type="title"/>
+          </p:nvPr>
+        </p:nvSpPr>
+        <p:spPr>
+          <a:xfrm>
+            <a:off x="457200" y="0"/>
+            <a:ext cx="8229600" cy="1143000"/>
+          </a:xfrm>
+        </p:spPr>
+        <p:txBody>
+          <a:bodyPr>
+            <a:normAutofit/>
+          </a:bodyPr>
+          <a:lstStyle/>
+          <a:p>
+            <a:r>
+              <a:rPr lang="en-US" dirty="0" smtClean="0"/>
+              <a:t>Take </a:t>
+            </a:r>
+            <a:r>
+              <a:rPr lang="en-US" dirty="0" err="1" smtClean="0"/>
+              <a:t>Aways</a:t>
+            </a:r>
+            <a:endParaRPr lang="en-US" dirty="0"/>
+          </a:p>
+        </p:txBody>
+      </p:sp>
+      <p:sp>
+        <p:nvSpPr>
+          <p:cNvPr id="3" name="Content Placeholder 2"/>
+          <p:cNvSpPr>
+            <a:spLocks noGrp="1"/>
+          </p:cNvSpPr>
+          <p:nvPr>
+            <p:ph idx="1"/>
+          </p:nvPr>
+        </p:nvSpPr>
+        <p:spPr>
+          <a:xfrm>
+            <a:off x="457200" y="1143000"/>
+            <a:ext cx="8503920" cy="5257800"/>
+          </a:xfrm>
+        </p:spPr>
+        <p:txBody>
+          <a:bodyPr>
+            <a:noAutofit/>
+          </a:bodyPr>
+          <a:lstStyle/>
+          <a:p>
+            <a:pPr>
+              <a:spcBef>
+                <a:spcPts val="0"/>
+              </a:spcBef>
+            </a:pPr>
+            <a:r>
+              <a:rPr lang="en-US" dirty="0" smtClean="0"/>
+              <a:t>Open Source mechanics works for more than just software, and with a variety of approaches</a:t>
+            </a:r>
+          </a:p>
+          <a:p>
+            <a:pPr lvl="1">
+              <a:spcBef>
+                <a:spcPts val="0"/>
+              </a:spcBef>
+            </a:pPr>
+            <a:r>
+              <a:rPr lang="en-US" dirty="0" smtClean="0"/>
+              <a:t>Math, </a:t>
+            </a:r>
+            <a:r>
+              <a:rPr lang="en-US" dirty="0"/>
+              <a:t>Chess, Steam </a:t>
+            </a:r>
+            <a:r>
+              <a:rPr lang="en-US" dirty="0" smtClean="0"/>
+              <a:t>Engines</a:t>
+            </a:r>
+          </a:p>
+          <a:p>
+            <a:pPr lvl="1">
+              <a:spcBef>
+                <a:spcPts val="0"/>
+              </a:spcBef>
+            </a:pPr>
+            <a:r>
+              <a:rPr lang="en-US" dirty="0" smtClean="0"/>
+              <a:t>Data, Research, Weather</a:t>
+            </a:r>
+          </a:p>
+          <a:p>
+            <a:pPr>
+              <a:spcBef>
+                <a:spcPts val="0"/>
+              </a:spcBef>
+            </a:pPr>
+            <a:r>
+              <a:rPr lang="en-US" dirty="0" smtClean="0"/>
+              <a:t>Amplification Effect: </a:t>
+            </a:r>
+            <a:r>
+              <a:rPr lang="en-US" smtClean="0"/>
+              <a:t>Create an open </a:t>
+            </a:r>
+            <a:r>
+              <a:rPr lang="en-US" dirty="0" smtClean="0"/>
+              <a:t>framework where lots of little ideas and inputs can freely combine into one, or more, greater ideas</a:t>
+            </a:r>
+          </a:p>
+          <a:p>
+            <a:pPr lvl="1">
+              <a:spcBef>
+                <a:spcPts val="0"/>
+              </a:spcBef>
+            </a:pPr>
+            <a:r>
+              <a:rPr lang="en-US" dirty="0" smtClean="0"/>
+              <a:t>Innovation</a:t>
+            </a:r>
+          </a:p>
+          <a:p>
+            <a:pPr lvl="1">
+              <a:spcBef>
+                <a:spcPts val="0"/>
+              </a:spcBef>
+            </a:pPr>
+            <a:r>
+              <a:rPr lang="en-US" dirty="0" smtClean="0"/>
+              <a:t>Collaboration</a:t>
+            </a:r>
+          </a:p>
+          <a:p>
+            <a:pPr lvl="1">
+              <a:spcBef>
+                <a:spcPts val="0"/>
+              </a:spcBef>
+            </a:pPr>
+            <a:r>
+              <a:rPr lang="en-US" dirty="0" smtClean="0"/>
+              <a:t>Solutions to problems</a:t>
+            </a:r>
+          </a:p>
+          <a:p>
+            <a:pPr lvl="2">
+              <a:spcBef>
+                <a:spcPts val="0"/>
+              </a:spcBef>
+            </a:pPr>
+            <a:r>
+              <a:rPr lang="en-US" dirty="0" smtClean="0"/>
+              <a:t>From bug fixes to research solutions</a:t>
+            </a:r>
+            <a:endParaRPr lang="en-US" dirty="0"/>
+          </a:p>
+        </p:txBody>
+      </p:sp>
+    </p:spTree>
+    <p:extLst>
+      <p:ext uri="{BB962C8B-B14F-4D97-AF65-F5344CB8AC3E}">
+        <p14:creationId xmlns:p14="http://schemas.microsoft.com/office/powerpoint/2010/main" val="3945716441"/>
+      </p:ext>
+    </p:extLst>
+  </p:cSld>
+  <p:clrMapOvr>
+    <a:masterClrMapping/>
+  </p:clrMapOvr>
+  <p:timing>
+    <p:tnLst>
+      <p:par>
+        <p:cTn id="1" dur="indefinite" restart="never" nodeType="tmRoot"/>
+      </p:par>
+    </p:tnLst>
+  </p:timing>
+</p:sld>
+</file>
+
+<file path=ppt/slides/slide21.xml><?xml version="1.0" encoding="utf-8"?>
+<p:sld xmlns:a="http://schemas.openxmlformats.org/drawingml/2006/main" xmlns:r="http://schemas.openxmlformats.org/officeDocument/2006/relationships" xmlns:p="http://schemas.openxmlformats.org/presentationml/2006/main">
+  <p:cSld>
+    <p:spTree>
+      <p:nvGrpSpPr>
+        <p:cNvPr id="1" name=""/>
+        <p:cNvGrpSpPr/>
+        <p:nvPr/>
+      </p:nvGrpSpPr>
+      <p:grpSpPr>
+        <a:xfrm>
+          <a:off x="0" y="0"/>
+          <a:ext cx="0" cy="0"/>
+          <a:chOff x="0" y="0"/>
+          <a:chExt cx="0" cy="0"/>
+        </a:xfrm>
+      </p:grpSpPr>
+      <p:sp>
+        <p:nvSpPr>
+          <p:cNvPr id="2" name="Title 1"/>
+          <p:cNvSpPr>
+            <a:spLocks noGrp="1"/>
+          </p:cNvSpPr>
+          <p:nvPr>
             <p:ph type="ctrTitle"/>
           </p:nvPr>
         </p:nvSpPr>
@@ -8907,7 +9496,7 @@
           <a:p>
             <a:pPr marL="971550" lvl="1" indent="-514350">
               <a:spcBef>
-                <a:spcPts val="0"/>
+                <a:spcPts val="600"/>
               </a:spcBef>
               <a:buFont typeface="+mj-lt"/>
               <a:buAutoNum type="arabicPeriod" startAt="2"/>
@@ -8920,7 +9509,7 @@
           <a:p>
             <a:pPr marL="971550" lvl="1" indent="-514350">
               <a:spcBef>
-                <a:spcPts val="0"/>
+                <a:spcPts val="600"/>
               </a:spcBef>
               <a:buFont typeface="+mj-lt"/>
               <a:buAutoNum type="arabicPeriod" startAt="3"/>
@@ -8933,7 +9522,7 @@
           <a:p>
             <a:pPr marL="971550" lvl="1" indent="-514350">
               <a:spcBef>
-                <a:spcPts val="0"/>
+                <a:spcPts val="600"/>
               </a:spcBef>
               <a:buFont typeface="+mj-lt"/>
               <a:buAutoNum type="arabicPeriod" startAt="6"/>
@@ -8946,7 +9535,7 @@
           <a:p>
             <a:pPr marL="971550" lvl="1" indent="-514350">
               <a:spcBef>
-                <a:spcPts val="0"/>
+                <a:spcPts val="600"/>
               </a:spcBef>
               <a:buFont typeface="+mj-lt"/>
               <a:buAutoNum type="arabicPeriod" startAt="6"/>
@@ -9085,7 +9674,7 @@
           <a:p>
             <a:pPr marL="971550" lvl="1" indent="-514350">
               <a:spcBef>
-                <a:spcPts val="0"/>
+                <a:spcPts val="600"/>
               </a:spcBef>
               <a:buFont typeface="+mj-lt"/>
               <a:buAutoNum type="arabicPeriod" startAt="8"/>
@@ -9106,7 +9695,7 @@
           <a:p>
             <a:pPr marL="971550" lvl="1" indent="-514350">
               <a:spcBef>
-                <a:spcPts val="0"/>
+                <a:spcPts val="600"/>
               </a:spcBef>
               <a:buFont typeface="+mj-lt"/>
               <a:buAutoNum type="arabicPeriod" startAt="11"/>
@@ -9119,7 +9708,7 @@
           <a:p>
             <a:pPr marL="971550" lvl="1" indent="-514350">
               <a:spcBef>
-                <a:spcPts val="0"/>
+                <a:spcPts val="600"/>
               </a:spcBef>
               <a:buFont typeface="+mj-lt"/>
               <a:buAutoNum type="arabicPeriod" startAt="11"/>
@@ -11897,9 +12486,10 @@
               </a:spcBef>
             </a:pPr>
             <a:r>
-              <a:rPr lang="en-US" dirty="0" smtClean="0"/>
-              <a:t>Crowd-Source</a:t>
-            </a:r>
+              <a:rPr lang="en-US" dirty="0" err="1" smtClean="0"/>
+              <a:t>Crowdsource</a:t>
+            </a:r>
+            <a:endParaRPr lang="en-US" dirty="0" smtClean="0"/>
           </a:p>
           <a:p>
             <a:pPr lvl="1">
@@ -12820,21 +13410,12 @@
 </file>
 
 <file path=customXml/item1.xml><?xml version="1.0" encoding="utf-8"?>
-<?mso-contentType ?>
-<FormTemplates xmlns="http://schemas.microsoft.com/sharepoint/v3/contenttype/forms">
-  <Display>DocumentLibraryForm</Display>
-  <Edit>DocumentLibraryForm</Edit>
-  <New>DocumentLibraryForm</New>
-</FormTemplates>
-</file>
-
-<file path=customXml/item2.xml><?xml version="1.0" encoding="utf-8"?>
 <p:properties xmlns:p="http://schemas.microsoft.com/office/2006/metadata/properties" xmlns:xsi="http://www.w3.org/2001/XMLSchema-instance" xmlns:pc="http://schemas.microsoft.com/office/infopath/2007/PartnerControls">
   <documentManagement/>
 </p:properties>
 </file>
 
-<file path=customXml/item3.xml><?xml version="1.0" encoding="utf-8"?>
+<file path=customXml/item2.xml><?xml version="1.0" encoding="utf-8"?>
 <ct:contentTypeSchema xmlns:ct="http://schemas.microsoft.com/office/2006/metadata/contentType" xmlns:ma="http://schemas.microsoft.com/office/2006/metadata/properties/metaAttributes" ct:_="" ma:_="" ma:contentTypeName="Document" ma:contentTypeID="0x0101008EB671D78AF50D499D1D6164B447FCEE" ma:contentTypeVersion="" ma:contentTypeDescription="Create a new document." ma:contentTypeScope="" ma:versionID="9c1ecbbe78b62fd719a42c922c273ca8">
   <xsd:schema xmlns:xsd="http://www.w3.org/2001/XMLSchema" xmlns:xs="http://www.w3.org/2001/XMLSchema" xmlns:p="http://schemas.microsoft.com/office/2006/metadata/properties" targetNamespace="http://schemas.microsoft.com/office/2006/metadata/properties" ma:root="true" ma:fieldsID="b2384c6cc0088fcedbaf6edaf557defa">
     <xsd:element name="properties">
@@ -12948,15 +13529,16 @@
 </ct:contentTypeSchema>
 </file>
 
-<file path=customXml/itemProps1.xml><?xml version="1.0" encoding="utf-8"?>
-<ds:datastoreItem xmlns:ds="http://schemas.openxmlformats.org/officeDocument/2006/customXml" ds:itemID="{B81C4E31-63DB-48E4-B9E1-27749B0D8EE7}">
-  <ds:schemaRefs>
-    <ds:schemaRef ds:uri="http://schemas.microsoft.com/sharepoint/v3/contenttype/forms"/>
-  </ds:schemaRefs>
-</ds:datastoreItem>
+<file path=customXml/item3.xml><?xml version="1.0" encoding="utf-8"?>
+<?mso-contentType ?>
+<FormTemplates xmlns="http://schemas.microsoft.com/sharepoint/v3/contenttype/forms">
+  <Display>DocumentLibraryForm</Display>
+  <Edit>DocumentLibraryForm</Edit>
+  <New>DocumentLibraryForm</New>
+</FormTemplates>
 </file>
 
-<file path=customXml/itemProps2.xml><?xml version="1.0" encoding="utf-8"?>
+<file path=customXml/itemProps1.xml><?xml version="1.0" encoding="utf-8"?>
 <ds:datastoreItem xmlns:ds="http://schemas.openxmlformats.org/officeDocument/2006/customXml" ds:itemID="{F5546A85-E3FF-4108-9441-5918C19E322A}">
   <ds:schemaRefs>
     <ds:schemaRef ds:uri="http://schemas.microsoft.com/office/2006/metadata/properties"/>
@@ -12965,7 +13547,7 @@
 </ds:datastoreItem>
 </file>
 
-<file path=customXml/itemProps3.xml><?xml version="1.0" encoding="utf-8"?>
+<file path=customXml/itemProps2.xml><?xml version="1.0" encoding="utf-8"?>
 <ds:datastoreItem xmlns:ds="http://schemas.openxmlformats.org/officeDocument/2006/customXml" ds:itemID="{540863D5-0138-47D7-8D34-2E5E37C4F9AD}">
   <ds:schemaRefs>
     <ds:schemaRef ds:uri="http://schemas.microsoft.com/office/2006/metadata/contentType"/>
@@ -12979,4 +13561,12 @@
     <ds:schemaRef ds:uri="http://schemas.microsoft.com/office/infopath/2007/PartnerControls"/>
   </ds:schemaRefs>
 </ds:datastoreItem>
+</file>
+
+<file path=customXml/itemProps3.xml><?xml version="1.0" encoding="utf-8"?>
+<ds:datastoreItem xmlns:ds="http://schemas.openxmlformats.org/officeDocument/2006/customXml" ds:itemID="{B81C4E31-63DB-48E4-B9E1-27749B0D8EE7}">
+  <ds:schemaRefs>
+    <ds:schemaRef ds:uri="http://schemas.microsoft.com/sharepoint/v3/contenttype/forms"/>
+  </ds:schemaRefs>
+</ds:datastoreItem>
 </file>